--- a/slides/07_abstract_classes_interfaces.pptx
+++ b/slides/07_abstract_classes_interfaces.pptx
@@ -356,104 +356,239 @@
             <a:noAutofit/>
           </a:bodyPr>
           <a:lstStyle>
-            <a:lvl1pPr indent="-298450" lvl="0" marL="457200">
-              <a:spcBef>
-                <a:spcPts val="0"/>
-              </a:spcBef>
-              <a:spcAft>
-                <a:spcPts val="0"/>
-              </a:spcAft>
+            <a:lvl1pPr indent="-298450" lvl="0" marL="457200" marR="0" rtl="0" algn="l">
+              <a:lnSpc>
+                <a:spcPct val="100000"/>
+              </a:lnSpc>
+              <a:spcBef>
+                <a:spcPts val="0"/>
+              </a:spcBef>
+              <a:spcAft>
+                <a:spcPts val="0"/>
+              </a:spcAft>
+              <a:buClr>
+                <a:srgbClr val="000000"/>
+              </a:buClr>
               <a:buSzPts val="1100"/>
+              <a:buFont typeface="Arial"/>
               <a:buChar char="●"/>
-              <a:defRPr sz="1100"/>
+              <a:defRPr b="0" i="0" sz="1100" u="none" cap="none" strike="noStrike">
+                <a:solidFill>
+                  <a:srgbClr val="000000"/>
+                </a:solidFill>
+                <a:latin typeface="Arial"/>
+                <a:ea typeface="Arial"/>
+                <a:cs typeface="Arial"/>
+                <a:sym typeface="Arial"/>
+              </a:defRPr>
             </a:lvl1pPr>
-            <a:lvl2pPr indent="-298450" lvl="1" marL="914400">
-              <a:spcBef>
-                <a:spcPts val="0"/>
-              </a:spcBef>
-              <a:spcAft>
-                <a:spcPts val="0"/>
-              </a:spcAft>
+            <a:lvl2pPr indent="-298450" lvl="1" marL="914400" marR="0" rtl="0" algn="l">
+              <a:lnSpc>
+                <a:spcPct val="100000"/>
+              </a:lnSpc>
+              <a:spcBef>
+                <a:spcPts val="0"/>
+              </a:spcBef>
+              <a:spcAft>
+                <a:spcPts val="0"/>
+              </a:spcAft>
+              <a:buClr>
+                <a:srgbClr val="000000"/>
+              </a:buClr>
               <a:buSzPts val="1100"/>
+              <a:buFont typeface="Arial"/>
               <a:buChar char="○"/>
-              <a:defRPr sz="1100"/>
+              <a:defRPr b="0" i="0" sz="1100" u="none" cap="none" strike="noStrike">
+                <a:solidFill>
+                  <a:srgbClr val="000000"/>
+                </a:solidFill>
+                <a:latin typeface="Arial"/>
+                <a:ea typeface="Arial"/>
+                <a:cs typeface="Arial"/>
+                <a:sym typeface="Arial"/>
+              </a:defRPr>
             </a:lvl2pPr>
-            <a:lvl3pPr indent="-298450" lvl="2" marL="1371600">
-              <a:spcBef>
-                <a:spcPts val="0"/>
-              </a:spcBef>
-              <a:spcAft>
-                <a:spcPts val="0"/>
-              </a:spcAft>
+            <a:lvl3pPr indent="-298450" lvl="2" marL="1371600" marR="0" rtl="0" algn="l">
+              <a:lnSpc>
+                <a:spcPct val="100000"/>
+              </a:lnSpc>
+              <a:spcBef>
+                <a:spcPts val="0"/>
+              </a:spcBef>
+              <a:spcAft>
+                <a:spcPts val="0"/>
+              </a:spcAft>
+              <a:buClr>
+                <a:srgbClr val="000000"/>
+              </a:buClr>
               <a:buSzPts val="1100"/>
+              <a:buFont typeface="Arial"/>
               <a:buChar char="■"/>
-              <a:defRPr sz="1100"/>
+              <a:defRPr b="0" i="0" sz="1100" u="none" cap="none" strike="noStrike">
+                <a:solidFill>
+                  <a:srgbClr val="000000"/>
+                </a:solidFill>
+                <a:latin typeface="Arial"/>
+                <a:ea typeface="Arial"/>
+                <a:cs typeface="Arial"/>
+                <a:sym typeface="Arial"/>
+              </a:defRPr>
             </a:lvl3pPr>
-            <a:lvl4pPr indent="-298450" lvl="3" marL="1828800">
-              <a:spcBef>
-                <a:spcPts val="0"/>
-              </a:spcBef>
-              <a:spcAft>
-                <a:spcPts val="0"/>
-              </a:spcAft>
+            <a:lvl4pPr indent="-298450" lvl="3" marL="1828800" marR="0" rtl="0" algn="l">
+              <a:lnSpc>
+                <a:spcPct val="100000"/>
+              </a:lnSpc>
+              <a:spcBef>
+                <a:spcPts val="0"/>
+              </a:spcBef>
+              <a:spcAft>
+                <a:spcPts val="0"/>
+              </a:spcAft>
+              <a:buClr>
+                <a:srgbClr val="000000"/>
+              </a:buClr>
               <a:buSzPts val="1100"/>
+              <a:buFont typeface="Arial"/>
               <a:buChar char="●"/>
-              <a:defRPr sz="1100"/>
+              <a:defRPr b="0" i="0" sz="1100" u="none" cap="none" strike="noStrike">
+                <a:solidFill>
+                  <a:srgbClr val="000000"/>
+                </a:solidFill>
+                <a:latin typeface="Arial"/>
+                <a:ea typeface="Arial"/>
+                <a:cs typeface="Arial"/>
+                <a:sym typeface="Arial"/>
+              </a:defRPr>
             </a:lvl4pPr>
-            <a:lvl5pPr indent="-298450" lvl="4" marL="2286000">
-              <a:spcBef>
-                <a:spcPts val="0"/>
-              </a:spcBef>
-              <a:spcAft>
-                <a:spcPts val="0"/>
-              </a:spcAft>
+            <a:lvl5pPr indent="-298450" lvl="4" marL="2286000" marR="0" rtl="0" algn="l">
+              <a:lnSpc>
+                <a:spcPct val="100000"/>
+              </a:lnSpc>
+              <a:spcBef>
+                <a:spcPts val="0"/>
+              </a:spcBef>
+              <a:spcAft>
+                <a:spcPts val="0"/>
+              </a:spcAft>
+              <a:buClr>
+                <a:srgbClr val="000000"/>
+              </a:buClr>
               <a:buSzPts val="1100"/>
+              <a:buFont typeface="Arial"/>
               <a:buChar char="○"/>
-              <a:defRPr sz="1100"/>
+              <a:defRPr b="0" i="0" sz="1100" u="none" cap="none" strike="noStrike">
+                <a:solidFill>
+                  <a:srgbClr val="000000"/>
+                </a:solidFill>
+                <a:latin typeface="Arial"/>
+                <a:ea typeface="Arial"/>
+                <a:cs typeface="Arial"/>
+                <a:sym typeface="Arial"/>
+              </a:defRPr>
             </a:lvl5pPr>
-            <a:lvl6pPr indent="-298450" lvl="5" marL="2743200">
-              <a:spcBef>
-                <a:spcPts val="0"/>
-              </a:spcBef>
-              <a:spcAft>
-                <a:spcPts val="0"/>
-              </a:spcAft>
+            <a:lvl6pPr indent="-298450" lvl="5" marL="2743200" marR="0" rtl="0" algn="l">
+              <a:lnSpc>
+                <a:spcPct val="100000"/>
+              </a:lnSpc>
+              <a:spcBef>
+                <a:spcPts val="0"/>
+              </a:spcBef>
+              <a:spcAft>
+                <a:spcPts val="0"/>
+              </a:spcAft>
+              <a:buClr>
+                <a:srgbClr val="000000"/>
+              </a:buClr>
               <a:buSzPts val="1100"/>
+              <a:buFont typeface="Arial"/>
               <a:buChar char="■"/>
-              <a:defRPr sz="1100"/>
+              <a:defRPr b="0" i="0" sz="1100" u="none" cap="none" strike="noStrike">
+                <a:solidFill>
+                  <a:srgbClr val="000000"/>
+                </a:solidFill>
+                <a:latin typeface="Arial"/>
+                <a:ea typeface="Arial"/>
+                <a:cs typeface="Arial"/>
+                <a:sym typeface="Arial"/>
+              </a:defRPr>
             </a:lvl6pPr>
-            <a:lvl7pPr indent="-298450" lvl="6" marL="3200400">
-              <a:spcBef>
-                <a:spcPts val="0"/>
-              </a:spcBef>
-              <a:spcAft>
-                <a:spcPts val="0"/>
-              </a:spcAft>
+            <a:lvl7pPr indent="-298450" lvl="6" marL="3200400" marR="0" rtl="0" algn="l">
+              <a:lnSpc>
+                <a:spcPct val="100000"/>
+              </a:lnSpc>
+              <a:spcBef>
+                <a:spcPts val="0"/>
+              </a:spcBef>
+              <a:spcAft>
+                <a:spcPts val="0"/>
+              </a:spcAft>
+              <a:buClr>
+                <a:srgbClr val="000000"/>
+              </a:buClr>
               <a:buSzPts val="1100"/>
+              <a:buFont typeface="Arial"/>
               <a:buChar char="●"/>
-              <a:defRPr sz="1100"/>
+              <a:defRPr b="0" i="0" sz="1100" u="none" cap="none" strike="noStrike">
+                <a:solidFill>
+                  <a:srgbClr val="000000"/>
+                </a:solidFill>
+                <a:latin typeface="Arial"/>
+                <a:ea typeface="Arial"/>
+                <a:cs typeface="Arial"/>
+                <a:sym typeface="Arial"/>
+              </a:defRPr>
             </a:lvl7pPr>
-            <a:lvl8pPr indent="-298450" lvl="7" marL="3657600">
-              <a:spcBef>
-                <a:spcPts val="0"/>
-              </a:spcBef>
-              <a:spcAft>
-                <a:spcPts val="0"/>
-              </a:spcAft>
+            <a:lvl8pPr indent="-298450" lvl="7" marL="3657600" marR="0" rtl="0" algn="l">
+              <a:lnSpc>
+                <a:spcPct val="100000"/>
+              </a:lnSpc>
+              <a:spcBef>
+                <a:spcPts val="0"/>
+              </a:spcBef>
+              <a:spcAft>
+                <a:spcPts val="0"/>
+              </a:spcAft>
+              <a:buClr>
+                <a:srgbClr val="000000"/>
+              </a:buClr>
               <a:buSzPts val="1100"/>
+              <a:buFont typeface="Arial"/>
               <a:buChar char="○"/>
-              <a:defRPr sz="1100"/>
+              <a:defRPr b="0" i="0" sz="1100" u="none" cap="none" strike="noStrike">
+                <a:solidFill>
+                  <a:srgbClr val="000000"/>
+                </a:solidFill>
+                <a:latin typeface="Arial"/>
+                <a:ea typeface="Arial"/>
+                <a:cs typeface="Arial"/>
+                <a:sym typeface="Arial"/>
+              </a:defRPr>
             </a:lvl8pPr>
-            <a:lvl9pPr indent="-298450" lvl="8" marL="4114800">
-              <a:spcBef>
-                <a:spcPts val="0"/>
-              </a:spcBef>
-              <a:spcAft>
-                <a:spcPts val="0"/>
-              </a:spcAft>
+            <a:lvl9pPr indent="-298450" lvl="8" marL="4114800" marR="0" rtl="0" algn="l">
+              <a:lnSpc>
+                <a:spcPct val="100000"/>
+              </a:lnSpc>
+              <a:spcBef>
+                <a:spcPts val="0"/>
+              </a:spcBef>
+              <a:spcAft>
+                <a:spcPts val="0"/>
+              </a:spcAft>
+              <a:buClr>
+                <a:srgbClr val="000000"/>
+              </a:buClr>
               <a:buSzPts val="1100"/>
+              <a:buFont typeface="Arial"/>
               <a:buChar char="■"/>
-              <a:defRPr sz="1100"/>
+              <a:defRPr b="0" i="0" sz="1100" u="none" cap="none" strike="noStrike">
+                <a:solidFill>
+                  <a:srgbClr val="000000"/>
+                </a:solidFill>
+                <a:latin typeface="Arial"/>
+                <a:ea typeface="Arial"/>
+                <a:cs typeface="Arial"/>
+                <a:sym typeface="Arial"/>
+              </a:defRPr>
             </a:lvl9pPr>
           </a:lstStyle>
           <a:p/>
@@ -713,7 +848,7 @@
       </p:grpSpPr>
       <p:sp>
         <p:nvSpPr>
-          <p:cNvPr id="81" name="Google Shape;81;p:notes"/>
+          <p:cNvPr id="81" name="Google Shape;81;p1:notes"/>
           <p:cNvSpPr/>
           <p:nvPr>
             <p:ph idx="2" type="sldImg"/>
@@ -744,11 +879,21 @@
               </a:path>
             </a:pathLst>
           </a:custGeom>
+          <a:noFill/>
+          <a:ln cap="flat" cmpd="sng" w="9525">
+            <a:solidFill>
+              <a:srgbClr val="000000"/>
+            </a:solidFill>
+            <a:prstDash val="solid"/>
+            <a:round/>
+            <a:headEnd len="sm" w="sm" type="none"/>
+            <a:tailEnd len="sm" w="sm" type="none"/>
+          </a:ln>
         </p:spPr>
       </p:sp>
       <p:sp>
         <p:nvSpPr>
-          <p:cNvPr id="82" name="Google Shape;82;p:notes"/>
+          <p:cNvPr id="82" name="Google Shape;82;p1:notes"/>
           <p:cNvSpPr txBox="1"/>
           <p:nvPr>
             <p:ph idx="1" type="body"/>
@@ -762,6 +907,10 @@
           <a:prstGeom prst="rect">
             <a:avLst/>
           </a:prstGeom>
+          <a:noFill/>
+          <a:ln>
+            <a:noFill/>
+          </a:ln>
         </p:spPr>
         <p:txBody>
           <a:bodyPr anchorCtr="0" anchor="t" bIns="91425" lIns="91425" spcFirstLastPara="1" rIns="91425" wrap="square" tIns="91425">
@@ -770,12 +919,16 @@
           <a:lstStyle/>
           <a:p>
             <a:pPr indent="0" lvl="0" marL="0" rtl="0" algn="l">
-              <a:spcBef>
-                <a:spcPts val="0"/>
-              </a:spcBef>
-              <a:spcAft>
-                <a:spcPts val="0"/>
-              </a:spcAft>
+              <a:lnSpc>
+                <a:spcPct val="100000"/>
+              </a:lnSpc>
+              <a:spcBef>
+                <a:spcPts val="0"/>
+              </a:spcBef>
+              <a:spcAft>
+                <a:spcPts val="0"/>
+              </a:spcAft>
+              <a:buSzPts val="1100"/>
               <a:buNone/>
             </a:pPr>
             <a:r>
@@ -812,7 +965,7 @@
       </p:grpSpPr>
       <p:sp>
         <p:nvSpPr>
-          <p:cNvPr id="87" name="Google Shape;87;gfaa981490b_0_75:notes"/>
+          <p:cNvPr id="87" name="Google Shape;87;p2:notes"/>
           <p:cNvSpPr/>
           <p:nvPr>
             <p:ph idx="2" type="sldImg"/>
@@ -843,11 +996,21 @@
               </a:path>
             </a:pathLst>
           </a:custGeom>
+          <a:noFill/>
+          <a:ln cap="flat" cmpd="sng" w="9525">
+            <a:solidFill>
+              <a:srgbClr val="000000"/>
+            </a:solidFill>
+            <a:prstDash val="solid"/>
+            <a:round/>
+            <a:headEnd len="sm" w="sm" type="none"/>
+            <a:tailEnd len="sm" w="sm" type="none"/>
+          </a:ln>
         </p:spPr>
       </p:sp>
       <p:sp>
         <p:nvSpPr>
-          <p:cNvPr id="88" name="Google Shape;88;gfaa981490b_0_75:notes"/>
+          <p:cNvPr id="88" name="Google Shape;88;p2:notes"/>
           <p:cNvSpPr txBox="1"/>
           <p:nvPr>
             <p:ph idx="1" type="body"/>
@@ -861,6 +1024,10 @@
           <a:prstGeom prst="rect">
             <a:avLst/>
           </a:prstGeom>
+          <a:noFill/>
+          <a:ln>
+            <a:noFill/>
+          </a:ln>
         </p:spPr>
         <p:txBody>
           <a:bodyPr anchorCtr="0" anchor="t" bIns="91425" lIns="91425" spcFirstLastPara="1" rIns="91425" wrap="square" tIns="91425">
@@ -869,12 +1036,16 @@
           <a:lstStyle/>
           <a:p>
             <a:pPr indent="0" lvl="0" marL="0" rtl="0" algn="l">
-              <a:spcBef>
-                <a:spcPts val="0"/>
-              </a:spcBef>
-              <a:spcAft>
-                <a:spcPts val="0"/>
-              </a:spcAft>
+              <a:lnSpc>
+                <a:spcPct val="100000"/>
+              </a:lnSpc>
+              <a:spcBef>
+                <a:spcPts val="0"/>
+              </a:spcBef>
+              <a:spcAft>
+                <a:spcPts val="0"/>
+              </a:spcAft>
+              <a:buSzPts val="1100"/>
               <a:buNone/>
             </a:pPr>
             <a:r>
@@ -911,7 +1082,7 @@
       </p:grpSpPr>
       <p:sp>
         <p:nvSpPr>
-          <p:cNvPr id="93" name="Google Shape;93;gfaa981490b_0_81:notes"/>
+          <p:cNvPr id="93" name="Google Shape;93;p3:notes"/>
           <p:cNvSpPr/>
           <p:nvPr>
             <p:ph idx="2" type="sldImg"/>
@@ -942,11 +1113,21 @@
               </a:path>
             </a:pathLst>
           </a:custGeom>
+          <a:noFill/>
+          <a:ln cap="flat" cmpd="sng" w="9525">
+            <a:solidFill>
+              <a:srgbClr val="000000"/>
+            </a:solidFill>
+            <a:prstDash val="solid"/>
+            <a:round/>
+            <a:headEnd len="sm" w="sm" type="none"/>
+            <a:tailEnd len="sm" w="sm" type="none"/>
+          </a:ln>
         </p:spPr>
       </p:sp>
       <p:sp>
         <p:nvSpPr>
-          <p:cNvPr id="94" name="Google Shape;94;gfaa981490b_0_81:notes"/>
+          <p:cNvPr id="94" name="Google Shape;94;p3:notes"/>
           <p:cNvSpPr txBox="1"/>
           <p:nvPr>
             <p:ph idx="1" type="body"/>
@@ -960,6 +1141,10 @@
           <a:prstGeom prst="rect">
             <a:avLst/>
           </a:prstGeom>
+          <a:noFill/>
+          <a:ln>
+            <a:noFill/>
+          </a:ln>
         </p:spPr>
         <p:txBody>
           <a:bodyPr anchorCtr="0" anchor="t" bIns="91425" lIns="91425" spcFirstLastPara="1" rIns="91425" wrap="square" tIns="91425">
@@ -968,12 +1153,16 @@
           <a:lstStyle/>
           <a:p>
             <a:pPr indent="0" lvl="0" marL="0" rtl="0" algn="l">
-              <a:spcBef>
-                <a:spcPts val="0"/>
-              </a:spcBef>
-              <a:spcAft>
-                <a:spcPts val="0"/>
-              </a:spcAft>
+              <a:lnSpc>
+                <a:spcPct val="100000"/>
+              </a:lnSpc>
+              <a:spcBef>
+                <a:spcPts val="0"/>
+              </a:spcBef>
+              <a:spcAft>
+                <a:spcPts val="0"/>
+              </a:spcAft>
+              <a:buSzPts val="1100"/>
               <a:buNone/>
             </a:pPr>
             <a:r>
@@ -1010,7 +1199,7 @@
       </p:grpSpPr>
       <p:sp>
         <p:nvSpPr>
-          <p:cNvPr id="102" name="Google Shape;102;gfaa981490b_0_90:notes"/>
+          <p:cNvPr id="102" name="Google Shape;102;p4:notes"/>
           <p:cNvSpPr/>
           <p:nvPr>
             <p:ph idx="2" type="sldImg"/>
@@ -1041,11 +1230,21 @@
               </a:path>
             </a:pathLst>
           </a:custGeom>
+          <a:noFill/>
+          <a:ln cap="flat" cmpd="sng" w="9525">
+            <a:solidFill>
+              <a:srgbClr val="000000"/>
+            </a:solidFill>
+            <a:prstDash val="solid"/>
+            <a:round/>
+            <a:headEnd len="sm" w="sm" type="none"/>
+            <a:tailEnd len="sm" w="sm" type="none"/>
+          </a:ln>
         </p:spPr>
       </p:sp>
       <p:sp>
         <p:nvSpPr>
-          <p:cNvPr id="103" name="Google Shape;103;gfaa981490b_0_90:notes"/>
+          <p:cNvPr id="103" name="Google Shape;103;p4:notes"/>
           <p:cNvSpPr txBox="1"/>
           <p:nvPr>
             <p:ph idx="1" type="body"/>
@@ -1059,6 +1258,10 @@
           <a:prstGeom prst="rect">
             <a:avLst/>
           </a:prstGeom>
+          <a:noFill/>
+          <a:ln>
+            <a:noFill/>
+          </a:ln>
         </p:spPr>
         <p:txBody>
           <a:bodyPr anchorCtr="0" anchor="t" bIns="91425" lIns="91425" spcFirstLastPara="1" rIns="91425" wrap="square" tIns="91425">
@@ -1067,12 +1270,16 @@
           <a:lstStyle/>
           <a:p>
             <a:pPr indent="0" lvl="0" marL="0" rtl="0" algn="l">
-              <a:spcBef>
-                <a:spcPts val="0"/>
-              </a:spcBef>
-              <a:spcAft>
-                <a:spcPts val="0"/>
-              </a:spcAft>
+              <a:lnSpc>
+                <a:spcPct val="100000"/>
+              </a:lnSpc>
+              <a:spcBef>
+                <a:spcPts val="0"/>
+              </a:spcBef>
+              <a:spcAft>
+                <a:spcPts val="0"/>
+              </a:spcAft>
+              <a:buSzPts val="1100"/>
               <a:buNone/>
             </a:pPr>
             <a:r>
@@ -1109,7 +1316,7 @@
       </p:grpSpPr>
       <p:sp>
         <p:nvSpPr>
-          <p:cNvPr id="112" name="Google Shape;112;gfaa981490b_0_104:notes"/>
+          <p:cNvPr id="112" name="Google Shape;112;p5:notes"/>
           <p:cNvSpPr/>
           <p:nvPr>
             <p:ph idx="2" type="sldImg"/>
@@ -1140,11 +1347,21 @@
               </a:path>
             </a:pathLst>
           </a:custGeom>
+          <a:noFill/>
+          <a:ln cap="flat" cmpd="sng" w="9525">
+            <a:solidFill>
+              <a:srgbClr val="000000"/>
+            </a:solidFill>
+            <a:prstDash val="solid"/>
+            <a:round/>
+            <a:headEnd len="sm" w="sm" type="none"/>
+            <a:tailEnd len="sm" w="sm" type="none"/>
+          </a:ln>
         </p:spPr>
       </p:sp>
       <p:sp>
         <p:nvSpPr>
-          <p:cNvPr id="113" name="Google Shape;113;gfaa981490b_0_104:notes"/>
+          <p:cNvPr id="113" name="Google Shape;113;p5:notes"/>
           <p:cNvSpPr txBox="1"/>
           <p:nvPr>
             <p:ph idx="1" type="body"/>
@@ -1158,6 +1375,10 @@
           <a:prstGeom prst="rect">
             <a:avLst/>
           </a:prstGeom>
+          <a:noFill/>
+          <a:ln>
+            <a:noFill/>
+          </a:ln>
         </p:spPr>
         <p:txBody>
           <a:bodyPr anchorCtr="0" anchor="t" bIns="91425" lIns="91425" spcFirstLastPara="1" rIns="91425" wrap="square" tIns="91425">
@@ -1166,12 +1387,16 @@
           <a:lstStyle/>
           <a:p>
             <a:pPr indent="0" lvl="0" marL="0" rtl="0" algn="l">
-              <a:spcBef>
-                <a:spcPts val="0"/>
-              </a:spcBef>
-              <a:spcAft>
-                <a:spcPts val="0"/>
-              </a:spcAft>
+              <a:lnSpc>
+                <a:spcPct val="100000"/>
+              </a:lnSpc>
+              <a:spcBef>
+                <a:spcPts val="0"/>
+              </a:spcBef>
+              <a:spcAft>
+                <a:spcPts val="0"/>
+              </a:spcAft>
+              <a:buSzPts val="1100"/>
               <a:buNone/>
             </a:pPr>
             <a:r>
@@ -1208,7 +1433,7 @@
       </p:grpSpPr>
       <p:sp>
         <p:nvSpPr>
-          <p:cNvPr id="121" name="Google Shape;121;gfaa981490b_0_114:notes"/>
+          <p:cNvPr id="121" name="Google Shape;121;p6:notes"/>
           <p:cNvSpPr/>
           <p:nvPr>
             <p:ph idx="2" type="sldImg"/>
@@ -1239,11 +1464,21 @@
               </a:path>
             </a:pathLst>
           </a:custGeom>
+          <a:noFill/>
+          <a:ln cap="flat" cmpd="sng" w="9525">
+            <a:solidFill>
+              <a:srgbClr val="000000"/>
+            </a:solidFill>
+            <a:prstDash val="solid"/>
+            <a:round/>
+            <a:headEnd len="sm" w="sm" type="none"/>
+            <a:tailEnd len="sm" w="sm" type="none"/>
+          </a:ln>
         </p:spPr>
       </p:sp>
       <p:sp>
         <p:nvSpPr>
-          <p:cNvPr id="122" name="Google Shape;122;gfaa981490b_0_114:notes"/>
+          <p:cNvPr id="122" name="Google Shape;122;p6:notes"/>
           <p:cNvSpPr txBox="1"/>
           <p:nvPr>
             <p:ph idx="1" type="body"/>
@@ -1257,6 +1492,10 @@
           <a:prstGeom prst="rect">
             <a:avLst/>
           </a:prstGeom>
+          <a:noFill/>
+          <a:ln>
+            <a:noFill/>
+          </a:ln>
         </p:spPr>
         <p:txBody>
           <a:bodyPr anchorCtr="0" anchor="t" bIns="91425" lIns="91425" spcFirstLastPara="1" rIns="91425" wrap="square" tIns="91425">
@@ -1265,12 +1504,16 @@
           <a:lstStyle/>
           <a:p>
             <a:pPr indent="0" lvl="0" marL="0" rtl="0" algn="l">
-              <a:spcBef>
-                <a:spcPts val="0"/>
-              </a:spcBef>
-              <a:spcAft>
-                <a:spcPts val="0"/>
-              </a:spcAft>
+              <a:lnSpc>
+                <a:spcPct val="100000"/>
+              </a:lnSpc>
+              <a:spcBef>
+                <a:spcPts val="0"/>
+              </a:spcBef>
+              <a:spcAft>
+                <a:spcPts val="0"/>
+              </a:spcAft>
+              <a:buSzPts val="1100"/>
               <a:buNone/>
             </a:pPr>
             <a:r>
@@ -1307,7 +1550,7 @@
       </p:grpSpPr>
       <p:sp>
         <p:nvSpPr>
-          <p:cNvPr id="129" name="Google Shape;129;gfaa981490b_0_99:notes"/>
+          <p:cNvPr id="129" name="Google Shape;129;p7:notes"/>
           <p:cNvSpPr/>
           <p:nvPr>
             <p:ph idx="2" type="sldImg"/>
@@ -1338,11 +1581,21 @@
               </a:path>
             </a:pathLst>
           </a:custGeom>
+          <a:noFill/>
+          <a:ln cap="flat" cmpd="sng" w="9525">
+            <a:solidFill>
+              <a:srgbClr val="000000"/>
+            </a:solidFill>
+            <a:prstDash val="solid"/>
+            <a:round/>
+            <a:headEnd len="sm" w="sm" type="none"/>
+            <a:tailEnd len="sm" w="sm" type="none"/>
+          </a:ln>
         </p:spPr>
       </p:sp>
       <p:sp>
         <p:nvSpPr>
-          <p:cNvPr id="130" name="Google Shape;130;gfaa981490b_0_99:notes"/>
+          <p:cNvPr id="130" name="Google Shape;130;p7:notes"/>
           <p:cNvSpPr txBox="1"/>
           <p:nvPr>
             <p:ph idx="1" type="body"/>
@@ -1356,6 +1609,10 @@
           <a:prstGeom prst="rect">
             <a:avLst/>
           </a:prstGeom>
+          <a:noFill/>
+          <a:ln>
+            <a:noFill/>
+          </a:ln>
         </p:spPr>
         <p:txBody>
           <a:bodyPr anchorCtr="0" anchor="t" bIns="91425" lIns="91425" spcFirstLastPara="1" rIns="91425" wrap="square" tIns="91425">
@@ -1364,12 +1621,16 @@
           <a:lstStyle/>
           <a:p>
             <a:pPr indent="0" lvl="0" marL="0" rtl="0" algn="l">
-              <a:spcBef>
-                <a:spcPts val="0"/>
-              </a:spcBef>
-              <a:spcAft>
-                <a:spcPts val="0"/>
-              </a:spcAft>
+              <a:lnSpc>
+                <a:spcPct val="100000"/>
+              </a:lnSpc>
+              <a:spcBef>
+                <a:spcPts val="0"/>
+              </a:spcBef>
+              <a:spcAft>
+                <a:spcPts val="0"/>
+              </a:spcAft>
+              <a:buSzPts val="1100"/>
               <a:buNone/>
             </a:pPr>
             <a:r>
@@ -1406,7 +1667,7 @@
       </p:grpSpPr>
       <p:sp>
         <p:nvSpPr>
-          <p:cNvPr id="135" name="Google Shape;135;gfaa981490b_0_124:notes"/>
+          <p:cNvPr id="135" name="Google Shape;135;p8:notes"/>
           <p:cNvSpPr/>
           <p:nvPr>
             <p:ph idx="2" type="sldImg"/>
@@ -1437,11 +1698,21 @@
               </a:path>
             </a:pathLst>
           </a:custGeom>
+          <a:noFill/>
+          <a:ln cap="flat" cmpd="sng" w="9525">
+            <a:solidFill>
+              <a:srgbClr val="000000"/>
+            </a:solidFill>
+            <a:prstDash val="solid"/>
+            <a:round/>
+            <a:headEnd len="sm" w="sm" type="none"/>
+            <a:tailEnd len="sm" w="sm" type="none"/>
+          </a:ln>
         </p:spPr>
       </p:sp>
       <p:sp>
         <p:nvSpPr>
-          <p:cNvPr id="136" name="Google Shape;136;gfaa981490b_0_124:notes"/>
+          <p:cNvPr id="136" name="Google Shape;136;p8:notes"/>
           <p:cNvSpPr txBox="1"/>
           <p:nvPr>
             <p:ph idx="1" type="body"/>
@@ -1455,6 +1726,10 @@
           <a:prstGeom prst="rect">
             <a:avLst/>
           </a:prstGeom>
+          <a:noFill/>
+          <a:ln>
+            <a:noFill/>
+          </a:ln>
         </p:spPr>
         <p:txBody>
           <a:bodyPr anchorCtr="0" anchor="t" bIns="91425" lIns="91425" spcFirstLastPara="1" rIns="91425" wrap="square" tIns="91425">
@@ -1463,12 +1738,16 @@
           <a:lstStyle/>
           <a:p>
             <a:pPr indent="0" lvl="0" marL="0" rtl="0" algn="l">
-              <a:spcBef>
-                <a:spcPts val="0"/>
-              </a:spcBef>
-              <a:spcAft>
-                <a:spcPts val="0"/>
-              </a:spcAft>
+              <a:lnSpc>
+                <a:spcPct val="100000"/>
+              </a:lnSpc>
+              <a:spcBef>
+                <a:spcPts val="0"/>
+              </a:spcBef>
+              <a:spcAft>
+                <a:spcPts val="0"/>
+              </a:spcAft>
+              <a:buSzPts val="1100"/>
               <a:buNone/>
             </a:pPr>
             <a:r>
@@ -1505,7 +1784,7 @@
       </p:grpSpPr>
       <p:sp>
         <p:nvSpPr>
-          <p:cNvPr id="141" name="Google Shape;141;gfaa981490b_0_129:notes"/>
+          <p:cNvPr id="141" name="Google Shape;141;p9:notes"/>
           <p:cNvSpPr/>
           <p:nvPr>
             <p:ph idx="2" type="sldImg"/>
@@ -1536,11 +1815,21 @@
               </a:path>
             </a:pathLst>
           </a:custGeom>
+          <a:noFill/>
+          <a:ln cap="flat" cmpd="sng" w="9525">
+            <a:solidFill>
+              <a:srgbClr val="000000"/>
+            </a:solidFill>
+            <a:prstDash val="solid"/>
+            <a:round/>
+            <a:headEnd len="sm" w="sm" type="none"/>
+            <a:tailEnd len="sm" w="sm" type="none"/>
+          </a:ln>
         </p:spPr>
       </p:sp>
       <p:sp>
         <p:nvSpPr>
-          <p:cNvPr id="142" name="Google Shape;142;gfaa981490b_0_129:notes"/>
+          <p:cNvPr id="142" name="Google Shape;142;p9:notes"/>
           <p:cNvSpPr txBox="1"/>
           <p:nvPr>
             <p:ph idx="1" type="body"/>
@@ -1554,6 +1843,10 @@
           <a:prstGeom prst="rect">
             <a:avLst/>
           </a:prstGeom>
+          <a:noFill/>
+          <a:ln>
+            <a:noFill/>
+          </a:ln>
         </p:spPr>
         <p:txBody>
           <a:bodyPr anchorCtr="0" anchor="t" bIns="91425" lIns="91425" spcFirstLastPara="1" rIns="91425" wrap="square" tIns="91425">
@@ -1562,12 +1855,16 @@
           <a:lstStyle/>
           <a:p>
             <a:pPr indent="0" lvl="0" marL="0" rtl="0" algn="l">
-              <a:spcBef>
-                <a:spcPts val="0"/>
-              </a:spcBef>
-              <a:spcAft>
-                <a:spcPts val="0"/>
-              </a:spcAft>
+              <a:lnSpc>
+                <a:spcPct val="100000"/>
+              </a:lnSpc>
+              <a:spcBef>
+                <a:spcPts val="0"/>
+              </a:spcBef>
+              <a:spcAft>
+                <a:spcPts val="0"/>
+              </a:spcAft>
+              <a:buSzPts val="1100"/>
               <a:buNone/>
             </a:pPr>
             <a:r>
@@ -4531,8 +4828,8 @@
 </file>
 
 <file path=ppt/slideLayouts/slideLayout2.xml><?xml version="1.0" encoding="utf-8"?>
-<p:sldLayout xmlns:a="http://schemas.openxmlformats.org/drawingml/2006/main" xmlns:r="http://schemas.openxmlformats.org/officeDocument/2006/relationships" xmlns:mc="http://schemas.openxmlformats.org/markup-compatibility/2006" xmlns:mv="urn:schemas-microsoft-com:mac:vml" xmlns:p="http://schemas.openxmlformats.org/presentationml/2006/main" xmlns:c="http://schemas.openxmlformats.org/drawingml/2006/chart" xmlns:dgm="http://schemas.openxmlformats.org/drawingml/2006/diagram" xmlns:o="urn:schemas-microsoft-com:office:office" xmlns:v="urn:schemas-microsoft-com:vml" xmlns:pvml="urn:schemas-microsoft-com:office:powerpoint" xmlns:com="http://schemas.openxmlformats.org/drawingml/2006/compatibility" xmlns:p14="http://schemas.microsoft.com/office/powerpoint/2010/main" xmlns:p15="http://schemas.microsoft.com/office/powerpoint/2012/main" xmlns:ahyp="http://schemas.microsoft.com/office/drawing/2018/hyperlinkcolor" matchingName="1_Titel und Inhalt">
-  <p:cSld name="1_Titel und Inhalt">
+<p:sldLayout xmlns:a="http://schemas.openxmlformats.org/drawingml/2006/main" xmlns:r="http://schemas.openxmlformats.org/officeDocument/2006/relationships" xmlns:mc="http://schemas.openxmlformats.org/markup-compatibility/2006" xmlns:mv="urn:schemas-microsoft-com:mac:vml" xmlns:p="http://schemas.openxmlformats.org/presentationml/2006/main" xmlns:c="http://schemas.openxmlformats.org/drawingml/2006/chart" xmlns:dgm="http://schemas.openxmlformats.org/drawingml/2006/diagram" xmlns:o="urn:schemas-microsoft-com:office:office" xmlns:v="urn:schemas-microsoft-com:vml" xmlns:pvml="urn:schemas-microsoft-com:office:powerpoint" xmlns:com="http://schemas.openxmlformats.org/drawingml/2006/compatibility" xmlns:p14="http://schemas.microsoft.com/office/powerpoint/2010/main" xmlns:p15="http://schemas.microsoft.com/office/powerpoint/2012/main" xmlns:ahyp="http://schemas.microsoft.com/office/drawing/2018/hyperlinkcolor" matchingName="1_Titel und Diagramm">
+  <p:cSld name="1_Titel und Diagramm">
     <p:spTree>
       <p:nvGrpSpPr>
         <p:cNvPr id="20" name="Shape 20"/>
@@ -4765,6 +5062,510 @@
       <p:sp>
         <p:nvSpPr>
           <p:cNvPr id="23" name="Google Shape;23;p3"/>
+          <p:cNvSpPr/>
+          <p:nvPr>
+            <p:ph idx="2" type="chart"/>
+          </p:nvPr>
+        </p:nvSpPr>
+        <p:spPr>
+          <a:xfrm>
+            <a:off x="431800" y="782241"/>
+            <a:ext cx="8375700" cy="3579000"/>
+          </a:xfrm>
+          <a:prstGeom prst="rect">
+            <a:avLst/>
+          </a:prstGeom>
+          <a:noFill/>
+          <a:ln>
+            <a:noFill/>
+          </a:ln>
+        </p:spPr>
+        <p:txBody>
+          <a:bodyPr anchorCtr="0" anchor="t" bIns="0" lIns="0" spcFirstLastPara="1" rIns="0" wrap="square" tIns="0">
+            <a:noAutofit/>
+          </a:bodyPr>
+          <a:lstStyle>
+            <a:lvl1pPr lvl="0" marR="0" rtl="0" algn="l">
+              <a:lnSpc>
+                <a:spcPct val="100000"/>
+              </a:lnSpc>
+              <a:spcBef>
+                <a:spcPts val="320"/>
+              </a:spcBef>
+              <a:spcAft>
+                <a:spcPts val="0"/>
+              </a:spcAft>
+              <a:buClr>
+                <a:srgbClr val="000000"/>
+              </a:buClr>
+              <a:buSzPts val="1400"/>
+              <a:buFont typeface="Arial"/>
+              <a:buNone/>
+              <a:defRPr b="0" i="0" sz="1600" u="none" cap="none" strike="noStrike">
+                <a:solidFill>
+                  <a:schemeClr val="dk1"/>
+                </a:solidFill>
+                <a:latin typeface="Arial"/>
+                <a:ea typeface="Arial"/>
+                <a:cs typeface="Arial"/>
+                <a:sym typeface="Arial"/>
+              </a:defRPr>
+            </a:lvl1pPr>
+            <a:lvl2pPr lvl="1" marR="0" rtl="0" algn="l">
+              <a:lnSpc>
+                <a:spcPct val="100000"/>
+              </a:lnSpc>
+              <a:spcBef>
+                <a:spcPts val="320"/>
+              </a:spcBef>
+              <a:spcAft>
+                <a:spcPts val="0"/>
+              </a:spcAft>
+              <a:buClr>
+                <a:schemeClr val="dk1"/>
+              </a:buClr>
+              <a:buSzPts val="1600"/>
+              <a:buFont typeface="Noto Sans Symbols"/>
+              <a:buChar char="▪"/>
+              <a:defRPr b="0" i="0" sz="1600" u="none" cap="none" strike="noStrike">
+                <a:solidFill>
+                  <a:schemeClr val="dk1"/>
+                </a:solidFill>
+                <a:latin typeface="Arial"/>
+                <a:ea typeface="Arial"/>
+                <a:cs typeface="Arial"/>
+                <a:sym typeface="Arial"/>
+              </a:defRPr>
+            </a:lvl2pPr>
+            <a:lvl3pPr lvl="2" marR="0" rtl="0" algn="l">
+              <a:lnSpc>
+                <a:spcPct val="100000"/>
+              </a:lnSpc>
+              <a:spcBef>
+                <a:spcPts val="320"/>
+              </a:spcBef>
+              <a:spcAft>
+                <a:spcPts val="0"/>
+              </a:spcAft>
+              <a:buClr>
+                <a:schemeClr val="dk1"/>
+              </a:buClr>
+              <a:buSzPts val="1600"/>
+              <a:buFont typeface="Noto Sans Symbols"/>
+              <a:buChar char="▪"/>
+              <a:defRPr b="0" i="0" sz="1600" u="none" cap="none" strike="noStrike">
+                <a:solidFill>
+                  <a:schemeClr val="dk1"/>
+                </a:solidFill>
+                <a:latin typeface="Arial"/>
+                <a:ea typeface="Arial"/>
+                <a:cs typeface="Arial"/>
+                <a:sym typeface="Arial"/>
+              </a:defRPr>
+            </a:lvl3pPr>
+            <a:lvl4pPr lvl="3" marR="0" rtl="0" algn="l">
+              <a:lnSpc>
+                <a:spcPct val="100000"/>
+              </a:lnSpc>
+              <a:spcBef>
+                <a:spcPts val="320"/>
+              </a:spcBef>
+              <a:spcAft>
+                <a:spcPts val="0"/>
+              </a:spcAft>
+              <a:buClr>
+                <a:schemeClr val="dk1"/>
+              </a:buClr>
+              <a:buSzPts val="1600"/>
+              <a:buFont typeface="Noto Sans Symbols"/>
+              <a:buChar char="▪"/>
+              <a:defRPr b="0" i="0" sz="1600" u="none" cap="none" strike="noStrike">
+                <a:solidFill>
+                  <a:schemeClr val="dk1"/>
+                </a:solidFill>
+                <a:latin typeface="Arial"/>
+                <a:ea typeface="Arial"/>
+                <a:cs typeface="Arial"/>
+                <a:sym typeface="Arial"/>
+              </a:defRPr>
+            </a:lvl4pPr>
+            <a:lvl5pPr lvl="4" marR="0" rtl="0" algn="l">
+              <a:lnSpc>
+                <a:spcPct val="100000"/>
+              </a:lnSpc>
+              <a:spcBef>
+                <a:spcPts val="320"/>
+              </a:spcBef>
+              <a:spcAft>
+                <a:spcPts val="0"/>
+              </a:spcAft>
+              <a:buClr>
+                <a:schemeClr val="dk1"/>
+              </a:buClr>
+              <a:buSzPts val="1600"/>
+              <a:buFont typeface="Noto Sans Symbols"/>
+              <a:buChar char="▪"/>
+              <a:defRPr b="0" i="0" sz="1600" u="none" cap="none" strike="noStrike">
+                <a:solidFill>
+                  <a:schemeClr val="dk1"/>
+                </a:solidFill>
+                <a:latin typeface="Arial"/>
+                <a:ea typeface="Arial"/>
+                <a:cs typeface="Arial"/>
+                <a:sym typeface="Arial"/>
+              </a:defRPr>
+            </a:lvl5pPr>
+            <a:lvl6pPr lvl="5" marR="0" rtl="0" algn="l">
+              <a:lnSpc>
+                <a:spcPct val="100000"/>
+              </a:lnSpc>
+              <a:spcBef>
+                <a:spcPts val="320"/>
+              </a:spcBef>
+              <a:spcAft>
+                <a:spcPts val="0"/>
+              </a:spcAft>
+              <a:buClr>
+                <a:schemeClr val="dk1"/>
+              </a:buClr>
+              <a:buSzPts val="1600"/>
+              <a:buFont typeface="Noto Sans Symbols"/>
+              <a:buChar char="▪"/>
+              <a:defRPr b="0" i="0" sz="1600" u="none" cap="none" strike="noStrike">
+                <a:solidFill>
+                  <a:schemeClr val="dk1"/>
+                </a:solidFill>
+                <a:latin typeface="Arial"/>
+                <a:ea typeface="Arial"/>
+                <a:cs typeface="Arial"/>
+                <a:sym typeface="Arial"/>
+              </a:defRPr>
+            </a:lvl6pPr>
+            <a:lvl7pPr lvl="6" marR="0" rtl="0" algn="l">
+              <a:lnSpc>
+                <a:spcPct val="100000"/>
+              </a:lnSpc>
+              <a:spcBef>
+                <a:spcPts val="320"/>
+              </a:spcBef>
+              <a:spcAft>
+                <a:spcPts val="0"/>
+              </a:spcAft>
+              <a:buClr>
+                <a:schemeClr val="dk1"/>
+              </a:buClr>
+              <a:buSzPts val="1600"/>
+              <a:buFont typeface="Noto Sans Symbols"/>
+              <a:buChar char="▪"/>
+              <a:defRPr b="0" i="0" sz="1600" u="none" cap="none" strike="noStrike">
+                <a:solidFill>
+                  <a:schemeClr val="dk1"/>
+                </a:solidFill>
+                <a:latin typeface="Arial"/>
+                <a:ea typeface="Arial"/>
+                <a:cs typeface="Arial"/>
+                <a:sym typeface="Arial"/>
+              </a:defRPr>
+            </a:lvl7pPr>
+            <a:lvl8pPr lvl="7" marR="0" rtl="0" algn="l">
+              <a:lnSpc>
+                <a:spcPct val="100000"/>
+              </a:lnSpc>
+              <a:spcBef>
+                <a:spcPts val="320"/>
+              </a:spcBef>
+              <a:spcAft>
+                <a:spcPts val="0"/>
+              </a:spcAft>
+              <a:buClr>
+                <a:schemeClr val="dk1"/>
+              </a:buClr>
+              <a:buSzPts val="1600"/>
+              <a:buFont typeface="Noto Sans Symbols"/>
+              <a:buChar char="▪"/>
+              <a:defRPr b="0" i="0" sz="1600" u="none" cap="none" strike="noStrike">
+                <a:solidFill>
+                  <a:schemeClr val="dk1"/>
+                </a:solidFill>
+                <a:latin typeface="Arial"/>
+                <a:ea typeface="Arial"/>
+                <a:cs typeface="Arial"/>
+                <a:sym typeface="Arial"/>
+              </a:defRPr>
+            </a:lvl8pPr>
+            <a:lvl9pPr lvl="8" marR="0" rtl="0" algn="l">
+              <a:lnSpc>
+                <a:spcPct val="100000"/>
+              </a:lnSpc>
+              <a:spcBef>
+                <a:spcPts val="320"/>
+              </a:spcBef>
+              <a:spcAft>
+                <a:spcPts val="0"/>
+              </a:spcAft>
+              <a:buClr>
+                <a:schemeClr val="dk1"/>
+              </a:buClr>
+              <a:buSzPts val="1600"/>
+              <a:buFont typeface="Noto Sans Symbols"/>
+              <a:buChar char="▪"/>
+              <a:defRPr b="0" i="0" sz="1600" u="none" cap="none" strike="noStrike">
+                <a:solidFill>
+                  <a:schemeClr val="dk1"/>
+                </a:solidFill>
+                <a:latin typeface="Arial"/>
+                <a:ea typeface="Arial"/>
+                <a:cs typeface="Arial"/>
+                <a:sym typeface="Arial"/>
+              </a:defRPr>
+            </a:lvl9pPr>
+          </a:lstStyle>
+          <a:p/>
+        </p:txBody>
+      </p:sp>
+    </p:spTree>
+  </p:cSld>
+  <p:clrMapOvr>
+    <a:masterClrMapping/>
+  </p:clrMapOvr>
+</p:sldLayout>
+</file>
+
+<file path=ppt/slideLayouts/slideLayout3.xml><?xml version="1.0" encoding="utf-8"?>
+<p:sldLayout xmlns:a="http://schemas.openxmlformats.org/drawingml/2006/main" xmlns:r="http://schemas.openxmlformats.org/officeDocument/2006/relationships" xmlns:mc="http://schemas.openxmlformats.org/markup-compatibility/2006" xmlns:mv="urn:schemas-microsoft-com:mac:vml" xmlns:p="http://schemas.openxmlformats.org/presentationml/2006/main" xmlns:c="http://schemas.openxmlformats.org/drawingml/2006/chart" xmlns:dgm="http://schemas.openxmlformats.org/drawingml/2006/diagram" xmlns:o="urn:schemas-microsoft-com:office:office" xmlns:v="urn:schemas-microsoft-com:vml" xmlns:pvml="urn:schemas-microsoft-com:office:powerpoint" xmlns:com="http://schemas.openxmlformats.org/drawingml/2006/compatibility" xmlns:p14="http://schemas.microsoft.com/office/powerpoint/2010/main" xmlns:p15="http://schemas.microsoft.com/office/powerpoint/2012/main" xmlns:ahyp="http://schemas.microsoft.com/office/drawing/2018/hyperlinkcolor" matchingName="1_Titel und Inhalt">
+  <p:cSld name="1_Titel und Inhalt">
+    <p:spTree>
+      <p:nvGrpSpPr>
+        <p:cNvPr id="24" name="Shape 24"/>
+        <p:cNvGrpSpPr/>
+        <p:nvPr/>
+      </p:nvGrpSpPr>
+      <p:grpSpPr>
+        <a:xfrm>
+          <a:off x="0" y="0"/>
+          <a:ext cx="0" cy="0"/>
+          <a:chOff x="0" y="0"/>
+          <a:chExt cx="0" cy="0"/>
+        </a:xfrm>
+      </p:grpSpPr>
+      <p:sp>
+        <p:nvSpPr>
+          <p:cNvPr id="25" name="Google Shape;25;p4"/>
+          <p:cNvSpPr/>
+          <p:nvPr/>
+        </p:nvSpPr>
+        <p:spPr>
+          <a:xfrm>
+            <a:off x="0" y="0"/>
+            <a:ext cx="9144000" cy="647700"/>
+          </a:xfrm>
+          <a:prstGeom prst="rect">
+            <a:avLst/>
+          </a:prstGeom>
+          <a:solidFill>
+            <a:srgbClr val="DDDDDD"/>
+          </a:solidFill>
+          <a:ln>
+            <a:noFill/>
+          </a:ln>
+        </p:spPr>
+        <p:txBody>
+          <a:bodyPr anchorCtr="0" anchor="ctr" bIns="45700" lIns="91425" spcFirstLastPara="1" rIns="91425" wrap="square" tIns="45700">
+            <a:noAutofit/>
+          </a:bodyPr>
+          <a:lstStyle/>
+          <a:p>
+            <a:pPr indent="0" lvl="0" marL="0" marR="0" rtl="0" algn="ctr">
+              <a:lnSpc>
+                <a:spcPct val="100000"/>
+              </a:lnSpc>
+              <a:spcBef>
+                <a:spcPts val="0"/>
+              </a:spcBef>
+              <a:spcAft>
+                <a:spcPts val="0"/>
+              </a:spcAft>
+              <a:buClr>
+                <a:srgbClr val="000000"/>
+              </a:buClr>
+              <a:buSzPts val="1800"/>
+              <a:buFont typeface="Arial"/>
+              <a:buNone/>
+            </a:pPr>
+            <a:r>
+              <a:t/>
+            </a:r>
+            <a:endParaRPr b="0" i="0" sz="1800" u="none" cap="none" strike="noStrike">
+              <a:solidFill>
+                <a:schemeClr val="accent2"/>
+              </a:solidFill>
+              <a:latin typeface="Arial"/>
+              <a:ea typeface="Arial"/>
+              <a:cs typeface="Arial"/>
+              <a:sym typeface="Arial"/>
+            </a:endParaRPr>
+          </a:p>
+        </p:txBody>
+      </p:sp>
+      <p:sp>
+        <p:nvSpPr>
+          <p:cNvPr id="26" name="Google Shape;26;p4"/>
+          <p:cNvSpPr txBox="1"/>
+          <p:nvPr>
+            <p:ph type="title"/>
+          </p:nvPr>
+        </p:nvSpPr>
+        <p:spPr>
+          <a:xfrm>
+            <a:off x="431800" y="83344"/>
+            <a:ext cx="8375700" cy="531000"/>
+          </a:xfrm>
+          <a:prstGeom prst="rect">
+            <a:avLst/>
+          </a:prstGeom>
+          <a:noFill/>
+          <a:ln>
+            <a:noFill/>
+          </a:ln>
+        </p:spPr>
+        <p:txBody>
+          <a:bodyPr anchorCtr="0" anchor="b" bIns="0" lIns="0" spcFirstLastPara="1" rIns="0" wrap="square" tIns="0">
+            <a:noAutofit/>
+          </a:bodyPr>
+          <a:lstStyle>
+            <a:lvl1pPr lvl="0" algn="l">
+              <a:lnSpc>
+                <a:spcPct val="100000"/>
+              </a:lnSpc>
+              <a:spcBef>
+                <a:spcPts val="0"/>
+              </a:spcBef>
+              <a:spcAft>
+                <a:spcPts val="0"/>
+              </a:spcAft>
+              <a:buSzPts val="1400"/>
+              <a:buNone/>
+              <a:defRPr/>
+            </a:lvl1pPr>
+            <a:lvl2pPr lvl="1" algn="l">
+              <a:lnSpc>
+                <a:spcPct val="100000"/>
+              </a:lnSpc>
+              <a:spcBef>
+                <a:spcPts val="0"/>
+              </a:spcBef>
+              <a:spcAft>
+                <a:spcPts val="0"/>
+              </a:spcAft>
+              <a:buSzPts val="1400"/>
+              <a:buNone/>
+              <a:defRPr/>
+            </a:lvl2pPr>
+            <a:lvl3pPr lvl="2" algn="l">
+              <a:lnSpc>
+                <a:spcPct val="100000"/>
+              </a:lnSpc>
+              <a:spcBef>
+                <a:spcPts val="0"/>
+              </a:spcBef>
+              <a:spcAft>
+                <a:spcPts val="0"/>
+              </a:spcAft>
+              <a:buSzPts val="1400"/>
+              <a:buNone/>
+              <a:defRPr/>
+            </a:lvl3pPr>
+            <a:lvl4pPr lvl="3" algn="l">
+              <a:lnSpc>
+                <a:spcPct val="100000"/>
+              </a:lnSpc>
+              <a:spcBef>
+                <a:spcPts val="0"/>
+              </a:spcBef>
+              <a:spcAft>
+                <a:spcPts val="0"/>
+              </a:spcAft>
+              <a:buSzPts val="1400"/>
+              <a:buNone/>
+              <a:defRPr/>
+            </a:lvl4pPr>
+            <a:lvl5pPr lvl="4" algn="l">
+              <a:lnSpc>
+                <a:spcPct val="100000"/>
+              </a:lnSpc>
+              <a:spcBef>
+                <a:spcPts val="0"/>
+              </a:spcBef>
+              <a:spcAft>
+                <a:spcPts val="0"/>
+              </a:spcAft>
+              <a:buSzPts val="1400"/>
+              <a:buNone/>
+              <a:defRPr/>
+            </a:lvl5pPr>
+            <a:lvl6pPr lvl="5" algn="l">
+              <a:lnSpc>
+                <a:spcPct val="100000"/>
+              </a:lnSpc>
+              <a:spcBef>
+                <a:spcPts val="0"/>
+              </a:spcBef>
+              <a:spcAft>
+                <a:spcPts val="0"/>
+              </a:spcAft>
+              <a:buSzPts val="1400"/>
+              <a:buNone/>
+              <a:defRPr/>
+            </a:lvl6pPr>
+            <a:lvl7pPr lvl="6" algn="l">
+              <a:lnSpc>
+                <a:spcPct val="100000"/>
+              </a:lnSpc>
+              <a:spcBef>
+                <a:spcPts val="0"/>
+              </a:spcBef>
+              <a:spcAft>
+                <a:spcPts val="0"/>
+              </a:spcAft>
+              <a:buSzPts val="1400"/>
+              <a:buNone/>
+              <a:defRPr/>
+            </a:lvl7pPr>
+            <a:lvl8pPr lvl="7" algn="l">
+              <a:lnSpc>
+                <a:spcPct val="100000"/>
+              </a:lnSpc>
+              <a:spcBef>
+                <a:spcPts val="0"/>
+              </a:spcBef>
+              <a:spcAft>
+                <a:spcPts val="0"/>
+              </a:spcAft>
+              <a:buSzPts val="1400"/>
+              <a:buNone/>
+              <a:defRPr/>
+            </a:lvl8pPr>
+            <a:lvl9pPr lvl="8" algn="l">
+              <a:lnSpc>
+                <a:spcPct val="100000"/>
+              </a:lnSpc>
+              <a:spcBef>
+                <a:spcPts val="0"/>
+              </a:spcBef>
+              <a:spcAft>
+                <a:spcPts val="0"/>
+              </a:spcAft>
+              <a:buSzPts val="1400"/>
+              <a:buNone/>
+              <a:defRPr/>
+            </a:lvl9pPr>
+          </a:lstStyle>
+          <a:p/>
+        </p:txBody>
+      </p:sp>
+      <p:sp>
+        <p:nvSpPr>
+          <p:cNvPr id="27" name="Google Shape;27;p4"/>
           <p:cNvSpPr txBox="1"/>
           <p:nvPr>
             <p:ph idx="1" type="body"/>
@@ -4938,12 +5739,12 @@
 </p:sldLayout>
 </file>
 
-<file path=ppt/slideLayouts/slideLayout3.xml><?xml version="1.0" encoding="utf-8"?>
+<file path=ppt/slideLayouts/slideLayout4.xml><?xml version="1.0" encoding="utf-8"?>
 <p:sldLayout xmlns:a="http://schemas.openxmlformats.org/drawingml/2006/main" xmlns:r="http://schemas.openxmlformats.org/officeDocument/2006/relationships" xmlns:mc="http://schemas.openxmlformats.org/markup-compatibility/2006" xmlns:mv="urn:schemas-microsoft-com:mac:vml" xmlns:p="http://schemas.openxmlformats.org/presentationml/2006/main" xmlns:c="http://schemas.openxmlformats.org/drawingml/2006/chart" xmlns:dgm="http://schemas.openxmlformats.org/drawingml/2006/diagram" xmlns:o="urn:schemas-microsoft-com:office:office" xmlns:v="urn:schemas-microsoft-com:vml" xmlns:pvml="urn:schemas-microsoft-com:office:powerpoint" xmlns:com="http://schemas.openxmlformats.org/drawingml/2006/compatibility" xmlns:p14="http://schemas.microsoft.com/office/powerpoint/2010/main" xmlns:p15="http://schemas.microsoft.com/office/powerpoint/2012/main" xmlns:ahyp="http://schemas.microsoft.com/office/drawing/2018/hyperlinkcolor" matchingName="Titel und Inhalt">
   <p:cSld name="Titel und Inhalt">
     <p:spTree>
       <p:nvGrpSpPr>
-        <p:cNvPr id="24" name="Shape 24"/>
+        <p:cNvPr id="28" name="Shape 28"/>
         <p:cNvGrpSpPr/>
         <p:nvPr/>
       </p:nvGrpSpPr>
@@ -4957,7 +5758,7 @@
       </p:grpSpPr>
       <p:sp>
         <p:nvSpPr>
-          <p:cNvPr id="25" name="Google Shape;25;p4"/>
+          <p:cNvPr id="29" name="Google Shape;29;p5"/>
           <p:cNvSpPr txBox="1"/>
           <p:nvPr>
             <p:ph type="title"/>
@@ -5113,7 +5914,7 @@
       </p:sp>
       <p:sp>
         <p:nvSpPr>
-          <p:cNvPr id="26" name="Google Shape;26;p4"/>
+          <p:cNvPr id="30" name="Google Shape;30;p5"/>
           <p:cNvSpPr txBox="1"/>
           <p:nvPr>
             <p:ph idx="1" type="body"/>
@@ -5287,526 +6088,9 @@
 </p:sldLayout>
 </file>
 
-<file path=ppt/slideLayouts/slideLayout4.xml><?xml version="1.0" encoding="utf-8"?>
+<file path=ppt/slideLayouts/slideLayout5.xml><?xml version="1.0" encoding="utf-8"?>
 <p:sldLayout xmlns:a="http://schemas.openxmlformats.org/drawingml/2006/main" xmlns:r="http://schemas.openxmlformats.org/officeDocument/2006/relationships" xmlns:mc="http://schemas.openxmlformats.org/markup-compatibility/2006" xmlns:mv="urn:schemas-microsoft-com:mac:vml" xmlns:p="http://schemas.openxmlformats.org/presentationml/2006/main" xmlns:c="http://schemas.openxmlformats.org/drawingml/2006/chart" xmlns:dgm="http://schemas.openxmlformats.org/drawingml/2006/diagram" xmlns:o="urn:schemas-microsoft-com:office:office" xmlns:v="urn:schemas-microsoft-com:vml" xmlns:pvml="urn:schemas-microsoft-com:office:powerpoint" xmlns:com="http://schemas.openxmlformats.org/drawingml/2006/compatibility" xmlns:p14="http://schemas.microsoft.com/office/powerpoint/2010/main" xmlns:p15="http://schemas.microsoft.com/office/powerpoint/2012/main" xmlns:ahyp="http://schemas.microsoft.com/office/drawing/2018/hyperlinkcolor" matchingName="2_Titel und Inhalt">
   <p:cSld name="2_Titel und Inhalt">
-    <p:spTree>
-      <p:nvGrpSpPr>
-        <p:cNvPr id="27" name="Shape 27"/>
-        <p:cNvGrpSpPr/>
-        <p:nvPr/>
-      </p:nvGrpSpPr>
-      <p:grpSpPr>
-        <a:xfrm>
-          <a:off x="0" y="0"/>
-          <a:ext cx="0" cy="0"/>
-          <a:chOff x="0" y="0"/>
-          <a:chExt cx="0" cy="0"/>
-        </a:xfrm>
-      </p:grpSpPr>
-      <p:sp>
-        <p:nvSpPr>
-          <p:cNvPr id="28" name="Google Shape;28;p5"/>
-          <p:cNvSpPr txBox="1"/>
-          <p:nvPr>
-            <p:ph type="title"/>
-          </p:nvPr>
-        </p:nvSpPr>
-        <p:spPr>
-          <a:xfrm>
-            <a:off x="431800" y="83344"/>
-            <a:ext cx="8375700" cy="531000"/>
-          </a:xfrm>
-          <a:prstGeom prst="rect">
-            <a:avLst/>
-          </a:prstGeom>
-          <a:noFill/>
-          <a:ln>
-            <a:noFill/>
-          </a:ln>
-        </p:spPr>
-        <p:txBody>
-          <a:bodyPr anchorCtr="0" anchor="b" bIns="0" lIns="0" spcFirstLastPara="1" rIns="0" wrap="square" tIns="0">
-            <a:noAutofit/>
-          </a:bodyPr>
-          <a:lstStyle>
-            <a:lvl1pPr lvl="0" algn="l">
-              <a:lnSpc>
-                <a:spcPct val="100000"/>
-              </a:lnSpc>
-              <a:spcBef>
-                <a:spcPts val="0"/>
-              </a:spcBef>
-              <a:spcAft>
-                <a:spcPts val="0"/>
-              </a:spcAft>
-              <a:buSzPts val="1400"/>
-              <a:buNone/>
-              <a:defRPr/>
-            </a:lvl1pPr>
-            <a:lvl2pPr lvl="1" algn="l">
-              <a:lnSpc>
-                <a:spcPct val="100000"/>
-              </a:lnSpc>
-              <a:spcBef>
-                <a:spcPts val="0"/>
-              </a:spcBef>
-              <a:spcAft>
-                <a:spcPts val="0"/>
-              </a:spcAft>
-              <a:buSzPts val="1400"/>
-              <a:buNone/>
-              <a:defRPr/>
-            </a:lvl2pPr>
-            <a:lvl3pPr lvl="2" algn="l">
-              <a:lnSpc>
-                <a:spcPct val="100000"/>
-              </a:lnSpc>
-              <a:spcBef>
-                <a:spcPts val="0"/>
-              </a:spcBef>
-              <a:spcAft>
-                <a:spcPts val="0"/>
-              </a:spcAft>
-              <a:buSzPts val="1400"/>
-              <a:buNone/>
-              <a:defRPr/>
-            </a:lvl3pPr>
-            <a:lvl4pPr lvl="3" algn="l">
-              <a:lnSpc>
-                <a:spcPct val="100000"/>
-              </a:lnSpc>
-              <a:spcBef>
-                <a:spcPts val="0"/>
-              </a:spcBef>
-              <a:spcAft>
-                <a:spcPts val="0"/>
-              </a:spcAft>
-              <a:buSzPts val="1400"/>
-              <a:buNone/>
-              <a:defRPr/>
-            </a:lvl4pPr>
-            <a:lvl5pPr lvl="4" algn="l">
-              <a:lnSpc>
-                <a:spcPct val="100000"/>
-              </a:lnSpc>
-              <a:spcBef>
-                <a:spcPts val="0"/>
-              </a:spcBef>
-              <a:spcAft>
-                <a:spcPts val="0"/>
-              </a:spcAft>
-              <a:buSzPts val="1400"/>
-              <a:buNone/>
-              <a:defRPr/>
-            </a:lvl5pPr>
-            <a:lvl6pPr lvl="5" algn="l">
-              <a:lnSpc>
-                <a:spcPct val="100000"/>
-              </a:lnSpc>
-              <a:spcBef>
-                <a:spcPts val="0"/>
-              </a:spcBef>
-              <a:spcAft>
-                <a:spcPts val="0"/>
-              </a:spcAft>
-              <a:buSzPts val="1400"/>
-              <a:buNone/>
-              <a:defRPr/>
-            </a:lvl6pPr>
-            <a:lvl7pPr lvl="6" algn="l">
-              <a:lnSpc>
-                <a:spcPct val="100000"/>
-              </a:lnSpc>
-              <a:spcBef>
-                <a:spcPts val="0"/>
-              </a:spcBef>
-              <a:spcAft>
-                <a:spcPts val="0"/>
-              </a:spcAft>
-              <a:buSzPts val="1400"/>
-              <a:buNone/>
-              <a:defRPr/>
-            </a:lvl7pPr>
-            <a:lvl8pPr lvl="7" algn="l">
-              <a:lnSpc>
-                <a:spcPct val="100000"/>
-              </a:lnSpc>
-              <a:spcBef>
-                <a:spcPts val="0"/>
-              </a:spcBef>
-              <a:spcAft>
-                <a:spcPts val="0"/>
-              </a:spcAft>
-              <a:buSzPts val="1400"/>
-              <a:buNone/>
-              <a:defRPr/>
-            </a:lvl8pPr>
-            <a:lvl9pPr lvl="8" algn="l">
-              <a:lnSpc>
-                <a:spcPct val="100000"/>
-              </a:lnSpc>
-              <a:spcBef>
-                <a:spcPts val="0"/>
-              </a:spcBef>
-              <a:spcAft>
-                <a:spcPts val="0"/>
-              </a:spcAft>
-              <a:buSzPts val="1400"/>
-              <a:buNone/>
-              <a:defRPr/>
-            </a:lvl9pPr>
-          </a:lstStyle>
-          <a:p/>
-        </p:txBody>
-      </p:sp>
-      <p:sp>
-        <p:nvSpPr>
-          <p:cNvPr id="29" name="Google Shape;29;p5"/>
-          <p:cNvSpPr txBox="1"/>
-          <p:nvPr>
-            <p:ph idx="1" type="body"/>
-          </p:nvPr>
-        </p:nvSpPr>
-        <p:spPr>
-          <a:xfrm>
-            <a:off x="431800" y="945000"/>
-            <a:ext cx="3600000" cy="3375000"/>
-          </a:xfrm>
-          <a:prstGeom prst="rect">
-            <a:avLst/>
-          </a:prstGeom>
-          <a:noFill/>
-          <a:ln>
-            <a:noFill/>
-          </a:ln>
-        </p:spPr>
-        <p:txBody>
-          <a:bodyPr anchorCtr="0" anchor="t" bIns="0" lIns="0" spcFirstLastPara="1" rIns="0" wrap="square" tIns="0">
-            <a:noAutofit/>
-          </a:bodyPr>
-          <a:lstStyle>
-            <a:lvl1pPr indent="-228600" lvl="0" marL="457200" algn="l">
-              <a:lnSpc>
-                <a:spcPct val="100000"/>
-              </a:lnSpc>
-              <a:spcBef>
-                <a:spcPts val="360"/>
-              </a:spcBef>
-              <a:spcAft>
-                <a:spcPts val="0"/>
-              </a:spcAft>
-              <a:buSzPts val="1400"/>
-              <a:buNone/>
-              <a:defRPr/>
-            </a:lvl1pPr>
-            <a:lvl2pPr indent="-342900" lvl="1" marL="914400" algn="l">
-              <a:lnSpc>
-                <a:spcPct val="100000"/>
-              </a:lnSpc>
-              <a:spcBef>
-                <a:spcPts val="360"/>
-              </a:spcBef>
-              <a:spcAft>
-                <a:spcPts val="0"/>
-              </a:spcAft>
-              <a:buSzPts val="1800"/>
-              <a:buChar char="▪"/>
-              <a:defRPr/>
-            </a:lvl2pPr>
-            <a:lvl3pPr indent="-342900" lvl="2" marL="1371600" algn="l">
-              <a:lnSpc>
-                <a:spcPct val="100000"/>
-              </a:lnSpc>
-              <a:spcBef>
-                <a:spcPts val="360"/>
-              </a:spcBef>
-              <a:spcAft>
-                <a:spcPts val="0"/>
-              </a:spcAft>
-              <a:buSzPts val="1800"/>
-              <a:buChar char="▪"/>
-              <a:defRPr/>
-            </a:lvl3pPr>
-            <a:lvl4pPr indent="-342900" lvl="3" marL="1828800" algn="l">
-              <a:lnSpc>
-                <a:spcPct val="100000"/>
-              </a:lnSpc>
-              <a:spcBef>
-                <a:spcPts val="360"/>
-              </a:spcBef>
-              <a:spcAft>
-                <a:spcPts val="0"/>
-              </a:spcAft>
-              <a:buSzPts val="1800"/>
-              <a:buChar char="▪"/>
-              <a:defRPr/>
-            </a:lvl4pPr>
-            <a:lvl5pPr indent="-342900" lvl="4" marL="2286000" algn="l">
-              <a:lnSpc>
-                <a:spcPct val="100000"/>
-              </a:lnSpc>
-              <a:spcBef>
-                <a:spcPts val="360"/>
-              </a:spcBef>
-              <a:spcAft>
-                <a:spcPts val="0"/>
-              </a:spcAft>
-              <a:buSzPts val="1800"/>
-              <a:buChar char="▪"/>
-              <a:defRPr/>
-            </a:lvl5pPr>
-            <a:lvl6pPr indent="-342900" lvl="5" marL="2743200" algn="l">
-              <a:lnSpc>
-                <a:spcPct val="100000"/>
-              </a:lnSpc>
-              <a:spcBef>
-                <a:spcPts val="360"/>
-              </a:spcBef>
-              <a:spcAft>
-                <a:spcPts val="0"/>
-              </a:spcAft>
-              <a:buClr>
-                <a:schemeClr val="dk1"/>
-              </a:buClr>
-              <a:buSzPts val="1800"/>
-              <a:buChar char="▪"/>
-              <a:defRPr/>
-            </a:lvl6pPr>
-            <a:lvl7pPr indent="-342900" lvl="6" marL="3200400" algn="l">
-              <a:lnSpc>
-                <a:spcPct val="100000"/>
-              </a:lnSpc>
-              <a:spcBef>
-                <a:spcPts val="360"/>
-              </a:spcBef>
-              <a:spcAft>
-                <a:spcPts val="0"/>
-              </a:spcAft>
-              <a:buClr>
-                <a:schemeClr val="dk1"/>
-              </a:buClr>
-              <a:buSzPts val="1800"/>
-              <a:buChar char="▪"/>
-              <a:defRPr/>
-            </a:lvl7pPr>
-            <a:lvl8pPr indent="-342900" lvl="7" marL="3657600" algn="l">
-              <a:lnSpc>
-                <a:spcPct val="100000"/>
-              </a:lnSpc>
-              <a:spcBef>
-                <a:spcPts val="360"/>
-              </a:spcBef>
-              <a:spcAft>
-                <a:spcPts val="0"/>
-              </a:spcAft>
-              <a:buClr>
-                <a:schemeClr val="dk1"/>
-              </a:buClr>
-              <a:buSzPts val="1800"/>
-              <a:buChar char="▪"/>
-              <a:defRPr/>
-            </a:lvl8pPr>
-            <a:lvl9pPr indent="-342900" lvl="8" marL="4114800" algn="l">
-              <a:lnSpc>
-                <a:spcPct val="100000"/>
-              </a:lnSpc>
-              <a:spcBef>
-                <a:spcPts val="360"/>
-              </a:spcBef>
-              <a:spcAft>
-                <a:spcPts val="0"/>
-              </a:spcAft>
-              <a:buClr>
-                <a:schemeClr val="dk1"/>
-              </a:buClr>
-              <a:buSzPts val="1800"/>
-              <a:buChar char="▪"/>
-              <a:defRPr/>
-            </a:lvl9pPr>
-          </a:lstStyle>
-          <a:p/>
-        </p:txBody>
-      </p:sp>
-      <p:sp>
-        <p:nvSpPr>
-          <p:cNvPr id="30" name="Google Shape;30;p5"/>
-          <p:cNvSpPr txBox="1"/>
-          <p:nvPr>
-            <p:ph idx="2" type="body"/>
-          </p:nvPr>
-        </p:nvSpPr>
-        <p:spPr>
-          <a:xfrm>
-            <a:off x="4860000" y="945000"/>
-            <a:ext cx="3600000" cy="3375000"/>
-          </a:xfrm>
-          <a:prstGeom prst="rect">
-            <a:avLst/>
-          </a:prstGeom>
-          <a:noFill/>
-          <a:ln>
-            <a:noFill/>
-          </a:ln>
-        </p:spPr>
-        <p:txBody>
-          <a:bodyPr anchorCtr="0" anchor="t" bIns="0" lIns="0" spcFirstLastPara="1" rIns="0" wrap="square" tIns="0">
-            <a:noAutofit/>
-          </a:bodyPr>
-          <a:lstStyle>
-            <a:lvl1pPr indent="-228600" lvl="0" marL="457200" algn="l">
-              <a:lnSpc>
-                <a:spcPct val="100000"/>
-              </a:lnSpc>
-              <a:spcBef>
-                <a:spcPts val="360"/>
-              </a:spcBef>
-              <a:spcAft>
-                <a:spcPts val="0"/>
-              </a:spcAft>
-              <a:buSzPts val="1400"/>
-              <a:buNone/>
-              <a:defRPr/>
-            </a:lvl1pPr>
-            <a:lvl2pPr indent="-342900" lvl="1" marL="914400" algn="l">
-              <a:lnSpc>
-                <a:spcPct val="100000"/>
-              </a:lnSpc>
-              <a:spcBef>
-                <a:spcPts val="360"/>
-              </a:spcBef>
-              <a:spcAft>
-                <a:spcPts val="0"/>
-              </a:spcAft>
-              <a:buSzPts val="1800"/>
-              <a:buChar char="▪"/>
-              <a:defRPr/>
-            </a:lvl2pPr>
-            <a:lvl3pPr indent="-342900" lvl="2" marL="1371600" algn="l">
-              <a:lnSpc>
-                <a:spcPct val="100000"/>
-              </a:lnSpc>
-              <a:spcBef>
-                <a:spcPts val="360"/>
-              </a:spcBef>
-              <a:spcAft>
-                <a:spcPts val="0"/>
-              </a:spcAft>
-              <a:buSzPts val="1800"/>
-              <a:buChar char="▪"/>
-              <a:defRPr/>
-            </a:lvl3pPr>
-            <a:lvl4pPr indent="-342900" lvl="3" marL="1828800" algn="l">
-              <a:lnSpc>
-                <a:spcPct val="100000"/>
-              </a:lnSpc>
-              <a:spcBef>
-                <a:spcPts val="360"/>
-              </a:spcBef>
-              <a:spcAft>
-                <a:spcPts val="0"/>
-              </a:spcAft>
-              <a:buSzPts val="1800"/>
-              <a:buChar char="▪"/>
-              <a:defRPr/>
-            </a:lvl4pPr>
-            <a:lvl5pPr indent="-342900" lvl="4" marL="2286000" algn="l">
-              <a:lnSpc>
-                <a:spcPct val="100000"/>
-              </a:lnSpc>
-              <a:spcBef>
-                <a:spcPts val="360"/>
-              </a:spcBef>
-              <a:spcAft>
-                <a:spcPts val="0"/>
-              </a:spcAft>
-              <a:buSzPts val="1800"/>
-              <a:buChar char="▪"/>
-              <a:defRPr/>
-            </a:lvl5pPr>
-            <a:lvl6pPr indent="-342900" lvl="5" marL="2743200" algn="l">
-              <a:lnSpc>
-                <a:spcPct val="100000"/>
-              </a:lnSpc>
-              <a:spcBef>
-                <a:spcPts val="360"/>
-              </a:spcBef>
-              <a:spcAft>
-                <a:spcPts val="0"/>
-              </a:spcAft>
-              <a:buClr>
-                <a:schemeClr val="dk1"/>
-              </a:buClr>
-              <a:buSzPts val="1800"/>
-              <a:buChar char="▪"/>
-              <a:defRPr/>
-            </a:lvl6pPr>
-            <a:lvl7pPr indent="-342900" lvl="6" marL="3200400" algn="l">
-              <a:lnSpc>
-                <a:spcPct val="100000"/>
-              </a:lnSpc>
-              <a:spcBef>
-                <a:spcPts val="360"/>
-              </a:spcBef>
-              <a:spcAft>
-                <a:spcPts val="0"/>
-              </a:spcAft>
-              <a:buClr>
-                <a:schemeClr val="dk1"/>
-              </a:buClr>
-              <a:buSzPts val="1800"/>
-              <a:buChar char="▪"/>
-              <a:defRPr/>
-            </a:lvl7pPr>
-            <a:lvl8pPr indent="-342900" lvl="7" marL="3657600" algn="l">
-              <a:lnSpc>
-                <a:spcPct val="100000"/>
-              </a:lnSpc>
-              <a:spcBef>
-                <a:spcPts val="360"/>
-              </a:spcBef>
-              <a:spcAft>
-                <a:spcPts val="0"/>
-              </a:spcAft>
-              <a:buClr>
-                <a:schemeClr val="dk1"/>
-              </a:buClr>
-              <a:buSzPts val="1800"/>
-              <a:buChar char="▪"/>
-              <a:defRPr/>
-            </a:lvl8pPr>
-            <a:lvl9pPr indent="-342900" lvl="8" marL="4114800" algn="l">
-              <a:lnSpc>
-                <a:spcPct val="100000"/>
-              </a:lnSpc>
-              <a:spcBef>
-                <a:spcPts val="360"/>
-              </a:spcBef>
-              <a:spcAft>
-                <a:spcPts val="0"/>
-              </a:spcAft>
-              <a:buClr>
-                <a:schemeClr val="dk1"/>
-              </a:buClr>
-              <a:buSzPts val="1800"/>
-              <a:buChar char="▪"/>
-              <a:defRPr/>
-            </a:lvl9pPr>
-          </a:lstStyle>
-          <a:p/>
-        </p:txBody>
-      </p:sp>
-    </p:spTree>
-  </p:cSld>
-  <p:clrMapOvr>
-    <a:masterClrMapping/>
-  </p:clrMapOvr>
-</p:sldLayout>
-</file>
-
-<file path=ppt/slideLayouts/slideLayout5.xml><?xml version="1.0" encoding="utf-8"?>
-<p:sldLayout xmlns:a="http://schemas.openxmlformats.org/drawingml/2006/main" xmlns:r="http://schemas.openxmlformats.org/officeDocument/2006/relationships" xmlns:mc="http://schemas.openxmlformats.org/markup-compatibility/2006" xmlns:mv="urn:schemas-microsoft-com:mac:vml" xmlns:p="http://schemas.openxmlformats.org/presentationml/2006/main" xmlns:c="http://schemas.openxmlformats.org/drawingml/2006/chart" xmlns:dgm="http://schemas.openxmlformats.org/drawingml/2006/diagram" xmlns:o="urn:schemas-microsoft-com:office:office" xmlns:v="urn:schemas-microsoft-com:vml" xmlns:pvml="urn:schemas-microsoft-com:office:powerpoint" xmlns:com="http://schemas.openxmlformats.org/drawingml/2006/compatibility" xmlns:p14="http://schemas.microsoft.com/office/powerpoint/2010/main" xmlns:p15="http://schemas.microsoft.com/office/powerpoint/2012/main" xmlns:ahyp="http://schemas.microsoft.com/office/drawing/2018/hyperlinkcolor" matchingName="Titel und Diagramm" type="chart">
-  <p:cSld name="CHART">
     <p:spTree>
       <p:nvGrpSpPr>
         <p:cNvPr id="31" name="Shape 31"/>
@@ -5980,6 +6264,523 @@
       <p:sp>
         <p:nvSpPr>
           <p:cNvPr id="33" name="Google Shape;33;p6"/>
+          <p:cNvSpPr txBox="1"/>
+          <p:nvPr>
+            <p:ph idx="1" type="body"/>
+          </p:nvPr>
+        </p:nvSpPr>
+        <p:spPr>
+          <a:xfrm>
+            <a:off x="431800" y="945000"/>
+            <a:ext cx="3600000" cy="3375000"/>
+          </a:xfrm>
+          <a:prstGeom prst="rect">
+            <a:avLst/>
+          </a:prstGeom>
+          <a:noFill/>
+          <a:ln>
+            <a:noFill/>
+          </a:ln>
+        </p:spPr>
+        <p:txBody>
+          <a:bodyPr anchorCtr="0" anchor="t" bIns="0" lIns="0" spcFirstLastPara="1" rIns="0" wrap="square" tIns="0">
+            <a:noAutofit/>
+          </a:bodyPr>
+          <a:lstStyle>
+            <a:lvl1pPr indent="-228600" lvl="0" marL="457200" algn="l">
+              <a:lnSpc>
+                <a:spcPct val="100000"/>
+              </a:lnSpc>
+              <a:spcBef>
+                <a:spcPts val="360"/>
+              </a:spcBef>
+              <a:spcAft>
+                <a:spcPts val="0"/>
+              </a:spcAft>
+              <a:buSzPts val="1400"/>
+              <a:buNone/>
+              <a:defRPr/>
+            </a:lvl1pPr>
+            <a:lvl2pPr indent="-342900" lvl="1" marL="914400" algn="l">
+              <a:lnSpc>
+                <a:spcPct val="100000"/>
+              </a:lnSpc>
+              <a:spcBef>
+                <a:spcPts val="360"/>
+              </a:spcBef>
+              <a:spcAft>
+                <a:spcPts val="0"/>
+              </a:spcAft>
+              <a:buSzPts val="1800"/>
+              <a:buChar char="▪"/>
+              <a:defRPr/>
+            </a:lvl2pPr>
+            <a:lvl3pPr indent="-342900" lvl="2" marL="1371600" algn="l">
+              <a:lnSpc>
+                <a:spcPct val="100000"/>
+              </a:lnSpc>
+              <a:spcBef>
+                <a:spcPts val="360"/>
+              </a:spcBef>
+              <a:spcAft>
+                <a:spcPts val="0"/>
+              </a:spcAft>
+              <a:buSzPts val="1800"/>
+              <a:buChar char="▪"/>
+              <a:defRPr/>
+            </a:lvl3pPr>
+            <a:lvl4pPr indent="-342900" lvl="3" marL="1828800" algn="l">
+              <a:lnSpc>
+                <a:spcPct val="100000"/>
+              </a:lnSpc>
+              <a:spcBef>
+                <a:spcPts val="360"/>
+              </a:spcBef>
+              <a:spcAft>
+                <a:spcPts val="0"/>
+              </a:spcAft>
+              <a:buSzPts val="1800"/>
+              <a:buChar char="▪"/>
+              <a:defRPr/>
+            </a:lvl4pPr>
+            <a:lvl5pPr indent="-342900" lvl="4" marL="2286000" algn="l">
+              <a:lnSpc>
+                <a:spcPct val="100000"/>
+              </a:lnSpc>
+              <a:spcBef>
+                <a:spcPts val="360"/>
+              </a:spcBef>
+              <a:spcAft>
+                <a:spcPts val="0"/>
+              </a:spcAft>
+              <a:buSzPts val="1800"/>
+              <a:buChar char="▪"/>
+              <a:defRPr/>
+            </a:lvl5pPr>
+            <a:lvl6pPr indent="-342900" lvl="5" marL="2743200" algn="l">
+              <a:lnSpc>
+                <a:spcPct val="100000"/>
+              </a:lnSpc>
+              <a:spcBef>
+                <a:spcPts val="360"/>
+              </a:spcBef>
+              <a:spcAft>
+                <a:spcPts val="0"/>
+              </a:spcAft>
+              <a:buClr>
+                <a:schemeClr val="dk1"/>
+              </a:buClr>
+              <a:buSzPts val="1800"/>
+              <a:buChar char="▪"/>
+              <a:defRPr/>
+            </a:lvl6pPr>
+            <a:lvl7pPr indent="-342900" lvl="6" marL="3200400" algn="l">
+              <a:lnSpc>
+                <a:spcPct val="100000"/>
+              </a:lnSpc>
+              <a:spcBef>
+                <a:spcPts val="360"/>
+              </a:spcBef>
+              <a:spcAft>
+                <a:spcPts val="0"/>
+              </a:spcAft>
+              <a:buClr>
+                <a:schemeClr val="dk1"/>
+              </a:buClr>
+              <a:buSzPts val="1800"/>
+              <a:buChar char="▪"/>
+              <a:defRPr/>
+            </a:lvl7pPr>
+            <a:lvl8pPr indent="-342900" lvl="7" marL="3657600" algn="l">
+              <a:lnSpc>
+                <a:spcPct val="100000"/>
+              </a:lnSpc>
+              <a:spcBef>
+                <a:spcPts val="360"/>
+              </a:spcBef>
+              <a:spcAft>
+                <a:spcPts val="0"/>
+              </a:spcAft>
+              <a:buClr>
+                <a:schemeClr val="dk1"/>
+              </a:buClr>
+              <a:buSzPts val="1800"/>
+              <a:buChar char="▪"/>
+              <a:defRPr/>
+            </a:lvl8pPr>
+            <a:lvl9pPr indent="-342900" lvl="8" marL="4114800" algn="l">
+              <a:lnSpc>
+                <a:spcPct val="100000"/>
+              </a:lnSpc>
+              <a:spcBef>
+                <a:spcPts val="360"/>
+              </a:spcBef>
+              <a:spcAft>
+                <a:spcPts val="0"/>
+              </a:spcAft>
+              <a:buClr>
+                <a:schemeClr val="dk1"/>
+              </a:buClr>
+              <a:buSzPts val="1800"/>
+              <a:buChar char="▪"/>
+              <a:defRPr/>
+            </a:lvl9pPr>
+          </a:lstStyle>
+          <a:p/>
+        </p:txBody>
+      </p:sp>
+      <p:sp>
+        <p:nvSpPr>
+          <p:cNvPr id="34" name="Google Shape;34;p6"/>
+          <p:cNvSpPr txBox="1"/>
+          <p:nvPr>
+            <p:ph idx="2" type="body"/>
+          </p:nvPr>
+        </p:nvSpPr>
+        <p:spPr>
+          <a:xfrm>
+            <a:off x="4860000" y="945000"/>
+            <a:ext cx="3600000" cy="3375000"/>
+          </a:xfrm>
+          <a:prstGeom prst="rect">
+            <a:avLst/>
+          </a:prstGeom>
+          <a:noFill/>
+          <a:ln>
+            <a:noFill/>
+          </a:ln>
+        </p:spPr>
+        <p:txBody>
+          <a:bodyPr anchorCtr="0" anchor="t" bIns="0" lIns="0" spcFirstLastPara="1" rIns="0" wrap="square" tIns="0">
+            <a:noAutofit/>
+          </a:bodyPr>
+          <a:lstStyle>
+            <a:lvl1pPr indent="-228600" lvl="0" marL="457200" algn="l">
+              <a:lnSpc>
+                <a:spcPct val="100000"/>
+              </a:lnSpc>
+              <a:spcBef>
+                <a:spcPts val="360"/>
+              </a:spcBef>
+              <a:spcAft>
+                <a:spcPts val="0"/>
+              </a:spcAft>
+              <a:buSzPts val="1400"/>
+              <a:buNone/>
+              <a:defRPr/>
+            </a:lvl1pPr>
+            <a:lvl2pPr indent="-342900" lvl="1" marL="914400" algn="l">
+              <a:lnSpc>
+                <a:spcPct val="100000"/>
+              </a:lnSpc>
+              <a:spcBef>
+                <a:spcPts val="360"/>
+              </a:spcBef>
+              <a:spcAft>
+                <a:spcPts val="0"/>
+              </a:spcAft>
+              <a:buSzPts val="1800"/>
+              <a:buChar char="▪"/>
+              <a:defRPr/>
+            </a:lvl2pPr>
+            <a:lvl3pPr indent="-342900" lvl="2" marL="1371600" algn="l">
+              <a:lnSpc>
+                <a:spcPct val="100000"/>
+              </a:lnSpc>
+              <a:spcBef>
+                <a:spcPts val="360"/>
+              </a:spcBef>
+              <a:spcAft>
+                <a:spcPts val="0"/>
+              </a:spcAft>
+              <a:buSzPts val="1800"/>
+              <a:buChar char="▪"/>
+              <a:defRPr/>
+            </a:lvl3pPr>
+            <a:lvl4pPr indent="-342900" lvl="3" marL="1828800" algn="l">
+              <a:lnSpc>
+                <a:spcPct val="100000"/>
+              </a:lnSpc>
+              <a:spcBef>
+                <a:spcPts val="360"/>
+              </a:spcBef>
+              <a:spcAft>
+                <a:spcPts val="0"/>
+              </a:spcAft>
+              <a:buSzPts val="1800"/>
+              <a:buChar char="▪"/>
+              <a:defRPr/>
+            </a:lvl4pPr>
+            <a:lvl5pPr indent="-342900" lvl="4" marL="2286000" algn="l">
+              <a:lnSpc>
+                <a:spcPct val="100000"/>
+              </a:lnSpc>
+              <a:spcBef>
+                <a:spcPts val="360"/>
+              </a:spcBef>
+              <a:spcAft>
+                <a:spcPts val="0"/>
+              </a:spcAft>
+              <a:buSzPts val="1800"/>
+              <a:buChar char="▪"/>
+              <a:defRPr/>
+            </a:lvl5pPr>
+            <a:lvl6pPr indent="-342900" lvl="5" marL="2743200" algn="l">
+              <a:lnSpc>
+                <a:spcPct val="100000"/>
+              </a:lnSpc>
+              <a:spcBef>
+                <a:spcPts val="360"/>
+              </a:spcBef>
+              <a:spcAft>
+                <a:spcPts val="0"/>
+              </a:spcAft>
+              <a:buClr>
+                <a:schemeClr val="dk1"/>
+              </a:buClr>
+              <a:buSzPts val="1800"/>
+              <a:buChar char="▪"/>
+              <a:defRPr/>
+            </a:lvl6pPr>
+            <a:lvl7pPr indent="-342900" lvl="6" marL="3200400" algn="l">
+              <a:lnSpc>
+                <a:spcPct val="100000"/>
+              </a:lnSpc>
+              <a:spcBef>
+                <a:spcPts val="360"/>
+              </a:spcBef>
+              <a:spcAft>
+                <a:spcPts val="0"/>
+              </a:spcAft>
+              <a:buClr>
+                <a:schemeClr val="dk1"/>
+              </a:buClr>
+              <a:buSzPts val="1800"/>
+              <a:buChar char="▪"/>
+              <a:defRPr/>
+            </a:lvl7pPr>
+            <a:lvl8pPr indent="-342900" lvl="7" marL="3657600" algn="l">
+              <a:lnSpc>
+                <a:spcPct val="100000"/>
+              </a:lnSpc>
+              <a:spcBef>
+                <a:spcPts val="360"/>
+              </a:spcBef>
+              <a:spcAft>
+                <a:spcPts val="0"/>
+              </a:spcAft>
+              <a:buClr>
+                <a:schemeClr val="dk1"/>
+              </a:buClr>
+              <a:buSzPts val="1800"/>
+              <a:buChar char="▪"/>
+              <a:defRPr/>
+            </a:lvl8pPr>
+            <a:lvl9pPr indent="-342900" lvl="8" marL="4114800" algn="l">
+              <a:lnSpc>
+                <a:spcPct val="100000"/>
+              </a:lnSpc>
+              <a:spcBef>
+                <a:spcPts val="360"/>
+              </a:spcBef>
+              <a:spcAft>
+                <a:spcPts val="0"/>
+              </a:spcAft>
+              <a:buClr>
+                <a:schemeClr val="dk1"/>
+              </a:buClr>
+              <a:buSzPts val="1800"/>
+              <a:buChar char="▪"/>
+              <a:defRPr/>
+            </a:lvl9pPr>
+          </a:lstStyle>
+          <a:p/>
+        </p:txBody>
+      </p:sp>
+    </p:spTree>
+  </p:cSld>
+  <p:clrMapOvr>
+    <a:masterClrMapping/>
+  </p:clrMapOvr>
+</p:sldLayout>
+</file>
+
+<file path=ppt/slideLayouts/slideLayout6.xml><?xml version="1.0" encoding="utf-8"?>
+<p:sldLayout xmlns:a="http://schemas.openxmlformats.org/drawingml/2006/main" xmlns:r="http://schemas.openxmlformats.org/officeDocument/2006/relationships" xmlns:mc="http://schemas.openxmlformats.org/markup-compatibility/2006" xmlns:mv="urn:schemas-microsoft-com:mac:vml" xmlns:p="http://schemas.openxmlformats.org/presentationml/2006/main" xmlns:c="http://schemas.openxmlformats.org/drawingml/2006/chart" xmlns:dgm="http://schemas.openxmlformats.org/drawingml/2006/diagram" xmlns:o="urn:schemas-microsoft-com:office:office" xmlns:v="urn:schemas-microsoft-com:vml" xmlns:pvml="urn:schemas-microsoft-com:office:powerpoint" xmlns:com="http://schemas.openxmlformats.org/drawingml/2006/compatibility" xmlns:p14="http://schemas.microsoft.com/office/powerpoint/2010/main" xmlns:p15="http://schemas.microsoft.com/office/powerpoint/2012/main" xmlns:ahyp="http://schemas.microsoft.com/office/drawing/2018/hyperlinkcolor" matchingName="Titel und Diagramm" type="chart">
+  <p:cSld name="CHART">
+    <p:spTree>
+      <p:nvGrpSpPr>
+        <p:cNvPr id="35" name="Shape 35"/>
+        <p:cNvGrpSpPr/>
+        <p:nvPr/>
+      </p:nvGrpSpPr>
+      <p:grpSpPr>
+        <a:xfrm>
+          <a:off x="0" y="0"/>
+          <a:ext cx="0" cy="0"/>
+          <a:chOff x="0" y="0"/>
+          <a:chExt cx="0" cy="0"/>
+        </a:xfrm>
+      </p:grpSpPr>
+      <p:sp>
+        <p:nvSpPr>
+          <p:cNvPr id="36" name="Google Shape;36;p7"/>
+          <p:cNvSpPr txBox="1"/>
+          <p:nvPr>
+            <p:ph type="title"/>
+          </p:nvPr>
+        </p:nvSpPr>
+        <p:spPr>
+          <a:xfrm>
+            <a:off x="431800" y="83344"/>
+            <a:ext cx="8375700" cy="531000"/>
+          </a:xfrm>
+          <a:prstGeom prst="rect">
+            <a:avLst/>
+          </a:prstGeom>
+          <a:noFill/>
+          <a:ln>
+            <a:noFill/>
+          </a:ln>
+        </p:spPr>
+        <p:txBody>
+          <a:bodyPr anchorCtr="0" anchor="b" bIns="0" lIns="0" spcFirstLastPara="1" rIns="0" wrap="square" tIns="0">
+            <a:noAutofit/>
+          </a:bodyPr>
+          <a:lstStyle>
+            <a:lvl1pPr lvl="0" algn="l">
+              <a:lnSpc>
+                <a:spcPct val="100000"/>
+              </a:lnSpc>
+              <a:spcBef>
+                <a:spcPts val="0"/>
+              </a:spcBef>
+              <a:spcAft>
+                <a:spcPts val="0"/>
+              </a:spcAft>
+              <a:buSzPts val="1400"/>
+              <a:buNone/>
+              <a:defRPr/>
+            </a:lvl1pPr>
+            <a:lvl2pPr lvl="1" algn="l">
+              <a:lnSpc>
+                <a:spcPct val="100000"/>
+              </a:lnSpc>
+              <a:spcBef>
+                <a:spcPts val="0"/>
+              </a:spcBef>
+              <a:spcAft>
+                <a:spcPts val="0"/>
+              </a:spcAft>
+              <a:buSzPts val="1400"/>
+              <a:buNone/>
+              <a:defRPr/>
+            </a:lvl2pPr>
+            <a:lvl3pPr lvl="2" algn="l">
+              <a:lnSpc>
+                <a:spcPct val="100000"/>
+              </a:lnSpc>
+              <a:spcBef>
+                <a:spcPts val="0"/>
+              </a:spcBef>
+              <a:spcAft>
+                <a:spcPts val="0"/>
+              </a:spcAft>
+              <a:buSzPts val="1400"/>
+              <a:buNone/>
+              <a:defRPr/>
+            </a:lvl3pPr>
+            <a:lvl4pPr lvl="3" algn="l">
+              <a:lnSpc>
+                <a:spcPct val="100000"/>
+              </a:lnSpc>
+              <a:spcBef>
+                <a:spcPts val="0"/>
+              </a:spcBef>
+              <a:spcAft>
+                <a:spcPts val="0"/>
+              </a:spcAft>
+              <a:buSzPts val="1400"/>
+              <a:buNone/>
+              <a:defRPr/>
+            </a:lvl4pPr>
+            <a:lvl5pPr lvl="4" algn="l">
+              <a:lnSpc>
+                <a:spcPct val="100000"/>
+              </a:lnSpc>
+              <a:spcBef>
+                <a:spcPts val="0"/>
+              </a:spcBef>
+              <a:spcAft>
+                <a:spcPts val="0"/>
+              </a:spcAft>
+              <a:buSzPts val="1400"/>
+              <a:buNone/>
+              <a:defRPr/>
+            </a:lvl5pPr>
+            <a:lvl6pPr lvl="5" algn="l">
+              <a:lnSpc>
+                <a:spcPct val="100000"/>
+              </a:lnSpc>
+              <a:spcBef>
+                <a:spcPts val="0"/>
+              </a:spcBef>
+              <a:spcAft>
+                <a:spcPts val="0"/>
+              </a:spcAft>
+              <a:buSzPts val="1400"/>
+              <a:buNone/>
+              <a:defRPr/>
+            </a:lvl6pPr>
+            <a:lvl7pPr lvl="6" algn="l">
+              <a:lnSpc>
+                <a:spcPct val="100000"/>
+              </a:lnSpc>
+              <a:spcBef>
+                <a:spcPts val="0"/>
+              </a:spcBef>
+              <a:spcAft>
+                <a:spcPts val="0"/>
+              </a:spcAft>
+              <a:buSzPts val="1400"/>
+              <a:buNone/>
+              <a:defRPr/>
+            </a:lvl7pPr>
+            <a:lvl8pPr lvl="7" algn="l">
+              <a:lnSpc>
+                <a:spcPct val="100000"/>
+              </a:lnSpc>
+              <a:spcBef>
+                <a:spcPts val="0"/>
+              </a:spcBef>
+              <a:spcAft>
+                <a:spcPts val="0"/>
+              </a:spcAft>
+              <a:buSzPts val="1400"/>
+              <a:buNone/>
+              <a:defRPr/>
+            </a:lvl8pPr>
+            <a:lvl9pPr lvl="8" algn="l">
+              <a:lnSpc>
+                <a:spcPct val="100000"/>
+              </a:lnSpc>
+              <a:spcBef>
+                <a:spcPts val="0"/>
+              </a:spcBef>
+              <a:spcAft>
+                <a:spcPts val="0"/>
+              </a:spcAft>
+              <a:buSzPts val="1400"/>
+              <a:buNone/>
+              <a:defRPr/>
+            </a:lvl9pPr>
+          </a:lstStyle>
+          <a:p/>
+        </p:txBody>
+      </p:sp>
+      <p:sp>
+        <p:nvSpPr>
+          <p:cNvPr id="37" name="Google Shape;37;p7"/>
           <p:cNvSpPr/>
           <p:nvPr>
             <p:ph idx="2" type="chart"/>
@@ -6249,12 +7050,12 @@
 </p:sldLayout>
 </file>
 
-<file path=ppt/slideLayouts/slideLayout6.xml><?xml version="1.0" encoding="utf-8"?>
+<file path=ppt/slideLayouts/slideLayout7.xml><?xml version="1.0" encoding="utf-8"?>
 <p:sldLayout xmlns:a="http://schemas.openxmlformats.org/drawingml/2006/main" xmlns:r="http://schemas.openxmlformats.org/officeDocument/2006/relationships" xmlns:mc="http://schemas.openxmlformats.org/markup-compatibility/2006" xmlns:mv="urn:schemas-microsoft-com:mac:vml" xmlns:p="http://schemas.openxmlformats.org/presentationml/2006/main" xmlns:c="http://schemas.openxmlformats.org/drawingml/2006/chart" xmlns:dgm="http://schemas.openxmlformats.org/drawingml/2006/diagram" xmlns:o="urn:schemas-microsoft-com:office:office" xmlns:v="urn:schemas-microsoft-com:vml" xmlns:pvml="urn:schemas-microsoft-com:office:powerpoint" xmlns:com="http://schemas.openxmlformats.org/drawingml/2006/compatibility" xmlns:p14="http://schemas.microsoft.com/office/powerpoint/2010/main" xmlns:p15="http://schemas.microsoft.com/office/powerpoint/2012/main" xmlns:ahyp="http://schemas.microsoft.com/office/drawing/2018/hyperlinkcolor" matchingName="Nur Titel" type="titleOnly">
   <p:cSld name="TITLE_ONLY">
     <p:spTree>
       <p:nvGrpSpPr>
-        <p:cNvPr id="34" name="Shape 34"/>
+        <p:cNvPr id="38" name="Shape 38"/>
         <p:cNvGrpSpPr/>
         <p:nvPr/>
       </p:nvGrpSpPr>
@@ -6268,7 +7069,7 @@
       </p:grpSpPr>
       <p:sp>
         <p:nvSpPr>
-          <p:cNvPr id="35" name="Google Shape;35;p7"/>
+          <p:cNvPr id="39" name="Google Shape;39;p8"/>
           <p:cNvSpPr txBox="1"/>
           <p:nvPr>
             <p:ph type="title"/>
@@ -6430,12 +7231,12 @@
 </p:sldLayout>
 </file>
 
-<file path=ppt/slideLayouts/slideLayout7.xml><?xml version="1.0" encoding="utf-8"?>
+<file path=ppt/slideLayouts/slideLayout8.xml><?xml version="1.0" encoding="utf-8"?>
 <p:sldLayout xmlns:a="http://schemas.openxmlformats.org/drawingml/2006/main" xmlns:r="http://schemas.openxmlformats.org/officeDocument/2006/relationships" xmlns:mc="http://schemas.openxmlformats.org/markup-compatibility/2006" xmlns:mv="urn:schemas-microsoft-com:mac:vml" xmlns:p="http://schemas.openxmlformats.org/presentationml/2006/main" xmlns:c="http://schemas.openxmlformats.org/drawingml/2006/chart" xmlns:dgm="http://schemas.openxmlformats.org/drawingml/2006/diagram" xmlns:o="urn:schemas-microsoft-com:office:office" xmlns:v="urn:schemas-microsoft-com:vml" xmlns:pvml="urn:schemas-microsoft-com:office:powerpoint" xmlns:com="http://schemas.openxmlformats.org/drawingml/2006/compatibility" xmlns:p14="http://schemas.microsoft.com/office/powerpoint/2010/main" xmlns:p15="http://schemas.microsoft.com/office/powerpoint/2012/main" xmlns:ahyp="http://schemas.microsoft.com/office/drawing/2018/hyperlinkcolor" matchingName="3_Titel und Inhalt">
   <p:cSld name="3_Titel und Inhalt">
     <p:spTree>
       <p:nvGrpSpPr>
-        <p:cNvPr id="36" name="Shape 36"/>
+        <p:cNvPr id="40" name="Shape 40"/>
         <p:cNvGrpSpPr/>
         <p:nvPr/>
       </p:nvGrpSpPr>
@@ -6449,7 +7250,7 @@
       </p:grpSpPr>
       <p:sp>
         <p:nvSpPr>
-          <p:cNvPr id="37" name="Google Shape;37;p8"/>
+          <p:cNvPr id="41" name="Google Shape;41;p9"/>
           <p:cNvSpPr/>
           <p:nvPr/>
         </p:nvSpPr>
@@ -6508,7 +7309,7 @@
       </p:sp>
       <p:sp>
         <p:nvSpPr>
-          <p:cNvPr id="38" name="Google Shape;38;p8"/>
+          <p:cNvPr id="42" name="Google Shape;42;p9"/>
           <p:cNvSpPr txBox="1"/>
           <p:nvPr>
             <p:ph type="title"/>
@@ -6664,7 +7465,7 @@
       </p:sp>
       <p:sp>
         <p:nvSpPr>
-          <p:cNvPr id="39" name="Google Shape;39;p8"/>
+          <p:cNvPr id="43" name="Google Shape;43;p9"/>
           <p:cNvSpPr txBox="1"/>
           <p:nvPr>
             <p:ph idx="1" type="body"/>
@@ -6832,7 +7633,7 @@
       </p:sp>
       <p:sp>
         <p:nvSpPr>
-          <p:cNvPr id="40" name="Google Shape;40;p8"/>
+          <p:cNvPr id="44" name="Google Shape;44;p9"/>
           <p:cNvSpPr txBox="1"/>
           <p:nvPr>
             <p:ph idx="2" type="body"/>
@@ -6993,510 +7794,6 @@
               <a:buSzPts val="1800"/>
               <a:buChar char="▪"/>
               <a:defRPr/>
-            </a:lvl9pPr>
-          </a:lstStyle>
-          <a:p/>
-        </p:txBody>
-      </p:sp>
-    </p:spTree>
-  </p:cSld>
-  <p:clrMapOvr>
-    <a:masterClrMapping/>
-  </p:clrMapOvr>
-</p:sldLayout>
-</file>
-
-<file path=ppt/slideLayouts/slideLayout8.xml><?xml version="1.0" encoding="utf-8"?>
-<p:sldLayout xmlns:a="http://schemas.openxmlformats.org/drawingml/2006/main" xmlns:r="http://schemas.openxmlformats.org/officeDocument/2006/relationships" xmlns:mc="http://schemas.openxmlformats.org/markup-compatibility/2006" xmlns:mv="urn:schemas-microsoft-com:mac:vml" xmlns:p="http://schemas.openxmlformats.org/presentationml/2006/main" xmlns:c="http://schemas.openxmlformats.org/drawingml/2006/chart" xmlns:dgm="http://schemas.openxmlformats.org/drawingml/2006/diagram" xmlns:o="urn:schemas-microsoft-com:office:office" xmlns:v="urn:schemas-microsoft-com:vml" xmlns:pvml="urn:schemas-microsoft-com:office:powerpoint" xmlns:com="http://schemas.openxmlformats.org/drawingml/2006/compatibility" xmlns:p14="http://schemas.microsoft.com/office/powerpoint/2010/main" xmlns:p15="http://schemas.microsoft.com/office/powerpoint/2012/main" xmlns:ahyp="http://schemas.microsoft.com/office/drawing/2018/hyperlinkcolor" matchingName="1_Titel und Diagramm">
-  <p:cSld name="1_Titel und Diagramm">
-    <p:spTree>
-      <p:nvGrpSpPr>
-        <p:cNvPr id="41" name="Shape 41"/>
-        <p:cNvGrpSpPr/>
-        <p:nvPr/>
-      </p:nvGrpSpPr>
-      <p:grpSpPr>
-        <a:xfrm>
-          <a:off x="0" y="0"/>
-          <a:ext cx="0" cy="0"/>
-          <a:chOff x="0" y="0"/>
-          <a:chExt cx="0" cy="0"/>
-        </a:xfrm>
-      </p:grpSpPr>
-      <p:sp>
-        <p:nvSpPr>
-          <p:cNvPr id="42" name="Google Shape;42;p9"/>
-          <p:cNvSpPr/>
-          <p:nvPr/>
-        </p:nvSpPr>
-        <p:spPr>
-          <a:xfrm>
-            <a:off x="0" y="0"/>
-            <a:ext cx="9144000" cy="647700"/>
-          </a:xfrm>
-          <a:prstGeom prst="rect">
-            <a:avLst/>
-          </a:prstGeom>
-          <a:solidFill>
-            <a:srgbClr val="DDDDDD"/>
-          </a:solidFill>
-          <a:ln>
-            <a:noFill/>
-          </a:ln>
-        </p:spPr>
-        <p:txBody>
-          <a:bodyPr anchorCtr="0" anchor="ctr" bIns="45700" lIns="91425" spcFirstLastPara="1" rIns="91425" wrap="square" tIns="45700">
-            <a:noAutofit/>
-          </a:bodyPr>
-          <a:lstStyle/>
-          <a:p>
-            <a:pPr indent="0" lvl="0" marL="0" marR="0" rtl="0" algn="ctr">
-              <a:lnSpc>
-                <a:spcPct val="100000"/>
-              </a:lnSpc>
-              <a:spcBef>
-                <a:spcPts val="0"/>
-              </a:spcBef>
-              <a:spcAft>
-                <a:spcPts val="0"/>
-              </a:spcAft>
-              <a:buClr>
-                <a:srgbClr val="000000"/>
-              </a:buClr>
-              <a:buSzPts val="1800"/>
-              <a:buFont typeface="Arial"/>
-              <a:buNone/>
-            </a:pPr>
-            <a:r>
-              <a:t/>
-            </a:r>
-            <a:endParaRPr b="0" i="0" sz="1800" u="none" cap="none" strike="noStrike">
-              <a:solidFill>
-                <a:schemeClr val="accent2"/>
-              </a:solidFill>
-              <a:latin typeface="Arial"/>
-              <a:ea typeface="Arial"/>
-              <a:cs typeface="Arial"/>
-              <a:sym typeface="Arial"/>
-            </a:endParaRPr>
-          </a:p>
-        </p:txBody>
-      </p:sp>
-      <p:sp>
-        <p:nvSpPr>
-          <p:cNvPr id="43" name="Google Shape;43;p9"/>
-          <p:cNvSpPr txBox="1"/>
-          <p:nvPr>
-            <p:ph type="title"/>
-          </p:nvPr>
-        </p:nvSpPr>
-        <p:spPr>
-          <a:xfrm>
-            <a:off x="431800" y="83344"/>
-            <a:ext cx="8375700" cy="531000"/>
-          </a:xfrm>
-          <a:prstGeom prst="rect">
-            <a:avLst/>
-          </a:prstGeom>
-          <a:noFill/>
-          <a:ln>
-            <a:noFill/>
-          </a:ln>
-        </p:spPr>
-        <p:txBody>
-          <a:bodyPr anchorCtr="0" anchor="b" bIns="0" lIns="0" spcFirstLastPara="1" rIns="0" wrap="square" tIns="0">
-            <a:noAutofit/>
-          </a:bodyPr>
-          <a:lstStyle>
-            <a:lvl1pPr lvl="0" algn="l">
-              <a:lnSpc>
-                <a:spcPct val="100000"/>
-              </a:lnSpc>
-              <a:spcBef>
-                <a:spcPts val="0"/>
-              </a:spcBef>
-              <a:spcAft>
-                <a:spcPts val="0"/>
-              </a:spcAft>
-              <a:buSzPts val="1400"/>
-              <a:buNone/>
-              <a:defRPr/>
-            </a:lvl1pPr>
-            <a:lvl2pPr lvl="1" algn="l">
-              <a:lnSpc>
-                <a:spcPct val="100000"/>
-              </a:lnSpc>
-              <a:spcBef>
-                <a:spcPts val="0"/>
-              </a:spcBef>
-              <a:spcAft>
-                <a:spcPts val="0"/>
-              </a:spcAft>
-              <a:buSzPts val="1400"/>
-              <a:buNone/>
-              <a:defRPr/>
-            </a:lvl2pPr>
-            <a:lvl3pPr lvl="2" algn="l">
-              <a:lnSpc>
-                <a:spcPct val="100000"/>
-              </a:lnSpc>
-              <a:spcBef>
-                <a:spcPts val="0"/>
-              </a:spcBef>
-              <a:spcAft>
-                <a:spcPts val="0"/>
-              </a:spcAft>
-              <a:buSzPts val="1400"/>
-              <a:buNone/>
-              <a:defRPr/>
-            </a:lvl3pPr>
-            <a:lvl4pPr lvl="3" algn="l">
-              <a:lnSpc>
-                <a:spcPct val="100000"/>
-              </a:lnSpc>
-              <a:spcBef>
-                <a:spcPts val="0"/>
-              </a:spcBef>
-              <a:spcAft>
-                <a:spcPts val="0"/>
-              </a:spcAft>
-              <a:buSzPts val="1400"/>
-              <a:buNone/>
-              <a:defRPr/>
-            </a:lvl4pPr>
-            <a:lvl5pPr lvl="4" algn="l">
-              <a:lnSpc>
-                <a:spcPct val="100000"/>
-              </a:lnSpc>
-              <a:spcBef>
-                <a:spcPts val="0"/>
-              </a:spcBef>
-              <a:spcAft>
-                <a:spcPts val="0"/>
-              </a:spcAft>
-              <a:buSzPts val="1400"/>
-              <a:buNone/>
-              <a:defRPr/>
-            </a:lvl5pPr>
-            <a:lvl6pPr lvl="5" algn="l">
-              <a:lnSpc>
-                <a:spcPct val="100000"/>
-              </a:lnSpc>
-              <a:spcBef>
-                <a:spcPts val="0"/>
-              </a:spcBef>
-              <a:spcAft>
-                <a:spcPts val="0"/>
-              </a:spcAft>
-              <a:buSzPts val="1400"/>
-              <a:buNone/>
-              <a:defRPr/>
-            </a:lvl6pPr>
-            <a:lvl7pPr lvl="6" algn="l">
-              <a:lnSpc>
-                <a:spcPct val="100000"/>
-              </a:lnSpc>
-              <a:spcBef>
-                <a:spcPts val="0"/>
-              </a:spcBef>
-              <a:spcAft>
-                <a:spcPts val="0"/>
-              </a:spcAft>
-              <a:buSzPts val="1400"/>
-              <a:buNone/>
-              <a:defRPr/>
-            </a:lvl7pPr>
-            <a:lvl8pPr lvl="7" algn="l">
-              <a:lnSpc>
-                <a:spcPct val="100000"/>
-              </a:lnSpc>
-              <a:spcBef>
-                <a:spcPts val="0"/>
-              </a:spcBef>
-              <a:spcAft>
-                <a:spcPts val="0"/>
-              </a:spcAft>
-              <a:buSzPts val="1400"/>
-              <a:buNone/>
-              <a:defRPr/>
-            </a:lvl8pPr>
-            <a:lvl9pPr lvl="8" algn="l">
-              <a:lnSpc>
-                <a:spcPct val="100000"/>
-              </a:lnSpc>
-              <a:spcBef>
-                <a:spcPts val="0"/>
-              </a:spcBef>
-              <a:spcAft>
-                <a:spcPts val="0"/>
-              </a:spcAft>
-              <a:buSzPts val="1400"/>
-              <a:buNone/>
-              <a:defRPr/>
-            </a:lvl9pPr>
-          </a:lstStyle>
-          <a:p/>
-        </p:txBody>
-      </p:sp>
-      <p:sp>
-        <p:nvSpPr>
-          <p:cNvPr id="44" name="Google Shape;44;p9"/>
-          <p:cNvSpPr/>
-          <p:nvPr>
-            <p:ph idx="2" type="chart"/>
-          </p:nvPr>
-        </p:nvSpPr>
-        <p:spPr>
-          <a:xfrm>
-            <a:off x="431800" y="782241"/>
-            <a:ext cx="8375700" cy="3579000"/>
-          </a:xfrm>
-          <a:prstGeom prst="rect">
-            <a:avLst/>
-          </a:prstGeom>
-          <a:noFill/>
-          <a:ln>
-            <a:noFill/>
-          </a:ln>
-        </p:spPr>
-        <p:txBody>
-          <a:bodyPr anchorCtr="0" anchor="t" bIns="0" lIns="0" spcFirstLastPara="1" rIns="0" wrap="square" tIns="0">
-            <a:noAutofit/>
-          </a:bodyPr>
-          <a:lstStyle>
-            <a:lvl1pPr lvl="0" marR="0" rtl="0" algn="l">
-              <a:lnSpc>
-                <a:spcPct val="100000"/>
-              </a:lnSpc>
-              <a:spcBef>
-                <a:spcPts val="320"/>
-              </a:spcBef>
-              <a:spcAft>
-                <a:spcPts val="0"/>
-              </a:spcAft>
-              <a:buClr>
-                <a:srgbClr val="000000"/>
-              </a:buClr>
-              <a:buSzPts val="1400"/>
-              <a:buFont typeface="Arial"/>
-              <a:buNone/>
-              <a:defRPr b="0" i="0" sz="1600" u="none" cap="none" strike="noStrike">
-                <a:solidFill>
-                  <a:schemeClr val="dk1"/>
-                </a:solidFill>
-                <a:latin typeface="Arial"/>
-                <a:ea typeface="Arial"/>
-                <a:cs typeface="Arial"/>
-                <a:sym typeface="Arial"/>
-              </a:defRPr>
-            </a:lvl1pPr>
-            <a:lvl2pPr lvl="1" marR="0" rtl="0" algn="l">
-              <a:lnSpc>
-                <a:spcPct val="100000"/>
-              </a:lnSpc>
-              <a:spcBef>
-                <a:spcPts val="320"/>
-              </a:spcBef>
-              <a:spcAft>
-                <a:spcPts val="0"/>
-              </a:spcAft>
-              <a:buClr>
-                <a:schemeClr val="dk1"/>
-              </a:buClr>
-              <a:buSzPts val="1600"/>
-              <a:buFont typeface="Noto Sans Symbols"/>
-              <a:buChar char="▪"/>
-              <a:defRPr b="0" i="0" sz="1600" u="none" cap="none" strike="noStrike">
-                <a:solidFill>
-                  <a:schemeClr val="dk1"/>
-                </a:solidFill>
-                <a:latin typeface="Arial"/>
-                <a:ea typeface="Arial"/>
-                <a:cs typeface="Arial"/>
-                <a:sym typeface="Arial"/>
-              </a:defRPr>
-            </a:lvl2pPr>
-            <a:lvl3pPr lvl="2" marR="0" rtl="0" algn="l">
-              <a:lnSpc>
-                <a:spcPct val="100000"/>
-              </a:lnSpc>
-              <a:spcBef>
-                <a:spcPts val="320"/>
-              </a:spcBef>
-              <a:spcAft>
-                <a:spcPts val="0"/>
-              </a:spcAft>
-              <a:buClr>
-                <a:schemeClr val="dk1"/>
-              </a:buClr>
-              <a:buSzPts val="1600"/>
-              <a:buFont typeface="Noto Sans Symbols"/>
-              <a:buChar char="▪"/>
-              <a:defRPr b="0" i="0" sz="1600" u="none" cap="none" strike="noStrike">
-                <a:solidFill>
-                  <a:schemeClr val="dk1"/>
-                </a:solidFill>
-                <a:latin typeface="Arial"/>
-                <a:ea typeface="Arial"/>
-                <a:cs typeface="Arial"/>
-                <a:sym typeface="Arial"/>
-              </a:defRPr>
-            </a:lvl3pPr>
-            <a:lvl4pPr lvl="3" marR="0" rtl="0" algn="l">
-              <a:lnSpc>
-                <a:spcPct val="100000"/>
-              </a:lnSpc>
-              <a:spcBef>
-                <a:spcPts val="320"/>
-              </a:spcBef>
-              <a:spcAft>
-                <a:spcPts val="0"/>
-              </a:spcAft>
-              <a:buClr>
-                <a:schemeClr val="dk1"/>
-              </a:buClr>
-              <a:buSzPts val="1600"/>
-              <a:buFont typeface="Noto Sans Symbols"/>
-              <a:buChar char="▪"/>
-              <a:defRPr b="0" i="0" sz="1600" u="none" cap="none" strike="noStrike">
-                <a:solidFill>
-                  <a:schemeClr val="dk1"/>
-                </a:solidFill>
-                <a:latin typeface="Arial"/>
-                <a:ea typeface="Arial"/>
-                <a:cs typeface="Arial"/>
-                <a:sym typeface="Arial"/>
-              </a:defRPr>
-            </a:lvl4pPr>
-            <a:lvl5pPr lvl="4" marR="0" rtl="0" algn="l">
-              <a:lnSpc>
-                <a:spcPct val="100000"/>
-              </a:lnSpc>
-              <a:spcBef>
-                <a:spcPts val="320"/>
-              </a:spcBef>
-              <a:spcAft>
-                <a:spcPts val="0"/>
-              </a:spcAft>
-              <a:buClr>
-                <a:schemeClr val="dk1"/>
-              </a:buClr>
-              <a:buSzPts val="1600"/>
-              <a:buFont typeface="Noto Sans Symbols"/>
-              <a:buChar char="▪"/>
-              <a:defRPr b="0" i="0" sz="1600" u="none" cap="none" strike="noStrike">
-                <a:solidFill>
-                  <a:schemeClr val="dk1"/>
-                </a:solidFill>
-                <a:latin typeface="Arial"/>
-                <a:ea typeface="Arial"/>
-                <a:cs typeface="Arial"/>
-                <a:sym typeface="Arial"/>
-              </a:defRPr>
-            </a:lvl5pPr>
-            <a:lvl6pPr lvl="5" marR="0" rtl="0" algn="l">
-              <a:lnSpc>
-                <a:spcPct val="100000"/>
-              </a:lnSpc>
-              <a:spcBef>
-                <a:spcPts val="320"/>
-              </a:spcBef>
-              <a:spcAft>
-                <a:spcPts val="0"/>
-              </a:spcAft>
-              <a:buClr>
-                <a:schemeClr val="dk1"/>
-              </a:buClr>
-              <a:buSzPts val="1600"/>
-              <a:buFont typeface="Noto Sans Symbols"/>
-              <a:buChar char="▪"/>
-              <a:defRPr b="0" i="0" sz="1600" u="none" cap="none" strike="noStrike">
-                <a:solidFill>
-                  <a:schemeClr val="dk1"/>
-                </a:solidFill>
-                <a:latin typeface="Arial"/>
-                <a:ea typeface="Arial"/>
-                <a:cs typeface="Arial"/>
-                <a:sym typeface="Arial"/>
-              </a:defRPr>
-            </a:lvl6pPr>
-            <a:lvl7pPr lvl="6" marR="0" rtl="0" algn="l">
-              <a:lnSpc>
-                <a:spcPct val="100000"/>
-              </a:lnSpc>
-              <a:spcBef>
-                <a:spcPts val="320"/>
-              </a:spcBef>
-              <a:spcAft>
-                <a:spcPts val="0"/>
-              </a:spcAft>
-              <a:buClr>
-                <a:schemeClr val="dk1"/>
-              </a:buClr>
-              <a:buSzPts val="1600"/>
-              <a:buFont typeface="Noto Sans Symbols"/>
-              <a:buChar char="▪"/>
-              <a:defRPr b="0" i="0" sz="1600" u="none" cap="none" strike="noStrike">
-                <a:solidFill>
-                  <a:schemeClr val="dk1"/>
-                </a:solidFill>
-                <a:latin typeface="Arial"/>
-                <a:ea typeface="Arial"/>
-                <a:cs typeface="Arial"/>
-                <a:sym typeface="Arial"/>
-              </a:defRPr>
-            </a:lvl7pPr>
-            <a:lvl8pPr lvl="7" marR="0" rtl="0" algn="l">
-              <a:lnSpc>
-                <a:spcPct val="100000"/>
-              </a:lnSpc>
-              <a:spcBef>
-                <a:spcPts val="320"/>
-              </a:spcBef>
-              <a:spcAft>
-                <a:spcPts val="0"/>
-              </a:spcAft>
-              <a:buClr>
-                <a:schemeClr val="dk1"/>
-              </a:buClr>
-              <a:buSzPts val="1600"/>
-              <a:buFont typeface="Noto Sans Symbols"/>
-              <a:buChar char="▪"/>
-              <a:defRPr b="0" i="0" sz="1600" u="none" cap="none" strike="noStrike">
-                <a:solidFill>
-                  <a:schemeClr val="dk1"/>
-                </a:solidFill>
-                <a:latin typeface="Arial"/>
-                <a:ea typeface="Arial"/>
-                <a:cs typeface="Arial"/>
-                <a:sym typeface="Arial"/>
-              </a:defRPr>
-            </a:lvl8pPr>
-            <a:lvl9pPr lvl="8" marR="0" rtl="0" algn="l">
-              <a:lnSpc>
-                <a:spcPct val="100000"/>
-              </a:lnSpc>
-              <a:spcBef>
-                <a:spcPts val="320"/>
-              </a:spcBef>
-              <a:spcAft>
-                <a:spcPts val="0"/>
-              </a:spcAft>
-              <a:buClr>
-                <a:schemeClr val="dk1"/>
-              </a:buClr>
-              <a:buSzPts val="1600"/>
-              <a:buFont typeface="Noto Sans Symbols"/>
-              <a:buChar char="▪"/>
-              <a:defRPr b="0" i="0" sz="1600" u="none" cap="none" strike="noStrike">
-                <a:solidFill>
-                  <a:schemeClr val="dk1"/>
-                </a:solidFill>
-                <a:latin typeface="Arial"/>
-                <a:ea typeface="Arial"/>
-                <a:cs typeface="Arial"/>
-                <a:sym typeface="Arial"/>
-              </a:defRPr>
             </a:lvl9pPr>
           </a:lstStyle>
           <a:p/>
@@ -9408,6 +9705,10 @@
           <a:prstGeom prst="rect">
             <a:avLst/>
           </a:prstGeom>
+          <a:noFill/>
+          <a:ln>
+            <a:noFill/>
+          </a:ln>
         </p:spPr>
         <p:txBody>
           <a:bodyPr anchorCtr="0" anchor="b" bIns="0" lIns="0" spcFirstLastPara="1" rIns="0" wrap="square" tIns="0">
@@ -9416,12 +9717,16 @@
           <a:lstStyle/>
           <a:p>
             <a:pPr indent="0" lvl="0" marL="0" rtl="0" algn="l">
-              <a:spcBef>
-                <a:spcPts val="0"/>
-              </a:spcBef>
-              <a:spcAft>
-                <a:spcPts val="0"/>
-              </a:spcAft>
+              <a:lnSpc>
+                <a:spcPct val="100000"/>
+              </a:lnSpc>
+              <a:spcBef>
+                <a:spcPts val="0"/>
+              </a:spcBef>
+              <a:spcAft>
+                <a:spcPts val="0"/>
+              </a:spcAft>
+              <a:buSzPts val="1400"/>
               <a:buNone/>
             </a:pPr>
             <a:r>
@@ -9448,6 +9753,10 @@
           <a:prstGeom prst="rect">
             <a:avLst/>
           </a:prstGeom>
+          <a:noFill/>
+          <a:ln>
+            <a:noFill/>
+          </a:ln>
         </p:spPr>
         <p:txBody>
           <a:bodyPr anchorCtr="0" anchor="t" bIns="0" lIns="0" spcFirstLastPara="1" rIns="0" wrap="square" tIns="0">
@@ -9456,12 +9765,16 @@
           <a:lstStyle/>
           <a:p>
             <a:pPr indent="0" lvl="0" marL="0" rtl="0" algn="l">
+              <a:lnSpc>
+                <a:spcPct val="100000"/>
+              </a:lnSpc>
               <a:spcBef>
                 <a:spcPts val="320"/>
               </a:spcBef>
               <a:spcAft>
                 <a:spcPts val="0"/>
               </a:spcAft>
+              <a:buSzPts val="1600"/>
               <a:buNone/>
             </a:pPr>
             <a:r>
@@ -9513,6 +9826,10 @@
           <a:prstGeom prst="rect">
             <a:avLst/>
           </a:prstGeom>
+          <a:noFill/>
+          <a:ln>
+            <a:noFill/>
+          </a:ln>
         </p:spPr>
         <p:txBody>
           <a:bodyPr anchorCtr="0" anchor="b" bIns="0" lIns="0" spcFirstLastPara="1" rIns="0" wrap="square" tIns="0">
@@ -9521,12 +9838,16 @@
           <a:lstStyle/>
           <a:p>
             <a:pPr indent="0" lvl="0" marL="0" rtl="0" algn="l">
-              <a:spcBef>
-                <a:spcPts val="0"/>
-              </a:spcBef>
-              <a:spcAft>
-                <a:spcPts val="0"/>
-              </a:spcAft>
+              <a:lnSpc>
+                <a:spcPct val="100000"/>
+              </a:lnSpc>
+              <a:spcBef>
+                <a:spcPts val="0"/>
+              </a:spcBef>
+              <a:spcAft>
+                <a:spcPts val="0"/>
+              </a:spcAft>
+              <a:buSzPts val="1400"/>
               <a:buNone/>
             </a:pPr>
             <a:r>
@@ -9553,6 +9874,10 @@
           <a:prstGeom prst="rect">
             <a:avLst/>
           </a:prstGeom>
+          <a:noFill/>
+          <a:ln>
+            <a:noFill/>
+          </a:ln>
         </p:spPr>
         <p:txBody>
           <a:bodyPr anchorCtr="0" anchor="t" bIns="0" lIns="0" spcFirstLastPara="1" rIns="0" wrap="square" tIns="0">
@@ -9560,101 +9885,248 @@
           </a:bodyPr>
           <a:lstStyle/>
           <a:p>
-            <a:pPr indent="-330200" lvl="0" marL="457200" rtl="0" algn="l">
+            <a:pPr indent="-330200" lvl="0" marL="457200" marR="0" rtl="0" algn="l">
+              <a:lnSpc>
+                <a:spcPct val="100000"/>
+              </a:lnSpc>
               <a:spcBef>
                 <a:spcPts val="320"/>
               </a:spcBef>
               <a:spcAft>
                 <a:spcPts val="0"/>
               </a:spcAft>
+              <a:buClr>
+                <a:srgbClr val="000000"/>
+              </a:buClr>
               <a:buSzPts val="1600"/>
+              <a:buFont typeface="Arial"/>
               <a:buAutoNum type="arabicPeriod"/>
             </a:pPr>
             <a:r>
-              <a:rPr lang="de"/>
+              <a:rPr b="0" i="0" lang="de" sz="1600" u="none" cap="none" strike="noStrike">
+                <a:solidFill>
+                  <a:schemeClr val="dk1"/>
+                </a:solidFill>
+                <a:latin typeface="Arial"/>
+                <a:ea typeface="Arial"/>
+                <a:cs typeface="Arial"/>
+                <a:sym typeface="Arial"/>
+              </a:rPr>
               <a:t>Abstrakte Klassen</a:t>
             </a:r>
             <a:br>
-              <a:rPr lang="de"/>
+              <a:rPr b="0" i="0" lang="de" sz="1600" u="none" cap="none" strike="noStrike">
+                <a:solidFill>
+                  <a:schemeClr val="dk1"/>
+                </a:solidFill>
+                <a:latin typeface="Arial"/>
+                <a:ea typeface="Arial"/>
+                <a:cs typeface="Arial"/>
+                <a:sym typeface="Arial"/>
+              </a:rPr>
             </a:br>
-            <a:endParaRPr/>
+            <a:endParaRPr b="0" i="0" sz="1600" u="none" cap="none" strike="noStrike">
+              <a:solidFill>
+                <a:schemeClr val="dk1"/>
+              </a:solidFill>
+              <a:latin typeface="Arial"/>
+              <a:ea typeface="Arial"/>
+              <a:cs typeface="Arial"/>
+              <a:sym typeface="Arial"/>
+            </a:endParaRPr>
           </a:p>
           <a:p>
-            <a:pPr indent="-330200" lvl="0" marL="457200" rtl="0" algn="l">
-              <a:spcBef>
-                <a:spcPts val="0"/>
-              </a:spcBef>
-              <a:spcAft>
-                <a:spcPts val="0"/>
-              </a:spcAft>
+            <a:pPr indent="-330200" lvl="0" marL="457200" marR="0" rtl="0" algn="l">
+              <a:lnSpc>
+                <a:spcPct val="100000"/>
+              </a:lnSpc>
+              <a:spcBef>
+                <a:spcPts val="0"/>
+              </a:spcBef>
+              <a:spcAft>
+                <a:spcPts val="0"/>
+              </a:spcAft>
+              <a:buClr>
+                <a:srgbClr val="000000"/>
+              </a:buClr>
               <a:buSzPts val="1600"/>
+              <a:buFont typeface="Arial"/>
               <a:buAutoNum type="arabicPeriod"/>
             </a:pPr>
             <a:r>
-              <a:rPr lang="de"/>
+              <a:rPr b="0" i="0" lang="de" sz="1600" u="none" cap="none" strike="noStrike">
+                <a:solidFill>
+                  <a:schemeClr val="dk1"/>
+                </a:solidFill>
+                <a:latin typeface="Arial"/>
+                <a:ea typeface="Arial"/>
+                <a:cs typeface="Arial"/>
+                <a:sym typeface="Arial"/>
+              </a:rPr>
               <a:t>Interfaces</a:t>
             </a:r>
             <a:br>
-              <a:rPr lang="de"/>
+              <a:rPr b="0" i="0" lang="de" sz="1600" u="none" cap="none" strike="noStrike">
+                <a:solidFill>
+                  <a:schemeClr val="dk1"/>
+                </a:solidFill>
+                <a:latin typeface="Arial"/>
+                <a:ea typeface="Arial"/>
+                <a:cs typeface="Arial"/>
+                <a:sym typeface="Arial"/>
+              </a:rPr>
             </a:br>
-            <a:endParaRPr/>
+            <a:endParaRPr b="0" i="0" sz="1600" u="none" cap="none" strike="noStrike">
+              <a:solidFill>
+                <a:schemeClr val="dk1"/>
+              </a:solidFill>
+              <a:latin typeface="Arial"/>
+              <a:ea typeface="Arial"/>
+              <a:cs typeface="Arial"/>
+              <a:sym typeface="Arial"/>
+            </a:endParaRPr>
           </a:p>
           <a:p>
-            <a:pPr indent="-330200" lvl="0" marL="457200" rtl="0" algn="l">
-              <a:spcBef>
-                <a:spcPts val="0"/>
-              </a:spcBef>
-              <a:spcAft>
-                <a:spcPts val="0"/>
-              </a:spcAft>
+            <a:pPr indent="-330200" lvl="0" marL="457200" marR="0" rtl="0" algn="l">
+              <a:lnSpc>
+                <a:spcPct val="100000"/>
+              </a:lnSpc>
+              <a:spcBef>
+                <a:spcPts val="0"/>
+              </a:spcBef>
+              <a:spcAft>
+                <a:spcPts val="0"/>
+              </a:spcAft>
+              <a:buClr>
+                <a:srgbClr val="000000"/>
+              </a:buClr>
               <a:buSzPts val="1600"/>
+              <a:buFont typeface="Arial"/>
               <a:buAutoNum type="arabicPeriod"/>
             </a:pPr>
             <a:r>
-              <a:rPr lang="de"/>
+              <a:rPr b="0" i="0" lang="de" sz="1600" u="none" cap="none" strike="noStrike">
+                <a:solidFill>
+                  <a:schemeClr val="dk1"/>
+                </a:solidFill>
+                <a:latin typeface="Arial"/>
+                <a:ea typeface="Arial"/>
+                <a:cs typeface="Arial"/>
+                <a:sym typeface="Arial"/>
+              </a:rPr>
               <a:t>Vergleich</a:t>
             </a:r>
             <a:br>
-              <a:rPr lang="de"/>
+              <a:rPr b="0" i="0" lang="de" sz="1600" u="none" cap="none" strike="noStrike">
+                <a:solidFill>
+                  <a:schemeClr val="dk1"/>
+                </a:solidFill>
+                <a:latin typeface="Arial"/>
+                <a:ea typeface="Arial"/>
+                <a:cs typeface="Arial"/>
+                <a:sym typeface="Arial"/>
+              </a:rPr>
             </a:br>
-            <a:endParaRPr/>
+            <a:endParaRPr b="0" i="0" sz="1600" u="none" cap="none" strike="noStrike">
+              <a:solidFill>
+                <a:schemeClr val="dk1"/>
+              </a:solidFill>
+              <a:latin typeface="Arial"/>
+              <a:ea typeface="Arial"/>
+              <a:cs typeface="Arial"/>
+              <a:sym typeface="Arial"/>
+            </a:endParaRPr>
           </a:p>
           <a:p>
-            <a:pPr indent="-330200" lvl="0" marL="457200" rtl="0" algn="l">
-              <a:spcBef>
-                <a:spcPts val="0"/>
-              </a:spcBef>
-              <a:spcAft>
-                <a:spcPts val="0"/>
-              </a:spcAft>
+            <a:pPr indent="-330200" lvl="0" marL="457200" marR="0" rtl="0" algn="l">
+              <a:lnSpc>
+                <a:spcPct val="100000"/>
+              </a:lnSpc>
+              <a:spcBef>
+                <a:spcPts val="0"/>
+              </a:spcBef>
+              <a:spcAft>
+                <a:spcPts val="0"/>
+              </a:spcAft>
+              <a:buClr>
+                <a:srgbClr val="000000"/>
+              </a:buClr>
               <a:buSzPts val="1600"/>
+              <a:buFont typeface="Arial"/>
               <a:buAutoNum type="arabicPeriod"/>
             </a:pPr>
             <a:r>
-              <a:rPr lang="de"/>
+              <a:rPr b="0" i="0" lang="de" sz="1600" u="none" cap="none" strike="noStrike">
+                <a:solidFill>
+                  <a:schemeClr val="dk1"/>
+                </a:solidFill>
+                <a:latin typeface="Arial"/>
+                <a:ea typeface="Arial"/>
+                <a:cs typeface="Arial"/>
+                <a:sym typeface="Arial"/>
+              </a:rPr>
               <a:t>Fragen</a:t>
             </a:r>
             <a:br>
-              <a:rPr lang="de"/>
+              <a:rPr b="0" i="0" lang="de" sz="1600" u="none" cap="none" strike="noStrike">
+                <a:solidFill>
+                  <a:schemeClr val="dk1"/>
+                </a:solidFill>
+                <a:latin typeface="Arial"/>
+                <a:ea typeface="Arial"/>
+                <a:cs typeface="Arial"/>
+                <a:sym typeface="Arial"/>
+              </a:rPr>
             </a:br>
-            <a:endParaRPr/>
+            <a:endParaRPr b="0" i="0" sz="1600" u="none" cap="none" strike="noStrike">
+              <a:solidFill>
+                <a:schemeClr val="dk1"/>
+              </a:solidFill>
+              <a:latin typeface="Arial"/>
+              <a:ea typeface="Arial"/>
+              <a:cs typeface="Arial"/>
+              <a:sym typeface="Arial"/>
+            </a:endParaRPr>
           </a:p>
           <a:p>
-            <a:pPr indent="-330200" lvl="0" marL="457200" rtl="0" algn="l">
-              <a:spcBef>
-                <a:spcPts val="0"/>
-              </a:spcBef>
-              <a:spcAft>
-                <a:spcPts val="0"/>
-              </a:spcAft>
+            <a:pPr indent="-330200" lvl="0" marL="457200" marR="0" rtl="0" algn="l">
+              <a:lnSpc>
+                <a:spcPct val="100000"/>
+              </a:lnSpc>
+              <a:spcBef>
+                <a:spcPts val="0"/>
+              </a:spcBef>
+              <a:spcAft>
+                <a:spcPts val="0"/>
+              </a:spcAft>
+              <a:buClr>
+                <a:srgbClr val="000000"/>
+              </a:buClr>
               <a:buSzPts val="1600"/>
+              <a:buFont typeface="Arial"/>
               <a:buAutoNum type="arabicPeriod"/>
             </a:pPr>
             <a:r>
-              <a:rPr lang="de"/>
+              <a:rPr b="0" i="0" lang="de" sz="1600" u="none" cap="none" strike="noStrike">
+                <a:solidFill>
+                  <a:schemeClr val="dk1"/>
+                </a:solidFill>
+                <a:latin typeface="Arial"/>
+                <a:ea typeface="Arial"/>
+                <a:cs typeface="Arial"/>
+                <a:sym typeface="Arial"/>
+              </a:rPr>
               <a:t>Übungsaufgabe</a:t>
             </a:r>
-            <a:endParaRPr/>
+            <a:endParaRPr b="0" i="0" sz="1600" u="none" cap="none" strike="noStrike">
+              <a:solidFill>
+                <a:schemeClr val="dk1"/>
+              </a:solidFill>
+              <a:latin typeface="Arial"/>
+              <a:ea typeface="Arial"/>
+              <a:cs typeface="Arial"/>
+              <a:sym typeface="Arial"/>
+            </a:endParaRPr>
           </a:p>
         </p:txBody>
       </p:sp>
@@ -9699,6 +10171,10 @@
           <a:prstGeom prst="rect">
             <a:avLst/>
           </a:prstGeom>
+          <a:noFill/>
+          <a:ln>
+            <a:noFill/>
+          </a:ln>
         </p:spPr>
         <p:txBody>
           <a:bodyPr anchorCtr="0" anchor="b" bIns="0" lIns="0" spcFirstLastPara="1" rIns="0" wrap="square" tIns="0">
@@ -9707,21 +10183,21 @@
           <a:lstStyle/>
           <a:p>
             <a:pPr indent="0" lvl="0" marL="0" rtl="0" algn="l">
-              <a:spcBef>
-                <a:spcPts val="0"/>
-              </a:spcBef>
-              <a:spcAft>
-                <a:spcPts val="0"/>
-              </a:spcAft>
+              <a:lnSpc>
+                <a:spcPct val="100000"/>
+              </a:lnSpc>
+              <a:spcBef>
+                <a:spcPts val="0"/>
+              </a:spcBef>
+              <a:spcAft>
+                <a:spcPts val="0"/>
+              </a:spcAft>
+              <a:buSzPts val="1400"/>
               <a:buNone/>
             </a:pPr>
             <a:r>
               <a:rPr lang="de"/>
-              <a:t>1. </a:t>
-            </a:r>
-            <a:r>
-              <a:rPr lang="de"/>
-              <a:t>Abstrakte Klassen</a:t>
+              <a:t>1. Abstrakte Klassen</a:t>
             </a:r>
             <a:endParaRPr/>
           </a:p>
@@ -9743,6 +10219,10 @@
           <a:prstGeom prst="rect">
             <a:avLst/>
           </a:prstGeom>
+          <a:noFill/>
+          <a:ln>
+            <a:noFill/>
+          </a:ln>
         </p:spPr>
         <p:txBody>
           <a:bodyPr anchorCtr="0" anchor="t" bIns="0" lIns="0" spcFirstLastPara="1" rIns="0" wrap="square" tIns="0">
@@ -9750,87 +10230,236 @@
           </a:bodyPr>
           <a:lstStyle/>
           <a:p>
-            <a:pPr indent="-317500" lvl="0" marL="457200" rtl="0" algn="l">
+            <a:pPr indent="-317500" lvl="0" marL="457200" marR="0" rtl="0" algn="l">
+              <a:lnSpc>
+                <a:spcPct val="100000"/>
+              </a:lnSpc>
               <a:spcBef>
                 <a:spcPts val="320"/>
               </a:spcBef>
               <a:spcAft>
                 <a:spcPts val="0"/>
               </a:spcAft>
-              <a:buSzPts val="1400"/>
+              <a:buClr>
+                <a:srgbClr val="000000"/>
+              </a:buClr>
+              <a:buSzPts val="1400"/>
+              <a:buFont typeface="Arial"/>
               <a:buChar char="●"/>
             </a:pPr>
             <a:r>
-              <a:rPr lang="de"/>
+              <a:rPr b="0" i="0" lang="de" sz="1600" u="none" cap="none" strike="noStrike">
+                <a:solidFill>
+                  <a:schemeClr val="dk1"/>
+                </a:solidFill>
+                <a:latin typeface="Arial"/>
+                <a:ea typeface="Arial"/>
+                <a:cs typeface="Arial"/>
+                <a:sym typeface="Arial"/>
+              </a:rPr>
               <a:t>Abstrakte Klassen werden durch das Schlüsselwort “abstract” gekennzeichnet</a:t>
             </a:r>
             <a:br>
-              <a:rPr lang="de"/>
+              <a:rPr b="0" i="0" lang="de" sz="1600" u="none" cap="none" strike="noStrike">
+                <a:solidFill>
+                  <a:schemeClr val="dk1"/>
+                </a:solidFill>
+                <a:latin typeface="Arial"/>
+                <a:ea typeface="Arial"/>
+                <a:cs typeface="Arial"/>
+                <a:sym typeface="Arial"/>
+              </a:rPr>
             </a:br>
             <a:br>
-              <a:rPr lang="de"/>
+              <a:rPr b="0" i="0" lang="de" sz="1600" u="none" cap="none" strike="noStrike">
+                <a:solidFill>
+                  <a:schemeClr val="dk1"/>
+                </a:solidFill>
+                <a:latin typeface="Arial"/>
+                <a:ea typeface="Arial"/>
+                <a:cs typeface="Arial"/>
+                <a:sym typeface="Arial"/>
+              </a:rPr>
             </a:br>
             <a:br>
-              <a:rPr lang="de"/>
+              <a:rPr b="0" i="0" lang="de" sz="1600" u="none" cap="none" strike="noStrike">
+                <a:solidFill>
+                  <a:schemeClr val="dk1"/>
+                </a:solidFill>
+                <a:latin typeface="Arial"/>
+                <a:ea typeface="Arial"/>
+                <a:cs typeface="Arial"/>
+                <a:sym typeface="Arial"/>
+              </a:rPr>
             </a:br>
             <a:br>
-              <a:rPr lang="de"/>
+              <a:rPr b="0" i="0" lang="de" sz="1600" u="none" cap="none" strike="noStrike">
+                <a:solidFill>
+                  <a:schemeClr val="dk1"/>
+                </a:solidFill>
+                <a:latin typeface="Arial"/>
+                <a:ea typeface="Arial"/>
+                <a:cs typeface="Arial"/>
+                <a:sym typeface="Arial"/>
+              </a:rPr>
             </a:br>
-            <a:endParaRPr/>
+            <a:endParaRPr b="0" i="0" sz="1600" u="none" cap="none" strike="noStrike">
+              <a:solidFill>
+                <a:schemeClr val="dk1"/>
+              </a:solidFill>
+              <a:latin typeface="Arial"/>
+              <a:ea typeface="Arial"/>
+              <a:cs typeface="Arial"/>
+              <a:sym typeface="Arial"/>
+            </a:endParaRPr>
           </a:p>
           <a:p>
-            <a:pPr indent="-317500" lvl="0" marL="457200" rtl="0" algn="l">
-              <a:spcBef>
-                <a:spcPts val="0"/>
-              </a:spcBef>
-              <a:spcAft>
-                <a:spcPts val="0"/>
-              </a:spcAft>
-              <a:buSzPts val="1400"/>
+            <a:pPr indent="-317500" lvl="0" marL="457200" marR="0" rtl="0" algn="l">
+              <a:lnSpc>
+                <a:spcPct val="100000"/>
+              </a:lnSpc>
+              <a:spcBef>
+                <a:spcPts val="0"/>
+              </a:spcBef>
+              <a:spcAft>
+                <a:spcPts val="0"/>
+              </a:spcAft>
+              <a:buClr>
+                <a:srgbClr val="000000"/>
+              </a:buClr>
+              <a:buSzPts val="1400"/>
+              <a:buFont typeface="Arial"/>
               <a:buChar char="●"/>
             </a:pPr>
             <a:r>
-              <a:rPr lang="de"/>
+              <a:rPr b="0" i="0" lang="de" sz="1600" u="none" cap="none" strike="noStrike">
+                <a:solidFill>
+                  <a:schemeClr val="dk1"/>
+                </a:solidFill>
+                <a:latin typeface="Arial"/>
+                <a:ea typeface="Arial"/>
+                <a:cs typeface="Arial"/>
+                <a:sym typeface="Arial"/>
+              </a:rPr>
               <a:t>Abstrakte Klassen können sowohl abstrakte, als auch konkrete Methoden und Funktionen enthalten</a:t>
             </a:r>
             <a:br>
-              <a:rPr lang="de"/>
+              <a:rPr b="0" i="0" lang="de" sz="1600" u="none" cap="none" strike="noStrike">
+                <a:solidFill>
+                  <a:schemeClr val="dk1"/>
+                </a:solidFill>
+                <a:latin typeface="Arial"/>
+                <a:ea typeface="Arial"/>
+                <a:cs typeface="Arial"/>
+                <a:sym typeface="Arial"/>
+              </a:rPr>
             </a:br>
             <a:br>
-              <a:rPr lang="de"/>
+              <a:rPr b="0" i="0" lang="de" sz="1600" u="none" cap="none" strike="noStrike">
+                <a:solidFill>
+                  <a:schemeClr val="dk1"/>
+                </a:solidFill>
+                <a:latin typeface="Arial"/>
+                <a:ea typeface="Arial"/>
+                <a:cs typeface="Arial"/>
+                <a:sym typeface="Arial"/>
+              </a:rPr>
             </a:br>
             <a:br>
-              <a:rPr lang="de"/>
+              <a:rPr b="0" i="0" lang="de" sz="1600" u="none" cap="none" strike="noStrike">
+                <a:solidFill>
+                  <a:schemeClr val="dk1"/>
+                </a:solidFill>
+                <a:latin typeface="Arial"/>
+                <a:ea typeface="Arial"/>
+                <a:cs typeface="Arial"/>
+                <a:sym typeface="Arial"/>
+              </a:rPr>
             </a:br>
             <a:br>
-              <a:rPr lang="de"/>
+              <a:rPr b="0" i="0" lang="de" sz="1600" u="none" cap="none" strike="noStrike">
+                <a:solidFill>
+                  <a:schemeClr val="dk1"/>
+                </a:solidFill>
+                <a:latin typeface="Arial"/>
+                <a:ea typeface="Arial"/>
+                <a:cs typeface="Arial"/>
+                <a:sym typeface="Arial"/>
+              </a:rPr>
             </a:br>
-            <a:endParaRPr/>
+            <a:endParaRPr b="0" i="0" sz="1600" u="none" cap="none" strike="noStrike">
+              <a:solidFill>
+                <a:schemeClr val="dk1"/>
+              </a:solidFill>
+              <a:latin typeface="Arial"/>
+              <a:ea typeface="Arial"/>
+              <a:cs typeface="Arial"/>
+              <a:sym typeface="Arial"/>
+            </a:endParaRPr>
           </a:p>
           <a:p>
-            <a:pPr indent="-317500" lvl="0" marL="457200" rtl="0" algn="l">
-              <a:spcBef>
-                <a:spcPts val="0"/>
-              </a:spcBef>
-              <a:spcAft>
-                <a:spcPts val="0"/>
-              </a:spcAft>
-              <a:buSzPts val="1400"/>
+            <a:pPr indent="-317500" lvl="0" marL="457200" marR="0" rtl="0" algn="l">
+              <a:lnSpc>
+                <a:spcPct val="100000"/>
+              </a:lnSpc>
+              <a:spcBef>
+                <a:spcPts val="0"/>
+              </a:spcBef>
+              <a:spcAft>
+                <a:spcPts val="0"/>
+              </a:spcAft>
+              <a:buClr>
+                <a:srgbClr val="000000"/>
+              </a:buClr>
+              <a:buSzPts val="1400"/>
+              <a:buFont typeface="Arial"/>
               <a:buChar char="●"/>
             </a:pPr>
             <a:r>
-              <a:rPr lang="de"/>
+              <a:rPr b="0" i="0" lang="de" sz="1600" u="none" cap="none" strike="noStrike">
+                <a:solidFill>
+                  <a:schemeClr val="dk1"/>
+                </a:solidFill>
+                <a:latin typeface="Arial"/>
+                <a:ea typeface="Arial"/>
+                <a:cs typeface="Arial"/>
+                <a:sym typeface="Arial"/>
+              </a:rPr>
               <a:t>Abstrakte Klassen </a:t>
             </a:r>
             <a:r>
-              <a:rPr b="1" lang="de"/>
+              <a:rPr b="1" i="0" lang="de" sz="1600" u="none" cap="none" strike="noStrike">
+                <a:solidFill>
+                  <a:schemeClr val="dk1"/>
+                </a:solidFill>
+                <a:latin typeface="Arial"/>
+                <a:ea typeface="Arial"/>
+                <a:cs typeface="Arial"/>
+                <a:sym typeface="Arial"/>
+              </a:rPr>
               <a:t>können nicht instanziiert werden</a:t>
             </a:r>
             <a:r>
-              <a:rPr lang="de"/>
+              <a:rPr b="0" i="0" lang="de" sz="1600" u="none" cap="none" strike="noStrike">
+                <a:solidFill>
+                  <a:schemeClr val="dk1"/>
+                </a:solidFill>
+                <a:latin typeface="Arial"/>
+                <a:ea typeface="Arial"/>
+                <a:cs typeface="Arial"/>
+                <a:sym typeface="Arial"/>
+              </a:rPr>
               <a:t>, können aber einen Konstruktor haben, der dann von der konkreten Subklasse aufgerufen wird. Wird ein Konstruktor definiert, muss dieser von allen erbenden Klassen aufgerufen werden - auch von abstrakten erbenden Klassen.</a:t>
             </a:r>
-            <a:endParaRPr/>
+            <a:endParaRPr b="0" i="0" sz="1600" u="none" cap="none" strike="noStrike">
+              <a:solidFill>
+                <a:schemeClr val="dk1"/>
+              </a:solidFill>
+              <a:latin typeface="Arial"/>
+              <a:ea typeface="Arial"/>
+              <a:cs typeface="Arial"/>
+              <a:sym typeface="Arial"/>
+            </a:endParaRPr>
           </a:p>
         </p:txBody>
       </p:sp>
@@ -9840,13 +10469,12 @@
           <p:cNvPicPr preferRelativeResize="0"/>
           <p:nvPr/>
         </p:nvPicPr>
-        <p:blipFill>
+        <p:blipFill rotWithShape="1">
           <a:blip r:embed="rId3">
             <a:alphaModFix/>
           </a:blip>
-          <a:stretch>
-            <a:fillRect/>
-          </a:stretch>
+          <a:srcRect b="0" l="0" r="0" t="0"/>
+          <a:stretch/>
         </p:blipFill>
         <p:spPr>
           <a:xfrm>
@@ -9868,13 +10496,12 @@
           <p:cNvPicPr preferRelativeResize="0"/>
           <p:nvPr/>
         </p:nvPicPr>
-        <p:blipFill>
+        <p:blipFill rotWithShape="1">
           <a:blip r:embed="rId4">
             <a:alphaModFix/>
           </a:blip>
-          <a:stretch>
-            <a:fillRect/>
-          </a:stretch>
+          <a:srcRect b="0" l="0" r="0" t="0"/>
+          <a:stretch/>
         </p:blipFill>
         <p:spPr>
           <a:xfrm>
@@ -9896,13 +10523,12 @@
           <p:cNvPicPr preferRelativeResize="0"/>
           <p:nvPr/>
         </p:nvPicPr>
-        <p:blipFill>
+        <p:blipFill rotWithShape="1">
           <a:blip r:embed="rId5">
             <a:alphaModFix/>
           </a:blip>
-          <a:stretch>
-            <a:fillRect/>
-          </a:stretch>
+          <a:srcRect b="0" l="0" r="0" t="0"/>
+          <a:stretch/>
         </p:blipFill>
         <p:spPr>
           <a:xfrm>
@@ -9959,6 +10585,10 @@
           <a:prstGeom prst="rect">
             <a:avLst/>
           </a:prstGeom>
+          <a:noFill/>
+          <a:ln>
+            <a:noFill/>
+          </a:ln>
         </p:spPr>
         <p:txBody>
           <a:bodyPr anchorCtr="0" anchor="b" bIns="0" lIns="0" spcFirstLastPara="1" rIns="0" wrap="square" tIns="0">
@@ -9967,21 +10597,21 @@
           <a:lstStyle/>
           <a:p>
             <a:pPr indent="0" lvl="0" marL="0" rtl="0" algn="l">
-              <a:spcBef>
-                <a:spcPts val="0"/>
-              </a:spcBef>
-              <a:spcAft>
-                <a:spcPts val="0"/>
-              </a:spcAft>
+              <a:lnSpc>
+                <a:spcPct val="100000"/>
+              </a:lnSpc>
+              <a:spcBef>
+                <a:spcPts val="0"/>
+              </a:spcBef>
+              <a:spcAft>
+                <a:spcPts val="0"/>
+              </a:spcAft>
+              <a:buSzPts val="1400"/>
               <a:buNone/>
             </a:pPr>
             <a:r>
               <a:rPr lang="de"/>
-              <a:t>1. </a:t>
-            </a:r>
-            <a:r>
-              <a:rPr lang="de"/>
-              <a:t>Abstrakte Klassen</a:t>
+              <a:t>1. Abstrakte Klassen</a:t>
             </a:r>
             <a:endParaRPr/>
           </a:p>
@@ -10003,6 +10633,10 @@
           <a:prstGeom prst="rect">
             <a:avLst/>
           </a:prstGeom>
+          <a:noFill/>
+          <a:ln>
+            <a:noFill/>
+          </a:ln>
         </p:spPr>
         <p:txBody>
           <a:bodyPr anchorCtr="0" anchor="t" bIns="0" lIns="0" spcFirstLastPara="1" rIns="0" wrap="square" tIns="0">
@@ -10010,102 +10644,259 @@
           </a:bodyPr>
           <a:lstStyle/>
           <a:p>
-            <a:pPr indent="-317500" lvl="0" marL="457200" rtl="0" algn="l">
+            <a:pPr indent="-317500" lvl="0" marL="457200" marR="0" rtl="0" algn="l">
+              <a:lnSpc>
+                <a:spcPct val="100000"/>
+              </a:lnSpc>
               <a:spcBef>
                 <a:spcPts val="320"/>
               </a:spcBef>
               <a:spcAft>
                 <a:spcPts val="0"/>
               </a:spcAft>
-              <a:buSzPts val="1400"/>
+              <a:buClr>
+                <a:srgbClr val="000000"/>
+              </a:buClr>
+              <a:buSzPts val="1400"/>
+              <a:buFont typeface="Arial"/>
               <a:buChar char="●"/>
             </a:pPr>
             <a:r>
-              <a:rPr lang="de"/>
+              <a:rPr b="0" i="0" lang="de" sz="1600" u="none" cap="none" strike="noStrike">
+                <a:solidFill>
+                  <a:schemeClr val="dk1"/>
+                </a:solidFill>
+                <a:latin typeface="Arial"/>
+                <a:ea typeface="Arial"/>
+                <a:cs typeface="Arial"/>
+                <a:sym typeface="Arial"/>
+              </a:rPr>
               <a:t>Abstrakte Klassen können in eigenen konkreten Methoden bereits die abstrakten Methoden nutzen, da instanziierbare Subklassen die Methode konkretisieren </a:t>
             </a:r>
             <a:r>
-              <a:rPr b="1" lang="de"/>
+              <a:rPr b="1" i="0" lang="de" sz="1600" u="none" cap="none" strike="noStrike">
+                <a:solidFill>
+                  <a:schemeClr val="dk1"/>
+                </a:solidFill>
+                <a:latin typeface="Arial"/>
+                <a:ea typeface="Arial"/>
+                <a:cs typeface="Arial"/>
+                <a:sym typeface="Arial"/>
+              </a:rPr>
               <a:t>müssen</a:t>
             </a:r>
             <a:r>
-              <a:rPr lang="de"/>
+              <a:rPr b="0" i="0" lang="de" sz="1600" u="none" cap="none" strike="noStrike">
+                <a:solidFill>
+                  <a:schemeClr val="dk1"/>
+                </a:solidFill>
+                <a:latin typeface="Arial"/>
+                <a:ea typeface="Arial"/>
+                <a:cs typeface="Arial"/>
+                <a:sym typeface="Arial"/>
+              </a:rPr>
               <a:t>.</a:t>
             </a:r>
             <a:br>
-              <a:rPr lang="de"/>
+              <a:rPr b="0" i="0" lang="de" sz="1600" u="none" cap="none" strike="noStrike">
+                <a:solidFill>
+                  <a:schemeClr val="dk1"/>
+                </a:solidFill>
+                <a:latin typeface="Arial"/>
+                <a:ea typeface="Arial"/>
+                <a:cs typeface="Arial"/>
+                <a:sym typeface="Arial"/>
+              </a:rPr>
             </a:br>
             <a:br>
-              <a:rPr lang="de"/>
+              <a:rPr b="0" i="0" lang="de" sz="1600" u="none" cap="none" strike="noStrike">
+                <a:solidFill>
+                  <a:schemeClr val="dk1"/>
+                </a:solidFill>
+                <a:latin typeface="Arial"/>
+                <a:ea typeface="Arial"/>
+                <a:cs typeface="Arial"/>
+                <a:sym typeface="Arial"/>
+              </a:rPr>
             </a:br>
             <a:br>
-              <a:rPr lang="de"/>
+              <a:rPr b="0" i="0" lang="de" sz="1600" u="none" cap="none" strike="noStrike">
+                <a:solidFill>
+                  <a:schemeClr val="dk1"/>
+                </a:solidFill>
+                <a:latin typeface="Arial"/>
+                <a:ea typeface="Arial"/>
+                <a:cs typeface="Arial"/>
+                <a:sym typeface="Arial"/>
+              </a:rPr>
             </a:br>
-            <a:endParaRPr/>
+            <a:endParaRPr b="0" i="0" sz="1600" u="none" cap="none" strike="noStrike">
+              <a:solidFill>
+                <a:schemeClr val="dk1"/>
+              </a:solidFill>
+              <a:latin typeface="Arial"/>
+              <a:ea typeface="Arial"/>
+              <a:cs typeface="Arial"/>
+              <a:sym typeface="Arial"/>
+            </a:endParaRPr>
           </a:p>
           <a:p>
-            <a:pPr indent="-317500" lvl="0" marL="457200" rtl="0" algn="l">
-              <a:spcBef>
-                <a:spcPts val="0"/>
-              </a:spcBef>
-              <a:spcAft>
-                <a:spcPts val="0"/>
-              </a:spcAft>
-              <a:buSzPts val="1400"/>
+            <a:pPr indent="-317500" lvl="0" marL="457200" marR="0" rtl="0" algn="l">
+              <a:lnSpc>
+                <a:spcPct val="100000"/>
+              </a:lnSpc>
+              <a:spcBef>
+                <a:spcPts val="0"/>
+              </a:spcBef>
+              <a:spcAft>
+                <a:spcPts val="0"/>
+              </a:spcAft>
+              <a:buClr>
+                <a:srgbClr val="000000"/>
+              </a:buClr>
+              <a:buSzPts val="1400"/>
+              <a:buFont typeface="Arial"/>
               <a:buChar char="●"/>
             </a:pPr>
             <a:r>
-              <a:rPr lang="de"/>
-              <a:t>Die Subklassen von abstrakten Klassen müssen entweder die abstrakten Methoden der Superklasse konkretisieren </a:t>
-            </a:r>
-            <a:r>
-              <a:rPr lang="de"/>
-              <a:t>...</a:t>
-            </a:r>
-            <a:r>
-              <a:rPr lang="de"/>
-              <a:t>.</a:t>
+              <a:rPr b="0" i="0" lang="de" sz="1600" u="none" cap="none" strike="noStrike">
+                <a:solidFill>
+                  <a:schemeClr val="dk1"/>
+                </a:solidFill>
+                <a:latin typeface="Arial"/>
+                <a:ea typeface="Arial"/>
+                <a:cs typeface="Arial"/>
+                <a:sym typeface="Arial"/>
+              </a:rPr>
+              <a:t>Die Subklassen von abstrakten Klassen müssen entweder die abstrakten Methoden der Superklasse konkretisieren ....</a:t>
             </a:r>
             <a:br>
-              <a:rPr lang="de"/>
+              <a:rPr b="0" i="0" lang="de" sz="1600" u="none" cap="none" strike="noStrike">
+                <a:solidFill>
+                  <a:schemeClr val="dk1"/>
+                </a:solidFill>
+                <a:latin typeface="Arial"/>
+                <a:ea typeface="Arial"/>
+                <a:cs typeface="Arial"/>
+                <a:sym typeface="Arial"/>
+              </a:rPr>
             </a:br>
             <a:br>
-              <a:rPr lang="de"/>
+              <a:rPr b="0" i="0" lang="de" sz="1600" u="none" cap="none" strike="noStrike">
+                <a:solidFill>
+                  <a:schemeClr val="dk1"/>
+                </a:solidFill>
+                <a:latin typeface="Arial"/>
+                <a:ea typeface="Arial"/>
+                <a:cs typeface="Arial"/>
+                <a:sym typeface="Arial"/>
+              </a:rPr>
             </a:br>
             <a:br>
-              <a:rPr lang="de"/>
+              <a:rPr b="0" i="0" lang="de" sz="1600" u="none" cap="none" strike="noStrike">
+                <a:solidFill>
+                  <a:schemeClr val="dk1"/>
+                </a:solidFill>
+                <a:latin typeface="Arial"/>
+                <a:ea typeface="Arial"/>
+                <a:cs typeface="Arial"/>
+                <a:sym typeface="Arial"/>
+              </a:rPr>
             </a:br>
             <a:br>
-              <a:rPr lang="de"/>
+              <a:rPr b="0" i="0" lang="de" sz="1600" u="none" cap="none" strike="noStrike">
+                <a:solidFill>
+                  <a:schemeClr val="dk1"/>
+                </a:solidFill>
+                <a:latin typeface="Arial"/>
+                <a:ea typeface="Arial"/>
+                <a:cs typeface="Arial"/>
+                <a:sym typeface="Arial"/>
+              </a:rPr>
             </a:br>
-            <a:endParaRPr/>
+            <a:endParaRPr b="0" i="0" sz="1600" u="none" cap="none" strike="noStrike">
+              <a:solidFill>
+                <a:schemeClr val="dk1"/>
+              </a:solidFill>
+              <a:latin typeface="Arial"/>
+              <a:ea typeface="Arial"/>
+              <a:cs typeface="Arial"/>
+              <a:sym typeface="Arial"/>
+            </a:endParaRPr>
           </a:p>
           <a:p>
-            <a:pPr indent="-317500" lvl="0" marL="457200" rtl="0" algn="l">
-              <a:spcBef>
-                <a:spcPts val="0"/>
-              </a:spcBef>
-              <a:spcAft>
-                <a:spcPts val="0"/>
-              </a:spcAft>
-              <a:buSzPts val="1400"/>
+            <a:pPr indent="-317500" lvl="0" marL="457200" marR="0" rtl="0" algn="l">
+              <a:lnSpc>
+                <a:spcPct val="100000"/>
+              </a:lnSpc>
+              <a:spcBef>
+                <a:spcPts val="0"/>
+              </a:spcBef>
+              <a:spcAft>
+                <a:spcPts val="0"/>
+              </a:spcAft>
+              <a:buClr>
+                <a:srgbClr val="000000"/>
+              </a:buClr>
+              <a:buSzPts val="1400"/>
+              <a:buFont typeface="Arial"/>
               <a:buChar char="●"/>
             </a:pPr>
             <a:r>
-              <a:rPr lang="de"/>
+              <a:rPr b="0" i="0" lang="de" sz="1600" u="none" cap="none" strike="noStrike">
+                <a:solidFill>
+                  <a:schemeClr val="dk1"/>
+                </a:solidFill>
+                <a:latin typeface="Arial"/>
+                <a:ea typeface="Arial"/>
+                <a:cs typeface="Arial"/>
+                <a:sym typeface="Arial"/>
+              </a:rPr>
               <a:t>… oder selber abstrakt sein:</a:t>
             </a:r>
             <a:br>
-              <a:rPr lang="de"/>
+              <a:rPr b="0" i="0" lang="de" sz="1600" u="none" cap="none" strike="noStrike">
+                <a:solidFill>
+                  <a:schemeClr val="dk1"/>
+                </a:solidFill>
+                <a:latin typeface="Arial"/>
+                <a:ea typeface="Arial"/>
+                <a:cs typeface="Arial"/>
+                <a:sym typeface="Arial"/>
+              </a:rPr>
             </a:br>
             <a:br>
-              <a:rPr lang="de"/>
+              <a:rPr b="0" i="0" lang="de" sz="1600" u="none" cap="none" strike="noStrike">
+                <a:solidFill>
+                  <a:schemeClr val="dk1"/>
+                </a:solidFill>
+                <a:latin typeface="Arial"/>
+                <a:ea typeface="Arial"/>
+                <a:cs typeface="Arial"/>
+                <a:sym typeface="Arial"/>
+              </a:rPr>
             </a:br>
             <a:r>
-              <a:rPr lang="de"/>
+              <a:rPr b="0" i="0" lang="de" sz="1600" u="none" cap="none" strike="noStrike">
+                <a:solidFill>
+                  <a:schemeClr val="dk1"/>
+                </a:solidFill>
+                <a:latin typeface="Arial"/>
+                <a:ea typeface="Arial"/>
+                <a:cs typeface="Arial"/>
+                <a:sym typeface="Arial"/>
+              </a:rPr>
               <a:t>in diesem Fall müssen Subklassen von Polygon dann die abstrakte Methode von Shape überschreiben.</a:t>
             </a:r>
-            <a:endParaRPr/>
+            <a:endParaRPr b="0" i="0" sz="1600" u="none" cap="none" strike="noStrike">
+              <a:solidFill>
+                <a:schemeClr val="dk1"/>
+              </a:solidFill>
+              <a:latin typeface="Arial"/>
+              <a:ea typeface="Arial"/>
+              <a:cs typeface="Arial"/>
+              <a:sym typeface="Arial"/>
+            </a:endParaRPr>
           </a:p>
         </p:txBody>
       </p:sp>
@@ -10115,13 +10906,12 @@
           <p:cNvPicPr preferRelativeResize="0"/>
           <p:nvPr/>
         </p:nvPicPr>
-        <p:blipFill>
+        <p:blipFill rotWithShape="1">
           <a:blip r:embed="rId3">
             <a:alphaModFix/>
           </a:blip>
-          <a:stretch>
-            <a:fillRect/>
-          </a:stretch>
+          <a:srcRect b="0" l="0" r="0" t="0"/>
+          <a:stretch/>
         </p:blipFill>
         <p:spPr>
           <a:xfrm>
@@ -10143,13 +10933,12 @@
           <p:cNvPicPr preferRelativeResize="0"/>
           <p:nvPr/>
         </p:nvPicPr>
-        <p:blipFill>
+        <p:blipFill rotWithShape="1">
           <a:blip r:embed="rId4">
             <a:alphaModFix/>
           </a:blip>
-          <a:stretch>
-            <a:fillRect/>
-          </a:stretch>
+          <a:srcRect b="0" l="0" r="0" t="0"/>
+          <a:stretch/>
         </p:blipFill>
         <p:spPr>
           <a:xfrm>
@@ -10171,13 +10960,12 @@
           <p:cNvPicPr preferRelativeResize="0"/>
           <p:nvPr/>
         </p:nvPicPr>
-        <p:blipFill>
+        <p:blipFill rotWithShape="1">
           <a:blip r:embed="rId5">
             <a:alphaModFix/>
           </a:blip>
-          <a:stretch>
-            <a:fillRect/>
-          </a:stretch>
+          <a:srcRect b="0" l="0" r="0" t="0"/>
+          <a:stretch/>
         </p:blipFill>
         <p:spPr>
           <a:xfrm>
@@ -10199,13 +10987,12 @@
           <p:cNvPicPr preferRelativeResize="0"/>
           <p:nvPr/>
         </p:nvPicPr>
-        <p:blipFill>
+        <p:blipFill rotWithShape="1">
           <a:blip r:embed="rId6">
             <a:alphaModFix/>
           </a:blip>
-          <a:stretch>
-            <a:fillRect/>
-          </a:stretch>
+          <a:srcRect b="0" l="0" r="0" t="0"/>
+          <a:stretch/>
         </p:blipFill>
         <p:spPr>
           <a:xfrm>
@@ -10262,6 +11049,10 @@
           <a:prstGeom prst="rect">
             <a:avLst/>
           </a:prstGeom>
+          <a:noFill/>
+          <a:ln>
+            <a:noFill/>
+          </a:ln>
         </p:spPr>
         <p:txBody>
           <a:bodyPr anchorCtr="0" anchor="b" bIns="0" lIns="0" spcFirstLastPara="1" rIns="0" wrap="square" tIns="0">
@@ -10270,12 +11061,16 @@
           <a:lstStyle/>
           <a:p>
             <a:pPr indent="0" lvl="0" marL="0" rtl="0" algn="l">
-              <a:spcBef>
-                <a:spcPts val="0"/>
-              </a:spcBef>
-              <a:spcAft>
-                <a:spcPts val="0"/>
-              </a:spcAft>
+              <a:lnSpc>
+                <a:spcPct val="100000"/>
+              </a:lnSpc>
+              <a:spcBef>
+                <a:spcPts val="0"/>
+              </a:spcBef>
+              <a:spcAft>
+                <a:spcPts val="0"/>
+              </a:spcAft>
+              <a:buSzPts val="1400"/>
               <a:buNone/>
             </a:pPr>
             <a:r>
@@ -10302,6 +11097,10 @@
           <a:prstGeom prst="rect">
             <a:avLst/>
           </a:prstGeom>
+          <a:noFill/>
+          <a:ln>
+            <a:noFill/>
+          </a:ln>
         </p:spPr>
         <p:txBody>
           <a:bodyPr anchorCtr="0" anchor="t" bIns="0" lIns="0" spcFirstLastPara="1" rIns="0" wrap="square" tIns="0">
@@ -10309,157 +11108,341 @@
           </a:bodyPr>
           <a:lstStyle/>
           <a:p>
-            <a:pPr indent="0" lvl="0" marL="0" rtl="0" algn="l">
+            <a:pPr indent="0" lvl="0" marL="0" marR="0" rtl="0" algn="l">
+              <a:lnSpc>
+                <a:spcPct val="100000"/>
+              </a:lnSpc>
               <a:spcBef>
                 <a:spcPts val="320"/>
               </a:spcBef>
               <a:spcAft>
                 <a:spcPts val="0"/>
               </a:spcAft>
+              <a:buClr>
+                <a:srgbClr val="000000"/>
+              </a:buClr>
+              <a:buSzPts val="1400"/>
+              <a:buFont typeface="Arial"/>
               <a:buNone/>
             </a:pPr>
             <a:r>
-              <a:rPr lang="de"/>
+              <a:rPr b="0" i="0" lang="de" sz="1600" u="none" cap="none" strike="noStrike">
+                <a:solidFill>
+                  <a:schemeClr val="dk1"/>
+                </a:solidFill>
+                <a:latin typeface="Arial"/>
+                <a:ea typeface="Arial"/>
+                <a:cs typeface="Arial"/>
+                <a:sym typeface="Arial"/>
+              </a:rPr>
               <a:t>Java Interfaces können auch abstrakte und konkrete Methoden definieren und werden durch das Schlüsselwort “interface” statt “class” gekennzeichnet.</a:t>
             </a:r>
-            <a:endParaRPr/>
+            <a:endParaRPr b="0" i="0" sz="1600" u="none" cap="none" strike="noStrike">
+              <a:solidFill>
+                <a:schemeClr val="dk1"/>
+              </a:solidFill>
+              <a:latin typeface="Arial"/>
+              <a:ea typeface="Arial"/>
+              <a:cs typeface="Arial"/>
+              <a:sym typeface="Arial"/>
+            </a:endParaRPr>
           </a:p>
           <a:p>
-            <a:pPr indent="0" lvl="0" marL="0" rtl="0" algn="l">
+            <a:pPr indent="0" lvl="0" marL="0" marR="0" rtl="0" algn="l">
+              <a:lnSpc>
+                <a:spcPct val="100000"/>
+              </a:lnSpc>
               <a:spcBef>
                 <a:spcPts val="320"/>
               </a:spcBef>
               <a:spcAft>
                 <a:spcPts val="0"/>
               </a:spcAft>
+              <a:buClr>
+                <a:srgbClr val="000000"/>
+              </a:buClr>
+              <a:buSzPts val="1400"/>
+              <a:buFont typeface="Arial"/>
               <a:buNone/>
             </a:pPr>
             <a:r>
               <a:t/>
             </a:r>
-            <a:endParaRPr/>
+            <a:endParaRPr b="0" i="0" sz="1600" u="none" cap="none" strike="noStrike">
+              <a:solidFill>
+                <a:schemeClr val="dk1"/>
+              </a:solidFill>
+              <a:latin typeface="Arial"/>
+              <a:ea typeface="Arial"/>
+              <a:cs typeface="Arial"/>
+              <a:sym typeface="Arial"/>
+            </a:endParaRPr>
           </a:p>
           <a:p>
-            <a:pPr indent="0" lvl="0" marL="0" rtl="0" algn="l">
+            <a:pPr indent="0" lvl="0" marL="0" marR="0" rtl="0" algn="l">
+              <a:lnSpc>
+                <a:spcPct val="100000"/>
+              </a:lnSpc>
               <a:spcBef>
                 <a:spcPts val="320"/>
               </a:spcBef>
               <a:spcAft>
                 <a:spcPts val="0"/>
               </a:spcAft>
+              <a:buClr>
+                <a:srgbClr val="000000"/>
+              </a:buClr>
+              <a:buSzPts val="1400"/>
+              <a:buFont typeface="Arial"/>
               <a:buNone/>
             </a:pPr>
             <a:r>
               <a:t/>
             </a:r>
-            <a:endParaRPr/>
+            <a:endParaRPr b="0" i="0" sz="1600" u="none" cap="none" strike="noStrike">
+              <a:solidFill>
+                <a:schemeClr val="dk1"/>
+              </a:solidFill>
+              <a:latin typeface="Arial"/>
+              <a:ea typeface="Arial"/>
+              <a:cs typeface="Arial"/>
+              <a:sym typeface="Arial"/>
+            </a:endParaRPr>
           </a:p>
           <a:p>
-            <a:pPr indent="0" lvl="0" marL="0" rtl="0" algn="l">
+            <a:pPr indent="0" lvl="0" marL="0" marR="0" rtl="0" algn="l">
+              <a:lnSpc>
+                <a:spcPct val="100000"/>
+              </a:lnSpc>
               <a:spcBef>
                 <a:spcPts val="320"/>
               </a:spcBef>
               <a:spcAft>
                 <a:spcPts val="0"/>
               </a:spcAft>
+              <a:buClr>
+                <a:srgbClr val="000000"/>
+              </a:buClr>
+              <a:buSzPts val="1400"/>
+              <a:buFont typeface="Arial"/>
               <a:buNone/>
             </a:pPr>
             <a:r>
               <a:t/>
             </a:r>
-            <a:endParaRPr/>
+            <a:endParaRPr b="0" i="0" sz="1600" u="none" cap="none" strike="noStrike">
+              <a:solidFill>
+                <a:schemeClr val="dk1"/>
+              </a:solidFill>
+              <a:latin typeface="Arial"/>
+              <a:ea typeface="Arial"/>
+              <a:cs typeface="Arial"/>
+              <a:sym typeface="Arial"/>
+            </a:endParaRPr>
           </a:p>
           <a:p>
-            <a:pPr indent="0" lvl="0" marL="0" rtl="0" algn="l">
+            <a:pPr indent="0" lvl="0" marL="0" marR="0" rtl="0" algn="l">
+              <a:lnSpc>
+                <a:spcPct val="100000"/>
+              </a:lnSpc>
               <a:spcBef>
                 <a:spcPts val="320"/>
               </a:spcBef>
               <a:spcAft>
                 <a:spcPts val="0"/>
               </a:spcAft>
+              <a:buClr>
+                <a:srgbClr val="000000"/>
+              </a:buClr>
+              <a:buSzPts val="1400"/>
+              <a:buFont typeface="Arial"/>
               <a:buNone/>
             </a:pPr>
             <a:r>
               <a:t/>
             </a:r>
-            <a:endParaRPr/>
+            <a:endParaRPr b="0" i="0" sz="1600" u="none" cap="none" strike="noStrike">
+              <a:solidFill>
+                <a:schemeClr val="dk1"/>
+              </a:solidFill>
+              <a:latin typeface="Arial"/>
+              <a:ea typeface="Arial"/>
+              <a:cs typeface="Arial"/>
+              <a:sym typeface="Arial"/>
+            </a:endParaRPr>
           </a:p>
           <a:p>
-            <a:pPr indent="0" lvl="0" marL="0" rtl="0" algn="l">
+            <a:pPr indent="0" lvl="0" marL="0" marR="0" rtl="0" algn="l">
+              <a:lnSpc>
+                <a:spcPct val="100000"/>
+              </a:lnSpc>
               <a:spcBef>
                 <a:spcPts val="320"/>
               </a:spcBef>
               <a:spcAft>
                 <a:spcPts val="0"/>
               </a:spcAft>
+              <a:buClr>
+                <a:srgbClr val="000000"/>
+              </a:buClr>
+              <a:buSzPts val="1400"/>
+              <a:buFont typeface="Arial"/>
               <a:buNone/>
             </a:pPr>
             <a:r>
               <a:t/>
             </a:r>
-            <a:endParaRPr/>
+            <a:endParaRPr b="0" i="0" sz="1600" u="none" cap="none" strike="noStrike">
+              <a:solidFill>
+                <a:schemeClr val="dk1"/>
+              </a:solidFill>
+              <a:latin typeface="Arial"/>
+              <a:ea typeface="Arial"/>
+              <a:cs typeface="Arial"/>
+              <a:sym typeface="Arial"/>
+            </a:endParaRPr>
           </a:p>
           <a:p>
-            <a:pPr indent="0" lvl="0" marL="0" rtl="0" algn="l">
+            <a:pPr indent="0" lvl="0" marL="0" marR="0" rtl="0" algn="l">
+              <a:lnSpc>
+                <a:spcPct val="100000"/>
+              </a:lnSpc>
               <a:spcBef>
                 <a:spcPts val="320"/>
               </a:spcBef>
               <a:spcAft>
                 <a:spcPts val="0"/>
               </a:spcAft>
+              <a:buClr>
+                <a:srgbClr val="000000"/>
+              </a:buClr>
+              <a:buSzPts val="1400"/>
+              <a:buFont typeface="Arial"/>
               <a:buNone/>
             </a:pPr>
             <a:r>
               <a:t/>
             </a:r>
-            <a:endParaRPr/>
+            <a:endParaRPr b="0" i="0" sz="1600" u="none" cap="none" strike="noStrike">
+              <a:solidFill>
+                <a:schemeClr val="dk1"/>
+              </a:solidFill>
+              <a:latin typeface="Arial"/>
+              <a:ea typeface="Arial"/>
+              <a:cs typeface="Arial"/>
+              <a:sym typeface="Arial"/>
+            </a:endParaRPr>
           </a:p>
           <a:p>
-            <a:pPr indent="0" lvl="0" marL="0" rtl="0" algn="l">
+            <a:pPr indent="0" lvl="0" marL="0" marR="0" rtl="0" algn="l">
+              <a:lnSpc>
+                <a:spcPct val="100000"/>
+              </a:lnSpc>
               <a:spcBef>
                 <a:spcPts val="320"/>
               </a:spcBef>
               <a:spcAft>
                 <a:spcPts val="0"/>
               </a:spcAft>
+              <a:buClr>
+                <a:srgbClr val="000000"/>
+              </a:buClr>
+              <a:buSzPts val="1400"/>
+              <a:buFont typeface="Arial"/>
               <a:buNone/>
             </a:pPr>
             <a:r>
-              <a:rPr lang="de"/>
+              <a:rPr b="0" i="0" lang="de" sz="1600" u="none" cap="none" strike="noStrike">
+                <a:solidFill>
+                  <a:schemeClr val="dk1"/>
+                </a:solidFill>
+                <a:latin typeface="Arial"/>
+                <a:ea typeface="Arial"/>
+                <a:cs typeface="Arial"/>
+                <a:sym typeface="Arial"/>
+              </a:rPr>
               <a:t>Klassen können mehrere Interfaces gleichzeitig implementieren…</a:t>
             </a:r>
-            <a:endParaRPr/>
+            <a:endParaRPr b="0" i="0" sz="1600" u="none" cap="none" strike="noStrike">
+              <a:solidFill>
+                <a:schemeClr val="dk1"/>
+              </a:solidFill>
+              <a:latin typeface="Arial"/>
+              <a:ea typeface="Arial"/>
+              <a:cs typeface="Arial"/>
+              <a:sym typeface="Arial"/>
+            </a:endParaRPr>
           </a:p>
           <a:p>
-            <a:pPr indent="0" lvl="0" marL="0" rtl="0" algn="l">
+            <a:pPr indent="0" lvl="0" marL="0" marR="0" rtl="0" algn="l">
+              <a:lnSpc>
+                <a:spcPct val="100000"/>
+              </a:lnSpc>
               <a:spcBef>
                 <a:spcPts val="320"/>
               </a:spcBef>
               <a:spcAft>
                 <a:spcPts val="0"/>
               </a:spcAft>
+              <a:buClr>
+                <a:srgbClr val="000000"/>
+              </a:buClr>
+              <a:buSzPts val="1400"/>
+              <a:buFont typeface="Arial"/>
               <a:buNone/>
             </a:pPr>
             <a:r>
               <a:t/>
             </a:r>
-            <a:endParaRPr/>
+            <a:endParaRPr b="0" i="0" sz="1600" u="none" cap="none" strike="noStrike">
+              <a:solidFill>
+                <a:schemeClr val="dk1"/>
+              </a:solidFill>
+              <a:latin typeface="Arial"/>
+              <a:ea typeface="Arial"/>
+              <a:cs typeface="Arial"/>
+              <a:sym typeface="Arial"/>
+            </a:endParaRPr>
           </a:p>
           <a:p>
-            <a:pPr indent="0" lvl="0" marL="0" rtl="0" algn="l">
+            <a:pPr indent="0" lvl="0" marL="0" marR="0" rtl="0" algn="l">
+              <a:lnSpc>
+                <a:spcPct val="100000"/>
+              </a:lnSpc>
               <a:spcBef>
                 <a:spcPts val="320"/>
               </a:spcBef>
               <a:spcAft>
                 <a:spcPts val="0"/>
               </a:spcAft>
+              <a:buClr>
+                <a:srgbClr val="000000"/>
+              </a:buClr>
+              <a:buSzPts val="1400"/>
+              <a:buFont typeface="Arial"/>
               <a:buNone/>
             </a:pPr>
             <a:r>
-              <a:rPr lang="de"/>
+              <a:rPr b="0" i="0" lang="de" sz="1600" u="none" cap="none" strike="noStrike">
+                <a:solidFill>
+                  <a:schemeClr val="dk1"/>
+                </a:solidFill>
+                <a:latin typeface="Arial"/>
+                <a:ea typeface="Arial"/>
+                <a:cs typeface="Arial"/>
+                <a:sym typeface="Arial"/>
+              </a:rPr>
               <a:t>Und müssen entweder die abstrakten Methoden des Interfaces konkretisieren, oder selber eine abstrakte Klasse sein.</a:t>
             </a:r>
-            <a:endParaRPr/>
+            <a:endParaRPr b="0" i="0" sz="1600" u="none" cap="none" strike="noStrike">
+              <a:solidFill>
+                <a:schemeClr val="dk1"/>
+              </a:solidFill>
+              <a:latin typeface="Arial"/>
+              <a:ea typeface="Arial"/>
+              <a:cs typeface="Arial"/>
+              <a:sym typeface="Arial"/>
+            </a:endParaRPr>
           </a:p>
         </p:txBody>
       </p:sp>
@@ -10469,13 +11452,12 @@
           <p:cNvPicPr preferRelativeResize="0"/>
           <p:nvPr/>
         </p:nvPicPr>
-        <p:blipFill>
+        <p:blipFill rotWithShape="1">
           <a:blip r:embed="rId3">
             <a:alphaModFix/>
           </a:blip>
-          <a:stretch>
-            <a:fillRect/>
-          </a:stretch>
+          <a:srcRect b="0" l="0" r="0" t="0"/>
+          <a:stretch/>
         </p:blipFill>
         <p:spPr>
           <a:xfrm>
@@ -10497,13 +11479,12 @@
           <p:cNvPicPr preferRelativeResize="0"/>
           <p:nvPr/>
         </p:nvPicPr>
-        <p:blipFill>
+        <p:blipFill rotWithShape="1">
           <a:blip r:embed="rId4">
             <a:alphaModFix/>
           </a:blip>
-          <a:stretch>
-            <a:fillRect/>
-          </a:stretch>
+          <a:srcRect b="0" l="0" r="0" t="0"/>
+          <a:stretch/>
         </p:blipFill>
         <p:spPr>
           <a:xfrm>
@@ -10525,13 +11506,12 @@
           <p:cNvPicPr preferRelativeResize="0"/>
           <p:nvPr/>
         </p:nvPicPr>
-        <p:blipFill>
+        <p:blipFill rotWithShape="1">
           <a:blip r:embed="rId5">
             <a:alphaModFix/>
           </a:blip>
-          <a:stretch>
-            <a:fillRect/>
-          </a:stretch>
+          <a:srcRect b="0" l="0" r="0" t="0"/>
+          <a:stretch/>
         </p:blipFill>
         <p:spPr>
           <a:xfrm>
@@ -10588,6 +11568,10 @@
           <a:prstGeom prst="rect">
             <a:avLst/>
           </a:prstGeom>
+          <a:noFill/>
+          <a:ln>
+            <a:noFill/>
+          </a:ln>
         </p:spPr>
         <p:txBody>
           <a:bodyPr anchorCtr="0" anchor="b" bIns="0" lIns="0" spcFirstLastPara="1" rIns="0" wrap="square" tIns="0">
@@ -10596,12 +11580,16 @@
           <a:lstStyle/>
           <a:p>
             <a:pPr indent="0" lvl="0" marL="0" rtl="0" algn="l">
-              <a:spcBef>
-                <a:spcPts val="0"/>
-              </a:spcBef>
-              <a:spcAft>
-                <a:spcPts val="0"/>
-              </a:spcAft>
+              <a:lnSpc>
+                <a:spcPct val="100000"/>
+              </a:lnSpc>
+              <a:spcBef>
+                <a:spcPts val="0"/>
+              </a:spcBef>
+              <a:spcAft>
+                <a:spcPts val="0"/>
+              </a:spcAft>
+              <a:buSzPts val="1400"/>
               <a:buNone/>
             </a:pPr>
             <a:r>
@@ -10628,6 +11616,10 @@
           <a:prstGeom prst="rect">
             <a:avLst/>
           </a:prstGeom>
+          <a:noFill/>
+          <a:ln>
+            <a:noFill/>
+          </a:ln>
         </p:spPr>
         <p:txBody>
           <a:bodyPr anchorCtr="0" anchor="t" bIns="0" lIns="0" spcFirstLastPara="1" rIns="0" wrap="square" tIns="0">
@@ -10635,172 +11627,363 @@
           </a:bodyPr>
           <a:lstStyle/>
           <a:p>
-            <a:pPr indent="0" lvl="0" marL="0" rtl="0" algn="l">
+            <a:pPr indent="0" lvl="0" marL="0" marR="0" rtl="0" algn="l">
+              <a:lnSpc>
+                <a:spcPct val="100000"/>
+              </a:lnSpc>
               <a:spcBef>
                 <a:spcPts val="320"/>
               </a:spcBef>
               <a:spcAft>
                 <a:spcPts val="0"/>
               </a:spcAft>
+              <a:buClr>
+                <a:srgbClr val="000000"/>
+              </a:buClr>
+              <a:buSzPts val="1400"/>
+              <a:buFont typeface="Arial"/>
               <a:buNone/>
             </a:pPr>
             <a:r>
-              <a:rPr lang="de"/>
+              <a:rPr b="0" i="0" lang="de" sz="1600" u="none" cap="none" strike="noStrike">
+                <a:solidFill>
+                  <a:schemeClr val="dk1"/>
+                </a:solidFill>
+                <a:latin typeface="Arial"/>
+                <a:ea typeface="Arial"/>
+                <a:cs typeface="Arial"/>
+                <a:sym typeface="Arial"/>
+              </a:rPr>
               <a:t>Die default-Methoden können als solche einfach aufgerufen werden</a:t>
             </a:r>
-            <a:endParaRPr/>
+            <a:endParaRPr b="0" i="0" sz="1600" u="none" cap="none" strike="noStrike">
+              <a:solidFill>
+                <a:schemeClr val="dk1"/>
+              </a:solidFill>
+              <a:latin typeface="Arial"/>
+              <a:ea typeface="Arial"/>
+              <a:cs typeface="Arial"/>
+              <a:sym typeface="Arial"/>
+            </a:endParaRPr>
           </a:p>
           <a:p>
-            <a:pPr indent="0" lvl="0" marL="0" rtl="0" algn="l">
+            <a:pPr indent="0" lvl="0" marL="0" marR="0" rtl="0" algn="l">
+              <a:lnSpc>
+                <a:spcPct val="100000"/>
+              </a:lnSpc>
               <a:spcBef>
                 <a:spcPts val="320"/>
               </a:spcBef>
               <a:spcAft>
                 <a:spcPts val="0"/>
               </a:spcAft>
+              <a:buClr>
+                <a:srgbClr val="000000"/>
+              </a:buClr>
+              <a:buSzPts val="1400"/>
+              <a:buFont typeface="Arial"/>
               <a:buNone/>
             </a:pPr>
             <a:r>
               <a:t/>
             </a:r>
-            <a:endParaRPr/>
+            <a:endParaRPr b="0" i="0" sz="1600" u="none" cap="none" strike="noStrike">
+              <a:solidFill>
+                <a:schemeClr val="dk1"/>
+              </a:solidFill>
+              <a:latin typeface="Arial"/>
+              <a:ea typeface="Arial"/>
+              <a:cs typeface="Arial"/>
+              <a:sym typeface="Arial"/>
+            </a:endParaRPr>
           </a:p>
           <a:p>
-            <a:pPr indent="0" lvl="0" marL="0" rtl="0" algn="l">
+            <a:pPr indent="0" lvl="0" marL="0" marR="0" rtl="0" algn="l">
+              <a:lnSpc>
+                <a:spcPct val="100000"/>
+              </a:lnSpc>
               <a:spcBef>
                 <a:spcPts val="320"/>
               </a:spcBef>
               <a:spcAft>
                 <a:spcPts val="0"/>
               </a:spcAft>
+              <a:buClr>
+                <a:srgbClr val="000000"/>
+              </a:buClr>
+              <a:buSzPts val="1400"/>
+              <a:buFont typeface="Arial"/>
               <a:buNone/>
             </a:pPr>
             <a:r>
               <a:t/>
             </a:r>
-            <a:endParaRPr/>
+            <a:endParaRPr b="0" i="0" sz="1600" u="none" cap="none" strike="noStrike">
+              <a:solidFill>
+                <a:schemeClr val="dk1"/>
+              </a:solidFill>
+              <a:latin typeface="Arial"/>
+              <a:ea typeface="Arial"/>
+              <a:cs typeface="Arial"/>
+              <a:sym typeface="Arial"/>
+            </a:endParaRPr>
           </a:p>
           <a:p>
-            <a:pPr indent="0" lvl="0" marL="0" rtl="0" algn="l">
+            <a:pPr indent="0" lvl="0" marL="0" marR="0" rtl="0" algn="l">
+              <a:lnSpc>
+                <a:spcPct val="100000"/>
+              </a:lnSpc>
               <a:spcBef>
                 <a:spcPts val="320"/>
               </a:spcBef>
               <a:spcAft>
                 <a:spcPts val="0"/>
               </a:spcAft>
+              <a:buClr>
+                <a:srgbClr val="000000"/>
+              </a:buClr>
+              <a:buSzPts val="1400"/>
+              <a:buFont typeface="Arial"/>
               <a:buNone/>
             </a:pPr>
             <a:r>
               <a:t/>
             </a:r>
-            <a:endParaRPr/>
+            <a:endParaRPr b="0" i="0" sz="1600" u="none" cap="none" strike="noStrike">
+              <a:solidFill>
+                <a:schemeClr val="dk1"/>
+              </a:solidFill>
+              <a:latin typeface="Arial"/>
+              <a:ea typeface="Arial"/>
+              <a:cs typeface="Arial"/>
+              <a:sym typeface="Arial"/>
+            </a:endParaRPr>
           </a:p>
           <a:p>
-            <a:pPr indent="0" lvl="0" marL="0" rtl="0" algn="l">
+            <a:pPr indent="0" lvl="0" marL="0" marR="0" rtl="0" algn="l">
+              <a:lnSpc>
+                <a:spcPct val="100000"/>
+              </a:lnSpc>
               <a:spcBef>
                 <a:spcPts val="320"/>
               </a:spcBef>
               <a:spcAft>
                 <a:spcPts val="0"/>
               </a:spcAft>
+              <a:buClr>
+                <a:srgbClr val="000000"/>
+              </a:buClr>
+              <a:buSzPts val="1400"/>
+              <a:buFont typeface="Arial"/>
               <a:buNone/>
             </a:pPr>
             <a:r>
               <a:t/>
             </a:r>
-            <a:endParaRPr/>
+            <a:endParaRPr b="0" i="0" sz="1600" u="none" cap="none" strike="noStrike">
+              <a:solidFill>
+                <a:schemeClr val="dk1"/>
+              </a:solidFill>
+              <a:latin typeface="Arial"/>
+              <a:ea typeface="Arial"/>
+              <a:cs typeface="Arial"/>
+              <a:sym typeface="Arial"/>
+            </a:endParaRPr>
           </a:p>
           <a:p>
-            <a:pPr indent="0" lvl="0" marL="0" rtl="0" algn="l">
+            <a:pPr indent="0" lvl="0" marL="0" marR="0" rtl="0" algn="l">
+              <a:lnSpc>
+                <a:spcPct val="100000"/>
+              </a:lnSpc>
               <a:spcBef>
                 <a:spcPts val="320"/>
               </a:spcBef>
               <a:spcAft>
                 <a:spcPts val="0"/>
               </a:spcAft>
+              <a:buClr>
+                <a:srgbClr val="000000"/>
+              </a:buClr>
+              <a:buSzPts val="1400"/>
+              <a:buFont typeface="Arial"/>
               <a:buNone/>
             </a:pPr>
             <a:r>
               <a:t/>
             </a:r>
-            <a:endParaRPr/>
+            <a:endParaRPr b="0" i="0" sz="1600" u="none" cap="none" strike="noStrike">
+              <a:solidFill>
+                <a:schemeClr val="dk1"/>
+              </a:solidFill>
+              <a:latin typeface="Arial"/>
+              <a:ea typeface="Arial"/>
+              <a:cs typeface="Arial"/>
+              <a:sym typeface="Arial"/>
+            </a:endParaRPr>
           </a:p>
           <a:p>
-            <a:pPr indent="0" lvl="0" marL="0" rtl="0" algn="l">
+            <a:pPr indent="0" lvl="0" marL="0" marR="0" rtl="0" algn="l">
+              <a:lnSpc>
+                <a:spcPct val="100000"/>
+              </a:lnSpc>
               <a:spcBef>
                 <a:spcPts val="320"/>
               </a:spcBef>
               <a:spcAft>
                 <a:spcPts val="0"/>
               </a:spcAft>
+              <a:buClr>
+                <a:srgbClr val="000000"/>
+              </a:buClr>
+              <a:buSzPts val="1400"/>
+              <a:buFont typeface="Arial"/>
               <a:buNone/>
             </a:pPr>
             <a:r>
               <a:t/>
             </a:r>
-            <a:endParaRPr/>
+            <a:endParaRPr b="0" i="0" sz="1600" u="none" cap="none" strike="noStrike">
+              <a:solidFill>
+                <a:schemeClr val="dk1"/>
+              </a:solidFill>
+              <a:latin typeface="Arial"/>
+              <a:ea typeface="Arial"/>
+              <a:cs typeface="Arial"/>
+              <a:sym typeface="Arial"/>
+            </a:endParaRPr>
           </a:p>
           <a:p>
-            <a:pPr indent="0" lvl="0" marL="0" rtl="0" algn="l">
+            <a:pPr indent="0" lvl="0" marL="0" marR="0" rtl="0" algn="l">
+              <a:lnSpc>
+                <a:spcPct val="100000"/>
+              </a:lnSpc>
               <a:spcBef>
                 <a:spcPts val="320"/>
               </a:spcBef>
               <a:spcAft>
                 <a:spcPts val="0"/>
               </a:spcAft>
+              <a:buClr>
+                <a:srgbClr val="000000"/>
+              </a:buClr>
+              <a:buSzPts val="1400"/>
+              <a:buFont typeface="Arial"/>
               <a:buNone/>
             </a:pPr>
             <a:r>
               <a:t/>
             </a:r>
-            <a:endParaRPr/>
+            <a:endParaRPr b="0" i="0" sz="1600" u="none" cap="none" strike="noStrike">
+              <a:solidFill>
+                <a:schemeClr val="dk1"/>
+              </a:solidFill>
+              <a:latin typeface="Arial"/>
+              <a:ea typeface="Arial"/>
+              <a:cs typeface="Arial"/>
+              <a:sym typeface="Arial"/>
+            </a:endParaRPr>
           </a:p>
           <a:p>
-            <a:pPr indent="0" lvl="0" marL="0" rtl="0" algn="l">
+            <a:pPr indent="0" lvl="0" marL="0" marR="0" rtl="0" algn="l">
+              <a:lnSpc>
+                <a:spcPct val="100000"/>
+              </a:lnSpc>
               <a:spcBef>
                 <a:spcPts val="320"/>
               </a:spcBef>
               <a:spcAft>
                 <a:spcPts val="0"/>
               </a:spcAft>
+              <a:buClr>
+                <a:srgbClr val="000000"/>
+              </a:buClr>
+              <a:buSzPts val="1400"/>
+              <a:buFont typeface="Arial"/>
               <a:buNone/>
             </a:pPr>
             <a:r>
               <a:t/>
             </a:r>
-            <a:endParaRPr/>
+            <a:endParaRPr b="0" i="0" sz="1600" u="none" cap="none" strike="noStrike">
+              <a:solidFill>
+                <a:schemeClr val="dk1"/>
+              </a:solidFill>
+              <a:latin typeface="Arial"/>
+              <a:ea typeface="Arial"/>
+              <a:cs typeface="Arial"/>
+              <a:sym typeface="Arial"/>
+            </a:endParaRPr>
           </a:p>
           <a:p>
-            <a:pPr indent="0" lvl="0" marL="0" rtl="0" algn="l">
+            <a:pPr indent="0" lvl="0" marL="0" marR="0" rtl="0" algn="l">
+              <a:lnSpc>
+                <a:spcPct val="100000"/>
+              </a:lnSpc>
               <a:spcBef>
                 <a:spcPts val="320"/>
               </a:spcBef>
               <a:spcAft>
                 <a:spcPts val="0"/>
               </a:spcAft>
+              <a:buClr>
+                <a:srgbClr val="000000"/>
+              </a:buClr>
+              <a:buSzPts val="1400"/>
+              <a:buFont typeface="Arial"/>
               <a:buNone/>
             </a:pPr>
             <a:r>
               <a:t/>
             </a:r>
-            <a:endParaRPr/>
+            <a:endParaRPr b="0" i="0" sz="1600" u="none" cap="none" strike="noStrike">
+              <a:solidFill>
+                <a:schemeClr val="dk1"/>
+              </a:solidFill>
+              <a:latin typeface="Arial"/>
+              <a:ea typeface="Arial"/>
+              <a:cs typeface="Arial"/>
+              <a:sym typeface="Arial"/>
+            </a:endParaRPr>
           </a:p>
           <a:p>
-            <a:pPr indent="-317500" lvl="0" marL="457200" rtl="0" algn="l">
+            <a:pPr indent="-317500" lvl="0" marL="457200" marR="0" rtl="0" algn="l">
+              <a:lnSpc>
+                <a:spcPct val="100000"/>
+              </a:lnSpc>
               <a:spcBef>
                 <a:spcPts val="320"/>
               </a:spcBef>
               <a:spcAft>
                 <a:spcPts val="0"/>
               </a:spcAft>
-              <a:buSzPts val="1400"/>
+              <a:buClr>
+                <a:srgbClr val="000000"/>
+              </a:buClr>
+              <a:buSzPts val="1400"/>
+              <a:buFont typeface="Arial"/>
               <a:buChar char="●"/>
             </a:pPr>
             <a:r>
-              <a:rPr lang="de"/>
+              <a:rPr b="0" i="0" lang="de" sz="1600" u="none" cap="none" strike="noStrike">
+                <a:solidFill>
+                  <a:schemeClr val="dk1"/>
+                </a:solidFill>
+                <a:latin typeface="Arial"/>
+                <a:ea typeface="Arial"/>
+                <a:cs typeface="Arial"/>
+                <a:sym typeface="Arial"/>
+              </a:rPr>
               <a:t>Interfaces haben - im Gegensatz zu abstrakten Klassen - keinen Zustand. Sie können zwar Konstanten, aber keine Attribute definieren.</a:t>
             </a:r>
-            <a:endParaRPr/>
+            <a:endParaRPr b="0" i="0" sz="1600" u="none" cap="none" strike="noStrike">
+              <a:solidFill>
+                <a:schemeClr val="dk1"/>
+              </a:solidFill>
+              <a:latin typeface="Arial"/>
+              <a:ea typeface="Arial"/>
+              <a:cs typeface="Arial"/>
+              <a:sym typeface="Arial"/>
+            </a:endParaRPr>
           </a:p>
         </p:txBody>
       </p:sp>
@@ -10810,13 +11993,12 @@
           <p:cNvPicPr preferRelativeResize="0"/>
           <p:nvPr/>
         </p:nvPicPr>
-        <p:blipFill>
+        <p:blipFill rotWithShape="1">
           <a:blip r:embed="rId3">
             <a:alphaModFix/>
           </a:blip>
-          <a:stretch>
-            <a:fillRect/>
-          </a:stretch>
+          <a:srcRect b="0" l="0" r="0" t="0"/>
+          <a:stretch/>
         </p:blipFill>
         <p:spPr>
           <a:xfrm>
@@ -10870,10 +12052,31 @@
             </a:solidFill>
             <a:prstDash val="solid"/>
             <a:round/>
-            <a:headEnd len="med" w="med" type="none"/>
-            <a:tailEnd len="med" w="med" type="triangle"/>
+            <a:headEnd len="sm" w="sm" type="none"/>
+            <a:tailEnd len="sm" w="sm" type="none"/>
           </a:ln>
         </p:spPr>
+        <p:txBody>
+          <a:bodyPr anchorCtr="0" anchor="ctr" bIns="91425" lIns="91425" spcFirstLastPara="1" rIns="91425" wrap="square" tIns="91425">
+            <a:noAutofit/>
+          </a:bodyPr>
+          <a:lstStyle/>
+          <a:p>
+            <a:pPr indent="0" lvl="0" marL="0" rtl="0" algn="l">
+              <a:spcBef>
+                <a:spcPts val="0"/>
+              </a:spcBef>
+              <a:spcAft>
+                <a:spcPts val="0"/>
+              </a:spcAft>
+              <a:buNone/>
+            </a:pPr>
+            <a:r>
+              <a:t/>
+            </a:r>
+            <a:endParaRPr/>
+          </a:p>
+        </p:txBody>
       </p:sp>
     </p:spTree>
   </p:cSld>
@@ -10916,6 +12119,10 @@
           <a:prstGeom prst="rect">
             <a:avLst/>
           </a:prstGeom>
+          <a:noFill/>
+          <a:ln>
+            <a:noFill/>
+          </a:ln>
         </p:spPr>
         <p:txBody>
           <a:bodyPr anchorCtr="0" anchor="b" bIns="0" lIns="0" spcFirstLastPara="1" rIns="0" wrap="square" tIns="0">
@@ -10924,12 +12131,16 @@
           <a:lstStyle/>
           <a:p>
             <a:pPr indent="0" lvl="0" marL="0" rtl="0" algn="l">
-              <a:spcBef>
-                <a:spcPts val="0"/>
-              </a:spcBef>
-              <a:spcAft>
-                <a:spcPts val="0"/>
-              </a:spcAft>
+              <a:lnSpc>
+                <a:spcPct val="100000"/>
+              </a:lnSpc>
+              <a:spcBef>
+                <a:spcPts val="0"/>
+              </a:spcBef>
+              <a:spcAft>
+                <a:spcPts val="0"/>
+              </a:spcAft>
+              <a:buSzPts val="1400"/>
               <a:buNone/>
             </a:pPr>
             <a:r>
@@ -10956,6 +12167,10 @@
           <a:prstGeom prst="rect">
             <a:avLst/>
           </a:prstGeom>
+          <a:noFill/>
+          <a:ln>
+            <a:noFill/>
+          </a:ln>
         </p:spPr>
         <p:txBody>
           <a:bodyPr anchorCtr="0" anchor="t" bIns="0" lIns="0" spcFirstLastPara="1" rIns="0" wrap="square" tIns="0">
@@ -10963,202 +12178,475 @@
           </a:bodyPr>
           <a:lstStyle/>
           <a:p>
-            <a:pPr indent="0" lvl="0" marL="0" rtl="0" algn="l">
+            <a:pPr indent="0" lvl="0" marL="0" marR="0" rtl="0" algn="l">
+              <a:lnSpc>
+                <a:spcPct val="100000"/>
+              </a:lnSpc>
               <a:spcBef>
                 <a:spcPts val="320"/>
               </a:spcBef>
               <a:spcAft>
                 <a:spcPts val="0"/>
               </a:spcAft>
+              <a:buClr>
+                <a:srgbClr val="000000"/>
+              </a:buClr>
+              <a:buSzPts val="1400"/>
+              <a:buFont typeface="Arial"/>
               <a:buNone/>
             </a:pPr>
             <a:r>
-              <a:rPr lang="de"/>
+              <a:rPr b="0" i="0" lang="de" sz="1600" u="none" cap="none" strike="noStrike">
+                <a:solidFill>
+                  <a:schemeClr val="dk1"/>
+                </a:solidFill>
+                <a:latin typeface="Arial"/>
+                <a:ea typeface="Arial"/>
+                <a:cs typeface="Arial"/>
+                <a:sym typeface="Arial"/>
+              </a:rPr>
               <a:t>Gemeinsame Vorteile von abstrakten Klassen und Interfaces sind:</a:t>
             </a:r>
-            <a:endParaRPr/>
+            <a:endParaRPr b="0" i="0" sz="1600" u="none" cap="none" strike="noStrike">
+              <a:solidFill>
+                <a:schemeClr val="dk1"/>
+              </a:solidFill>
+              <a:latin typeface="Arial"/>
+              <a:ea typeface="Arial"/>
+              <a:cs typeface="Arial"/>
+              <a:sym typeface="Arial"/>
+            </a:endParaRPr>
           </a:p>
           <a:p>
-            <a:pPr indent="-317500" lvl="0" marL="457200" rtl="0" algn="l">
+            <a:pPr indent="-317500" lvl="0" marL="457200" marR="0" rtl="0" algn="l">
+              <a:lnSpc>
+                <a:spcPct val="100000"/>
+              </a:lnSpc>
               <a:spcBef>
                 <a:spcPts val="320"/>
               </a:spcBef>
               <a:spcAft>
                 <a:spcPts val="0"/>
               </a:spcAft>
-              <a:buSzPts val="1400"/>
+              <a:buClr>
+                <a:srgbClr val="000000"/>
+              </a:buClr>
+              <a:buSzPts val="1400"/>
+              <a:buFont typeface="Arial"/>
               <a:buChar char="●"/>
             </a:pPr>
             <a:r>
-              <a:rPr lang="de"/>
+              <a:rPr b="0" i="0" lang="de" sz="1600" u="none" cap="none" strike="noStrike">
+                <a:solidFill>
+                  <a:schemeClr val="dk1"/>
+                </a:solidFill>
+                <a:latin typeface="Arial"/>
+                <a:ea typeface="Arial"/>
+                <a:cs typeface="Arial"/>
+                <a:sym typeface="Arial"/>
+              </a:rPr>
               <a:t>besser Organisation und Struktur des Codes, weniger Code durch Vererbung</a:t>
             </a:r>
-            <a:endParaRPr/>
+            <a:endParaRPr b="0" i="0" sz="1600" u="none" cap="none" strike="noStrike">
+              <a:solidFill>
+                <a:schemeClr val="dk1"/>
+              </a:solidFill>
+              <a:latin typeface="Arial"/>
+              <a:ea typeface="Arial"/>
+              <a:cs typeface="Arial"/>
+              <a:sym typeface="Arial"/>
+            </a:endParaRPr>
           </a:p>
           <a:p>
-            <a:pPr indent="-317500" lvl="0" marL="457200" rtl="0" algn="l">
-              <a:spcBef>
-                <a:spcPts val="0"/>
-              </a:spcBef>
-              <a:spcAft>
-                <a:spcPts val="0"/>
-              </a:spcAft>
-              <a:buSzPts val="1400"/>
+            <a:pPr indent="-317500" lvl="0" marL="457200" marR="0" rtl="0" algn="l">
+              <a:lnSpc>
+                <a:spcPct val="100000"/>
+              </a:lnSpc>
+              <a:spcBef>
+                <a:spcPts val="0"/>
+              </a:spcBef>
+              <a:spcAft>
+                <a:spcPts val="0"/>
+              </a:spcAft>
+              <a:buClr>
+                <a:srgbClr val="000000"/>
+              </a:buClr>
+              <a:buSzPts val="1400"/>
+              <a:buFont typeface="Arial"/>
               <a:buChar char="●"/>
             </a:pPr>
             <a:r>
-              <a:rPr lang="de"/>
+              <a:rPr b="0" i="0" lang="de" sz="1600" u="none" cap="none" strike="noStrike">
+                <a:solidFill>
+                  <a:schemeClr val="dk1"/>
+                </a:solidFill>
+                <a:latin typeface="Arial"/>
+                <a:ea typeface="Arial"/>
+                <a:cs typeface="Arial"/>
+                <a:sym typeface="Arial"/>
+              </a:rPr>
               <a:t>Erzwingen von bestimmten Schnittstellen</a:t>
             </a:r>
-            <a:endParaRPr/>
+            <a:endParaRPr b="0" i="0" sz="1600" u="none" cap="none" strike="noStrike">
+              <a:solidFill>
+                <a:schemeClr val="dk1"/>
+              </a:solidFill>
+              <a:latin typeface="Arial"/>
+              <a:ea typeface="Arial"/>
+              <a:cs typeface="Arial"/>
+              <a:sym typeface="Arial"/>
+            </a:endParaRPr>
           </a:p>
           <a:p>
-            <a:pPr indent="-317500" lvl="0" marL="457200" rtl="0" algn="l">
-              <a:spcBef>
-                <a:spcPts val="0"/>
-              </a:spcBef>
-              <a:spcAft>
-                <a:spcPts val="0"/>
-              </a:spcAft>
-              <a:buSzPts val="1400"/>
+            <a:pPr indent="-317500" lvl="0" marL="457200" marR="0" rtl="0" algn="l">
+              <a:lnSpc>
+                <a:spcPct val="100000"/>
+              </a:lnSpc>
+              <a:spcBef>
+                <a:spcPts val="0"/>
+              </a:spcBef>
+              <a:spcAft>
+                <a:spcPts val="0"/>
+              </a:spcAft>
+              <a:buClr>
+                <a:srgbClr val="000000"/>
+              </a:buClr>
+              <a:buSzPts val="1400"/>
+              <a:buFont typeface="Arial"/>
               <a:buChar char="●"/>
             </a:pPr>
             <a:r>
-              <a:rPr lang="de"/>
+              <a:rPr b="0" i="0" lang="de" sz="1600" u="none" cap="none" strike="noStrike">
+                <a:solidFill>
+                  <a:schemeClr val="dk1"/>
+                </a:solidFill>
+                <a:latin typeface="Arial"/>
+                <a:ea typeface="Arial"/>
+                <a:cs typeface="Arial"/>
+                <a:sym typeface="Arial"/>
+              </a:rPr>
               <a:t>Gemeinsamer Datentyp durch Abstraktion</a:t>
             </a:r>
-            <a:endParaRPr/>
+            <a:endParaRPr b="0" i="0" sz="1600" u="none" cap="none" strike="noStrike">
+              <a:solidFill>
+                <a:schemeClr val="dk1"/>
+              </a:solidFill>
+              <a:latin typeface="Arial"/>
+              <a:ea typeface="Arial"/>
+              <a:cs typeface="Arial"/>
+              <a:sym typeface="Arial"/>
+            </a:endParaRPr>
           </a:p>
           <a:p>
-            <a:pPr indent="-330200" lvl="1" marL="914400" rtl="0" algn="l">
-              <a:spcBef>
-                <a:spcPts val="0"/>
-              </a:spcBef>
-              <a:spcAft>
-                <a:spcPts val="0"/>
-              </a:spcAft>
+            <a:pPr indent="-330200" lvl="1" marL="914400" marR="0" rtl="0" algn="l">
+              <a:lnSpc>
+                <a:spcPct val="100000"/>
+              </a:lnSpc>
+              <a:spcBef>
+                <a:spcPts val="0"/>
+              </a:spcBef>
+              <a:spcAft>
+                <a:spcPts val="0"/>
+              </a:spcAft>
+              <a:buClr>
+                <a:schemeClr val="dk1"/>
+              </a:buClr>
               <a:buSzPts val="1600"/>
+              <a:buFont typeface="Noto Sans Symbols"/>
               <a:buChar char="-"/>
             </a:pPr>
             <a:r>
-              <a:rPr lang="de"/>
+              <a:rPr b="0" i="0" lang="de" sz="1600" u="none" cap="none" strike="noStrike">
+                <a:solidFill>
+                  <a:schemeClr val="dk1"/>
+                </a:solidFill>
+                <a:latin typeface="Arial"/>
+                <a:ea typeface="Arial"/>
+                <a:cs typeface="Arial"/>
+                <a:sym typeface="Arial"/>
+              </a:rPr>
               <a:t>“Divisible[ ] x = new Divisible[100];”</a:t>
             </a:r>
-            <a:endParaRPr/>
+            <a:endParaRPr b="0" i="0" sz="1600" u="none" cap="none" strike="noStrike">
+              <a:solidFill>
+                <a:schemeClr val="dk1"/>
+              </a:solidFill>
+              <a:latin typeface="Arial"/>
+              <a:ea typeface="Arial"/>
+              <a:cs typeface="Arial"/>
+              <a:sym typeface="Arial"/>
+            </a:endParaRPr>
           </a:p>
           <a:p>
-            <a:pPr indent="-330200" lvl="1" marL="914400" rtl="0" algn="l">
-              <a:spcBef>
-                <a:spcPts val="0"/>
-              </a:spcBef>
-              <a:spcAft>
-                <a:spcPts val="0"/>
-              </a:spcAft>
+            <a:pPr indent="-330200" lvl="1" marL="914400" marR="0" rtl="0" algn="l">
+              <a:lnSpc>
+                <a:spcPct val="100000"/>
+              </a:lnSpc>
+              <a:spcBef>
+                <a:spcPts val="0"/>
+              </a:spcBef>
+              <a:spcAft>
+                <a:spcPts val="0"/>
+              </a:spcAft>
+              <a:buClr>
+                <a:schemeClr val="dk1"/>
+              </a:buClr>
               <a:buSzPts val="1600"/>
+              <a:buFont typeface="Noto Sans Symbols"/>
               <a:buChar char="-"/>
             </a:pPr>
             <a:r>
-              <a:rPr lang="de"/>
+              <a:rPr b="0" i="0" lang="de" sz="1600" u="none" cap="none" strike="noStrike">
+                <a:solidFill>
+                  <a:schemeClr val="dk1"/>
+                </a:solidFill>
+                <a:latin typeface="Arial"/>
+                <a:ea typeface="Arial"/>
+                <a:cs typeface="Arial"/>
+                <a:sym typeface="Arial"/>
+              </a:rPr>
               <a:t>“Turnable y = new Rectangle(1.0,1.0,1.0,1.0);”</a:t>
             </a:r>
-            <a:endParaRPr/>
+            <a:endParaRPr b="0" i="0" sz="1600" u="none" cap="none" strike="noStrike">
+              <a:solidFill>
+                <a:schemeClr val="dk1"/>
+              </a:solidFill>
+              <a:latin typeface="Arial"/>
+              <a:ea typeface="Arial"/>
+              <a:cs typeface="Arial"/>
+              <a:sym typeface="Arial"/>
+            </a:endParaRPr>
           </a:p>
           <a:p>
-            <a:pPr indent="0" lvl="0" marL="0" rtl="0" algn="l">
+            <a:pPr indent="0" lvl="0" marL="0" marR="0" rtl="0" algn="l">
+              <a:lnSpc>
+                <a:spcPct val="100000"/>
+              </a:lnSpc>
               <a:spcBef>
                 <a:spcPts val="320"/>
               </a:spcBef>
               <a:spcAft>
                 <a:spcPts val="0"/>
               </a:spcAft>
+              <a:buClr>
+                <a:srgbClr val="000000"/>
+              </a:buClr>
+              <a:buSzPts val="1400"/>
+              <a:buFont typeface="Arial"/>
               <a:buNone/>
             </a:pPr>
             <a:r>
-              <a:rPr lang="de"/>
+              <a:rPr b="0" i="0" lang="de" sz="1600" u="none" cap="none" strike="noStrike">
+                <a:solidFill>
+                  <a:schemeClr val="dk1"/>
+                </a:solidFill>
+                <a:latin typeface="Arial"/>
+                <a:ea typeface="Arial"/>
+                <a:cs typeface="Arial"/>
+                <a:sym typeface="Arial"/>
+              </a:rPr>
               <a:t>Vorteil von Interfaces gegenüber abstrakten Klassen:</a:t>
             </a:r>
-            <a:endParaRPr/>
+            <a:endParaRPr b="0" i="0" sz="1600" u="none" cap="none" strike="noStrike">
+              <a:solidFill>
+                <a:schemeClr val="dk1"/>
+              </a:solidFill>
+              <a:latin typeface="Arial"/>
+              <a:ea typeface="Arial"/>
+              <a:cs typeface="Arial"/>
+              <a:sym typeface="Arial"/>
+            </a:endParaRPr>
           </a:p>
           <a:p>
-            <a:pPr indent="-317500" lvl="0" marL="457200" rtl="0" algn="l">
+            <a:pPr indent="-317500" lvl="0" marL="457200" marR="0" rtl="0" algn="l">
+              <a:lnSpc>
+                <a:spcPct val="100000"/>
+              </a:lnSpc>
               <a:spcBef>
                 <a:spcPts val="320"/>
               </a:spcBef>
               <a:spcAft>
                 <a:spcPts val="0"/>
               </a:spcAft>
-              <a:buSzPts val="1400"/>
+              <a:buClr>
+                <a:srgbClr val="000000"/>
+              </a:buClr>
+              <a:buSzPts val="1400"/>
+              <a:buFont typeface="Arial"/>
               <a:buChar char="●"/>
             </a:pPr>
             <a:r>
-              <a:rPr lang="de"/>
+              <a:rPr b="0" i="0" lang="de" sz="1600" u="none" cap="none" strike="noStrike">
+                <a:solidFill>
+                  <a:schemeClr val="dk1"/>
+                </a:solidFill>
+                <a:latin typeface="Arial"/>
+                <a:ea typeface="Arial"/>
+                <a:cs typeface="Arial"/>
+                <a:sym typeface="Arial"/>
+              </a:rPr>
               <a:t>Mehrere Interfaces sind implementierbar (manchmal sehr starkes Argument)</a:t>
             </a:r>
-            <a:endParaRPr/>
+            <a:endParaRPr b="0" i="0" sz="1600" u="none" cap="none" strike="noStrike">
+              <a:solidFill>
+                <a:schemeClr val="dk1"/>
+              </a:solidFill>
+              <a:latin typeface="Arial"/>
+              <a:ea typeface="Arial"/>
+              <a:cs typeface="Arial"/>
+              <a:sym typeface="Arial"/>
+            </a:endParaRPr>
           </a:p>
           <a:p>
-            <a:pPr indent="0" lvl="0" marL="0" rtl="0" algn="l">
+            <a:pPr indent="0" lvl="0" marL="0" marR="0" rtl="0" algn="l">
+              <a:lnSpc>
+                <a:spcPct val="100000"/>
+              </a:lnSpc>
               <a:spcBef>
                 <a:spcPts val="320"/>
               </a:spcBef>
               <a:spcAft>
                 <a:spcPts val="0"/>
               </a:spcAft>
+              <a:buClr>
+                <a:srgbClr val="000000"/>
+              </a:buClr>
+              <a:buSzPts val="1400"/>
+              <a:buFont typeface="Arial"/>
               <a:buNone/>
             </a:pPr>
             <a:r>
-              <a:rPr lang="de"/>
+              <a:rPr b="0" i="0" lang="de" sz="1600" u="none" cap="none" strike="noStrike">
+                <a:solidFill>
+                  <a:schemeClr val="dk1"/>
+                </a:solidFill>
+                <a:latin typeface="Arial"/>
+                <a:ea typeface="Arial"/>
+                <a:cs typeface="Arial"/>
+                <a:sym typeface="Arial"/>
+              </a:rPr>
               <a:t>Vorteil von abstrakten Klassen gegenüber Interfaces:</a:t>
             </a:r>
-            <a:endParaRPr/>
+            <a:endParaRPr b="0" i="0" sz="1600" u="none" cap="none" strike="noStrike">
+              <a:solidFill>
+                <a:schemeClr val="dk1"/>
+              </a:solidFill>
+              <a:latin typeface="Arial"/>
+              <a:ea typeface="Arial"/>
+              <a:cs typeface="Arial"/>
+              <a:sym typeface="Arial"/>
+            </a:endParaRPr>
           </a:p>
           <a:p>
-            <a:pPr indent="-317500" lvl="0" marL="457200" rtl="0" algn="l">
+            <a:pPr indent="-317500" lvl="0" marL="457200" marR="0" rtl="0" algn="l">
+              <a:lnSpc>
+                <a:spcPct val="100000"/>
+              </a:lnSpc>
               <a:spcBef>
                 <a:spcPts val="320"/>
               </a:spcBef>
               <a:spcAft>
                 <a:spcPts val="0"/>
               </a:spcAft>
-              <a:buSzPts val="1400"/>
+              <a:buClr>
+                <a:srgbClr val="000000"/>
+              </a:buClr>
+              <a:buSzPts val="1400"/>
+              <a:buFont typeface="Arial"/>
               <a:buChar char="●"/>
             </a:pPr>
             <a:r>
-              <a:rPr lang="de"/>
+              <a:rPr b="0" i="0" lang="de" sz="1600" u="none" cap="none" strike="noStrike">
+                <a:solidFill>
+                  <a:schemeClr val="dk1"/>
+                </a:solidFill>
+                <a:latin typeface="Arial"/>
+                <a:ea typeface="Arial"/>
+                <a:cs typeface="Arial"/>
+                <a:sym typeface="Arial"/>
+              </a:rPr>
               <a:t> Eigene Attribute definierbar </a:t>
             </a:r>
-            <a:endParaRPr/>
+            <a:endParaRPr b="0" i="0" sz="1600" u="none" cap="none" strike="noStrike">
+              <a:solidFill>
+                <a:schemeClr val="dk1"/>
+              </a:solidFill>
+              <a:latin typeface="Arial"/>
+              <a:ea typeface="Arial"/>
+              <a:cs typeface="Arial"/>
+              <a:sym typeface="Arial"/>
+            </a:endParaRPr>
           </a:p>
           <a:p>
-            <a:pPr indent="0" lvl="0" marL="0" rtl="0" algn="l">
+            <a:pPr indent="0" lvl="0" marL="0" marR="0" rtl="0" algn="l">
+              <a:lnSpc>
+                <a:spcPct val="100000"/>
+              </a:lnSpc>
               <a:spcBef>
                 <a:spcPts val="320"/>
               </a:spcBef>
               <a:spcAft>
                 <a:spcPts val="0"/>
               </a:spcAft>
+              <a:buClr>
+                <a:srgbClr val="000000"/>
+              </a:buClr>
+              <a:buSzPts val="1400"/>
+              <a:buFont typeface="Arial"/>
               <a:buNone/>
             </a:pPr>
             <a:r>
               <a:t/>
             </a:r>
-            <a:endParaRPr/>
+            <a:endParaRPr b="0" i="0" sz="1600" u="none" cap="none" strike="noStrike">
+              <a:solidFill>
+                <a:schemeClr val="dk1"/>
+              </a:solidFill>
+              <a:latin typeface="Arial"/>
+              <a:ea typeface="Arial"/>
+              <a:cs typeface="Arial"/>
+              <a:sym typeface="Arial"/>
+            </a:endParaRPr>
           </a:p>
           <a:p>
-            <a:pPr indent="0" lvl="0" marL="0" rtl="0" algn="l">
+            <a:pPr indent="0" lvl="0" marL="0" marR="0" rtl="0" algn="l">
+              <a:lnSpc>
+                <a:spcPct val="100000"/>
+              </a:lnSpc>
               <a:spcBef>
                 <a:spcPts val="320"/>
               </a:spcBef>
               <a:spcAft>
                 <a:spcPts val="0"/>
               </a:spcAft>
+              <a:buClr>
+                <a:srgbClr val="000000"/>
+              </a:buClr>
+              <a:buSzPts val="1400"/>
+              <a:buFont typeface="Arial"/>
               <a:buNone/>
             </a:pPr>
             <a:r>
-              <a:rPr lang="de"/>
+              <a:rPr b="0" i="0" lang="de" sz="1600" u="none" cap="none" strike="noStrike">
+                <a:solidFill>
+                  <a:schemeClr val="dk1"/>
+                </a:solidFill>
+                <a:latin typeface="Arial"/>
+                <a:ea typeface="Arial"/>
+                <a:cs typeface="Arial"/>
+                <a:sym typeface="Arial"/>
+              </a:rPr>
               <a:t>Tendenziell: Abstrakte Klasse dann nutzen, wenn Superklasse schon eigene Attribute und Verhalten aufweist.</a:t>
             </a:r>
-            <a:endParaRPr/>
+            <a:endParaRPr b="0" i="0" sz="1600" u="none" cap="none" strike="noStrike">
+              <a:solidFill>
+                <a:schemeClr val="dk1"/>
+              </a:solidFill>
+              <a:latin typeface="Arial"/>
+              <a:ea typeface="Arial"/>
+              <a:cs typeface="Arial"/>
+              <a:sym typeface="Arial"/>
+            </a:endParaRPr>
           </a:p>
         </p:txBody>
       </p:sp>
@@ -11203,6 +12691,10 @@
           <a:prstGeom prst="rect">
             <a:avLst/>
           </a:prstGeom>
+          <a:noFill/>
+          <a:ln>
+            <a:noFill/>
+          </a:ln>
         </p:spPr>
         <p:txBody>
           <a:bodyPr anchorCtr="0" anchor="b" bIns="0" lIns="0" spcFirstLastPara="1" rIns="0" wrap="square" tIns="0">
@@ -11211,12 +12703,16 @@
           <a:lstStyle/>
           <a:p>
             <a:pPr indent="0" lvl="0" marL="0" rtl="0" algn="l">
-              <a:spcBef>
-                <a:spcPts val="0"/>
-              </a:spcBef>
-              <a:spcAft>
-                <a:spcPts val="0"/>
-              </a:spcAft>
+              <a:lnSpc>
+                <a:spcPct val="100000"/>
+              </a:lnSpc>
+              <a:spcBef>
+                <a:spcPts val="0"/>
+              </a:spcBef>
+              <a:spcAft>
+                <a:spcPts val="0"/>
+              </a:spcAft>
+              <a:buSzPts val="1400"/>
               <a:buNone/>
             </a:pPr>
             <a:r>
@@ -11243,6 +12739,10 @@
           <a:prstGeom prst="rect">
             <a:avLst/>
           </a:prstGeom>
+          <a:noFill/>
+          <a:ln>
+            <a:noFill/>
+          </a:ln>
         </p:spPr>
         <p:txBody>
           <a:bodyPr anchorCtr="0" anchor="t" bIns="0" lIns="0" spcFirstLastPara="1" rIns="0" wrap="square" tIns="0">
@@ -11250,7 +12750,10 @@
           </a:bodyPr>
           <a:lstStyle/>
           <a:p>
-            <a:pPr indent="0" lvl="0" marL="0" rtl="0" algn="ctr">
+            <a:pPr indent="0" lvl="0" marL="0" marR="0" rtl="0" algn="ctr">
+              <a:lnSpc>
+                <a:spcPct val="100000"/>
+              </a:lnSpc>
               <a:spcBef>
                 <a:spcPts val="320"/>
               </a:spcBef>
@@ -11267,10 +12770,21 @@
             <a:r>
               <a:t/>
             </a:r>
-            <a:endParaRPr/>
+            <a:endParaRPr b="0" i="0" sz="1600" u="none" cap="none" strike="noStrike">
+              <a:solidFill>
+                <a:schemeClr val="dk1"/>
+              </a:solidFill>
+              <a:latin typeface="Arial"/>
+              <a:ea typeface="Arial"/>
+              <a:cs typeface="Arial"/>
+              <a:sym typeface="Arial"/>
+            </a:endParaRPr>
           </a:p>
           <a:p>
-            <a:pPr indent="0" lvl="0" marL="0" rtl="0" algn="ctr">
+            <a:pPr indent="0" lvl="0" marL="0" marR="0" rtl="0" algn="ctr">
+              <a:lnSpc>
+                <a:spcPct val="100000"/>
+              </a:lnSpc>
               <a:spcBef>
                 <a:spcPts val="320"/>
               </a:spcBef>
@@ -11287,10 +12801,21 @@
             <a:r>
               <a:t/>
             </a:r>
-            <a:endParaRPr/>
+            <a:endParaRPr b="0" i="0" sz="1600" u="none" cap="none" strike="noStrike">
+              <a:solidFill>
+                <a:schemeClr val="dk1"/>
+              </a:solidFill>
+              <a:latin typeface="Arial"/>
+              <a:ea typeface="Arial"/>
+              <a:cs typeface="Arial"/>
+              <a:sym typeface="Arial"/>
+            </a:endParaRPr>
           </a:p>
           <a:p>
-            <a:pPr indent="0" lvl="0" marL="0" rtl="0" algn="ctr">
+            <a:pPr indent="0" lvl="0" marL="0" marR="0" rtl="0" algn="ctr">
+              <a:lnSpc>
+                <a:spcPct val="100000"/>
+              </a:lnSpc>
               <a:spcBef>
                 <a:spcPts val="320"/>
               </a:spcBef>
@@ -11307,10 +12832,21 @@
             <a:r>
               <a:t/>
             </a:r>
-            <a:endParaRPr/>
+            <a:endParaRPr b="0" i="0" sz="1600" u="none" cap="none" strike="noStrike">
+              <a:solidFill>
+                <a:schemeClr val="dk1"/>
+              </a:solidFill>
+              <a:latin typeface="Arial"/>
+              <a:ea typeface="Arial"/>
+              <a:cs typeface="Arial"/>
+              <a:sym typeface="Arial"/>
+            </a:endParaRPr>
           </a:p>
           <a:p>
-            <a:pPr indent="0" lvl="0" marL="0" rtl="0" algn="ctr">
+            <a:pPr indent="0" lvl="0" marL="0" marR="0" rtl="0" algn="ctr">
+              <a:lnSpc>
+                <a:spcPct val="100000"/>
+              </a:lnSpc>
               <a:spcBef>
                 <a:spcPts val="320"/>
               </a:spcBef>
@@ -11327,10 +12863,21 @@
             <a:r>
               <a:t/>
             </a:r>
-            <a:endParaRPr/>
+            <a:endParaRPr b="0" i="0" sz="1600" u="none" cap="none" strike="noStrike">
+              <a:solidFill>
+                <a:schemeClr val="dk1"/>
+              </a:solidFill>
+              <a:latin typeface="Arial"/>
+              <a:ea typeface="Arial"/>
+              <a:cs typeface="Arial"/>
+              <a:sym typeface="Arial"/>
+            </a:endParaRPr>
           </a:p>
           <a:p>
-            <a:pPr indent="0" lvl="0" marL="0" rtl="0" algn="ctr">
+            <a:pPr indent="0" lvl="0" marL="0" marR="0" rtl="0" algn="ctr">
+              <a:lnSpc>
+                <a:spcPct val="100000"/>
+              </a:lnSpc>
               <a:spcBef>
                 <a:spcPts val="320"/>
               </a:spcBef>
@@ -11347,10 +12894,21 @@
             <a:r>
               <a:t/>
             </a:r>
-            <a:endParaRPr/>
+            <a:endParaRPr b="0" i="0" sz="1600" u="none" cap="none" strike="noStrike">
+              <a:solidFill>
+                <a:schemeClr val="dk1"/>
+              </a:solidFill>
+              <a:latin typeface="Arial"/>
+              <a:ea typeface="Arial"/>
+              <a:cs typeface="Arial"/>
+              <a:sym typeface="Arial"/>
+            </a:endParaRPr>
           </a:p>
           <a:p>
-            <a:pPr indent="0" lvl="0" marL="0" rtl="0" algn="ctr">
+            <a:pPr indent="0" lvl="0" marL="0" marR="0" rtl="0" algn="ctr">
+              <a:lnSpc>
+                <a:spcPct val="100000"/>
+              </a:lnSpc>
               <a:spcBef>
                 <a:spcPts val="320"/>
               </a:spcBef>
@@ -11367,10 +12925,21 @@
             <a:r>
               <a:t/>
             </a:r>
-            <a:endParaRPr/>
+            <a:endParaRPr b="0" i="0" sz="1600" u="none" cap="none" strike="noStrike">
+              <a:solidFill>
+                <a:schemeClr val="dk1"/>
+              </a:solidFill>
+              <a:latin typeface="Arial"/>
+              <a:ea typeface="Arial"/>
+              <a:cs typeface="Arial"/>
+              <a:sym typeface="Arial"/>
+            </a:endParaRPr>
           </a:p>
           <a:p>
-            <a:pPr indent="0" lvl="0" marL="0" rtl="0" algn="ctr">
+            <a:pPr indent="0" lvl="0" marL="0" marR="0" rtl="0" algn="ctr">
+              <a:lnSpc>
+                <a:spcPct val="100000"/>
+              </a:lnSpc>
               <a:spcBef>
                 <a:spcPts val="320"/>
               </a:spcBef>
@@ -11385,10 +12954,26 @@
               <a:buNone/>
             </a:pPr>
             <a:r>
-              <a:rPr lang="de" sz="3600"/>
+              <a:rPr b="0" i="0" lang="de" sz="3600" u="none" cap="none" strike="noStrike">
+                <a:solidFill>
+                  <a:schemeClr val="dk1"/>
+                </a:solidFill>
+                <a:latin typeface="Arial"/>
+                <a:ea typeface="Arial"/>
+                <a:cs typeface="Arial"/>
+                <a:sym typeface="Arial"/>
+              </a:rPr>
               <a:t>Fragen</a:t>
             </a:r>
-            <a:endParaRPr/>
+            <a:endParaRPr b="0" i="0" sz="1600" u="none" cap="none" strike="noStrike">
+              <a:solidFill>
+                <a:schemeClr val="dk1"/>
+              </a:solidFill>
+              <a:latin typeface="Arial"/>
+              <a:ea typeface="Arial"/>
+              <a:cs typeface="Arial"/>
+              <a:sym typeface="Arial"/>
+            </a:endParaRPr>
           </a:p>
         </p:txBody>
       </p:sp>
@@ -11433,6 +13018,10 @@
           <a:prstGeom prst="rect">
             <a:avLst/>
           </a:prstGeom>
+          <a:noFill/>
+          <a:ln>
+            <a:noFill/>
+          </a:ln>
         </p:spPr>
         <p:txBody>
           <a:bodyPr anchorCtr="0" anchor="b" bIns="0" lIns="0" spcFirstLastPara="1" rIns="0" wrap="square" tIns="0">
@@ -11441,12 +13030,16 @@
           <a:lstStyle/>
           <a:p>
             <a:pPr indent="0" lvl="0" marL="0" rtl="0" algn="l">
-              <a:spcBef>
-                <a:spcPts val="0"/>
-              </a:spcBef>
-              <a:spcAft>
-                <a:spcPts val="0"/>
-              </a:spcAft>
+              <a:lnSpc>
+                <a:spcPct val="100000"/>
+              </a:lnSpc>
+              <a:spcBef>
+                <a:spcPts val="0"/>
+              </a:spcBef>
+              <a:spcAft>
+                <a:spcPts val="0"/>
+              </a:spcAft>
+              <a:buSzPts val="1400"/>
               <a:buNone/>
             </a:pPr>
             <a:r>
@@ -11473,6 +13066,10 @@
           <a:prstGeom prst="rect">
             <a:avLst/>
           </a:prstGeom>
+          <a:noFill/>
+          <a:ln>
+            <a:noFill/>
+          </a:ln>
         </p:spPr>
         <p:txBody>
           <a:bodyPr anchorCtr="0" anchor="t" bIns="0" lIns="0" spcFirstLastPara="1" rIns="0" wrap="square" tIns="0">
@@ -11480,145 +13077,355 @@
           </a:bodyPr>
           <a:lstStyle/>
           <a:p>
-            <a:pPr indent="0" lvl="0" marL="0" rtl="0" algn="l">
+            <a:pPr indent="0" lvl="0" marL="0" marR="0" rtl="0" algn="l">
+              <a:lnSpc>
+                <a:spcPct val="100000"/>
+              </a:lnSpc>
               <a:spcBef>
                 <a:spcPts val="320"/>
               </a:spcBef>
               <a:spcAft>
                 <a:spcPts val="0"/>
               </a:spcAft>
+              <a:buClr>
+                <a:srgbClr val="000000"/>
+              </a:buClr>
+              <a:buSzPts val="1400"/>
+              <a:buFont typeface="Arial"/>
               <a:buNone/>
             </a:pPr>
             <a:r>
-              <a:rPr lang="de" sz="1300"/>
+              <a:rPr b="0" i="0" lang="de" sz="1300" u="none" cap="none" strike="noStrike">
+                <a:solidFill>
+                  <a:schemeClr val="dk1"/>
+                </a:solidFill>
+                <a:latin typeface="Arial"/>
+                <a:ea typeface="Arial"/>
+                <a:cs typeface="Arial"/>
+                <a:sym typeface="Arial"/>
+              </a:rPr>
               <a:t>Wir modellieren heute verschiedene Geldkonto-Arten. Dazu soll es folgende Klassen und Interfaces geben:</a:t>
             </a:r>
-            <a:endParaRPr sz="1300"/>
+            <a:endParaRPr b="0" i="0" sz="1300" u="none" cap="none" strike="noStrike">
+              <a:solidFill>
+                <a:schemeClr val="dk1"/>
+              </a:solidFill>
+              <a:latin typeface="Arial"/>
+              <a:ea typeface="Arial"/>
+              <a:cs typeface="Arial"/>
+              <a:sym typeface="Arial"/>
+            </a:endParaRPr>
           </a:p>
           <a:p>
-            <a:pPr indent="-298450" lvl="0" marL="457200" rtl="0" algn="l">
+            <a:pPr indent="-298450" lvl="0" marL="457200" marR="0" rtl="0" algn="l">
+              <a:lnSpc>
+                <a:spcPct val="100000"/>
+              </a:lnSpc>
               <a:spcBef>
                 <a:spcPts val="320"/>
               </a:spcBef>
               <a:spcAft>
                 <a:spcPts val="0"/>
               </a:spcAft>
+              <a:buClr>
+                <a:srgbClr val="000000"/>
+              </a:buClr>
               <a:buSzPts val="1100"/>
+              <a:buFont typeface="Arial"/>
               <a:buChar char="●"/>
             </a:pPr>
             <a:r>
-              <a:rPr b="1" lang="de" sz="1300"/>
+              <a:rPr b="1" i="0" lang="de" sz="1300" u="none" cap="none" strike="noStrike">
+                <a:solidFill>
+                  <a:schemeClr val="dk1"/>
+                </a:solidFill>
+                <a:latin typeface="Arial"/>
+                <a:ea typeface="Arial"/>
+                <a:cs typeface="Arial"/>
+                <a:sym typeface="Arial"/>
+              </a:rPr>
               <a:t>BankAccount (abstrakt)</a:t>
             </a:r>
             <a:r>
-              <a:rPr lang="de" sz="1300"/>
+              <a:rPr b="0" i="0" lang="de" sz="1300" u="none" cap="none" strike="noStrike">
+                <a:solidFill>
+                  <a:schemeClr val="dk1"/>
+                </a:solidFill>
+                <a:latin typeface="Arial"/>
+                <a:ea typeface="Arial"/>
+                <a:cs typeface="Arial"/>
+                <a:sym typeface="Arial"/>
+              </a:rPr>
               <a:t>. Soll den Kontostand und den Namen der Bank speichern. Außerdem soll es eine konkrete Methode geben, die es erlaubt, Geld zu deponieren und eine abstrakte Methode, die zum Geld abheben vorgesehen ist. Alle Attribute sind private und haben Getter und Setter und werden im Konstruktor über Parameter gesetzt.</a:t>
             </a:r>
-            <a:endParaRPr sz="1300"/>
+            <a:endParaRPr b="0" i="0" sz="1300" u="none" cap="none" strike="noStrike">
+              <a:solidFill>
+                <a:schemeClr val="dk1"/>
+              </a:solidFill>
+              <a:latin typeface="Arial"/>
+              <a:ea typeface="Arial"/>
+              <a:cs typeface="Arial"/>
+              <a:sym typeface="Arial"/>
+            </a:endParaRPr>
           </a:p>
           <a:p>
-            <a:pPr indent="-298450" lvl="0" marL="457200" rtl="0" algn="l">
-              <a:spcBef>
-                <a:spcPts val="0"/>
-              </a:spcBef>
-              <a:spcAft>
-                <a:spcPts val="0"/>
-              </a:spcAft>
+            <a:pPr indent="-298450" lvl="0" marL="457200" marR="0" rtl="0" algn="l">
+              <a:lnSpc>
+                <a:spcPct val="100000"/>
+              </a:lnSpc>
+              <a:spcBef>
+                <a:spcPts val="0"/>
+              </a:spcBef>
+              <a:spcAft>
+                <a:spcPts val="0"/>
+              </a:spcAft>
+              <a:buClr>
+                <a:srgbClr val="000000"/>
+              </a:buClr>
               <a:buSzPts val="1100"/>
+              <a:buFont typeface="Arial"/>
               <a:buChar char="●"/>
             </a:pPr>
             <a:r>
-              <a:rPr b="1" lang="de" sz="1300"/>
+              <a:rPr b="1" i="0" lang="de" sz="1300" u="none" cap="none" strike="noStrike">
+                <a:solidFill>
+                  <a:schemeClr val="dk1"/>
+                </a:solidFill>
+                <a:latin typeface="Arial"/>
+                <a:ea typeface="Arial"/>
+                <a:cs typeface="Arial"/>
+                <a:sym typeface="Arial"/>
+              </a:rPr>
               <a:t>Lootable (interface)</a:t>
             </a:r>
             <a:r>
-              <a:rPr lang="de" sz="1300"/>
+              <a:rPr b="0" i="0" lang="de" sz="1300" u="none" cap="none" strike="noStrike">
+                <a:solidFill>
+                  <a:schemeClr val="dk1"/>
+                </a:solidFill>
+                <a:latin typeface="Arial"/>
+                <a:ea typeface="Arial"/>
+                <a:cs typeface="Arial"/>
+                <a:sym typeface="Arial"/>
+              </a:rPr>
               <a:t>. Soll eine abstrakte Methode haben, die den Kontostand, falls vorhanden, zurückgeben und auf 0.0 setzen soll. Ist der Kontostand negativ, soll 0.0 zurückgegeben und am Kontostand nichts geändert werden.</a:t>
             </a:r>
-            <a:endParaRPr sz="1300"/>
+            <a:endParaRPr b="0" i="0" sz="1300" u="none" cap="none" strike="noStrike">
+              <a:solidFill>
+                <a:schemeClr val="dk1"/>
+              </a:solidFill>
+              <a:latin typeface="Arial"/>
+              <a:ea typeface="Arial"/>
+              <a:cs typeface="Arial"/>
+              <a:sym typeface="Arial"/>
+            </a:endParaRPr>
           </a:p>
           <a:p>
-            <a:pPr indent="-298450" lvl="0" marL="457200" rtl="0" algn="l">
-              <a:spcBef>
-                <a:spcPts val="0"/>
-              </a:spcBef>
-              <a:spcAft>
-                <a:spcPts val="0"/>
-              </a:spcAft>
+            <a:pPr indent="-298450" lvl="0" marL="457200" marR="0" rtl="0" algn="l">
+              <a:lnSpc>
+                <a:spcPct val="100000"/>
+              </a:lnSpc>
+              <a:spcBef>
+                <a:spcPts val="0"/>
+              </a:spcBef>
+              <a:spcAft>
+                <a:spcPts val="0"/>
+              </a:spcAft>
+              <a:buClr>
+                <a:srgbClr val="000000"/>
+              </a:buClr>
               <a:buSzPts val="1100"/>
+              <a:buFont typeface="Arial"/>
               <a:buChar char="●"/>
             </a:pPr>
             <a:r>
-              <a:rPr b="1" lang="de" sz="1300"/>
+              <a:rPr b="1" i="0" lang="de" sz="1300" u="none" cap="none" strike="noStrike">
+                <a:solidFill>
+                  <a:schemeClr val="dk1"/>
+                </a:solidFill>
+                <a:latin typeface="Arial"/>
+                <a:ea typeface="Arial"/>
+                <a:cs typeface="Arial"/>
+                <a:sym typeface="Arial"/>
+              </a:rPr>
               <a:t>CheckingAccount</a:t>
             </a:r>
             <a:r>
-              <a:rPr lang="de" sz="1300"/>
+              <a:rPr b="0" i="0" lang="de" sz="1300" u="none" cap="none" strike="noStrike">
+                <a:solidFill>
+                  <a:schemeClr val="dk1"/>
+                </a:solidFill>
+                <a:latin typeface="Arial"/>
+                <a:ea typeface="Arial"/>
+                <a:cs typeface="Arial"/>
+                <a:sym typeface="Arial"/>
+              </a:rPr>
               <a:t>. Soll von BankAccount erben und Lootable implementieren. Außerdem soll hier ein Dispolimit eingebaut werden, bis zu dem das Konto überzogen werden darf. Das Dispolimit wird an den Kontruktor übergeben</a:t>
             </a:r>
-            <a:endParaRPr sz="1300"/>
+            <a:endParaRPr b="0" i="0" sz="1300" u="none" cap="none" strike="noStrike">
+              <a:solidFill>
+                <a:schemeClr val="dk1"/>
+              </a:solidFill>
+              <a:latin typeface="Arial"/>
+              <a:ea typeface="Arial"/>
+              <a:cs typeface="Arial"/>
+              <a:sym typeface="Arial"/>
+            </a:endParaRPr>
           </a:p>
           <a:p>
-            <a:pPr indent="-298450" lvl="0" marL="457200" rtl="0" algn="l">
-              <a:spcBef>
-                <a:spcPts val="0"/>
-              </a:spcBef>
-              <a:spcAft>
-                <a:spcPts val="0"/>
-              </a:spcAft>
+            <a:pPr indent="-298450" lvl="0" marL="457200" marR="0" rtl="0" algn="l">
+              <a:lnSpc>
+                <a:spcPct val="100000"/>
+              </a:lnSpc>
+              <a:spcBef>
+                <a:spcPts val="0"/>
+              </a:spcBef>
+              <a:spcAft>
+                <a:spcPts val="0"/>
+              </a:spcAft>
+              <a:buClr>
+                <a:srgbClr val="000000"/>
+              </a:buClr>
               <a:buSzPts val="1100"/>
+              <a:buFont typeface="Arial"/>
               <a:buChar char="●"/>
             </a:pPr>
             <a:r>
-              <a:rPr b="1" lang="de" sz="1300"/>
+              <a:rPr b="1" i="0" lang="de" sz="1300" u="none" cap="none" strike="noStrike">
+                <a:solidFill>
+                  <a:schemeClr val="dk1"/>
+                </a:solidFill>
+                <a:latin typeface="Arial"/>
+                <a:ea typeface="Arial"/>
+                <a:cs typeface="Arial"/>
+                <a:sym typeface="Arial"/>
+              </a:rPr>
               <a:t>SavingsAccount</a:t>
             </a:r>
             <a:r>
-              <a:rPr lang="de" sz="1300"/>
+              <a:rPr b="0" i="0" lang="de" sz="1300" u="none" cap="none" strike="noStrike">
+                <a:solidFill>
+                  <a:schemeClr val="dk1"/>
+                </a:solidFill>
+                <a:latin typeface="Arial"/>
+                <a:ea typeface="Arial"/>
+                <a:cs typeface="Arial"/>
+                <a:sym typeface="Arial"/>
+              </a:rPr>
               <a:t>. Soll von BankAccount erben und kein Dispolimit besitzen, darf also auch nicht überzogen werden.</a:t>
             </a:r>
-            <a:endParaRPr sz="1300"/>
+            <a:endParaRPr b="0" i="0" sz="1300" u="none" cap="none" strike="noStrike">
+              <a:solidFill>
+                <a:schemeClr val="dk1"/>
+              </a:solidFill>
+              <a:latin typeface="Arial"/>
+              <a:ea typeface="Arial"/>
+              <a:cs typeface="Arial"/>
+              <a:sym typeface="Arial"/>
+            </a:endParaRPr>
           </a:p>
           <a:p>
-            <a:pPr indent="-298450" lvl="0" marL="457200" rtl="0" algn="l">
-              <a:spcBef>
-                <a:spcPts val="0"/>
-              </a:spcBef>
-              <a:spcAft>
-                <a:spcPts val="0"/>
-              </a:spcAft>
+            <a:pPr indent="-298450" lvl="0" marL="457200" marR="0" rtl="0" algn="l">
+              <a:lnSpc>
+                <a:spcPct val="100000"/>
+              </a:lnSpc>
+              <a:spcBef>
+                <a:spcPts val="0"/>
+              </a:spcBef>
+              <a:spcAft>
+                <a:spcPts val="0"/>
+              </a:spcAft>
+              <a:buClr>
+                <a:srgbClr val="000000"/>
+              </a:buClr>
               <a:buSzPts val="1100"/>
+              <a:buFont typeface="Arial"/>
               <a:buChar char="●"/>
             </a:pPr>
             <a:r>
-              <a:rPr b="1" lang="de" sz="1300"/>
+              <a:rPr b="1" i="0" lang="de" sz="1300" u="none" cap="none" strike="noStrike">
+                <a:solidFill>
+                  <a:schemeClr val="dk1"/>
+                </a:solidFill>
+                <a:latin typeface="Arial"/>
+                <a:ea typeface="Arial"/>
+                <a:cs typeface="Arial"/>
+                <a:sym typeface="Arial"/>
+              </a:rPr>
               <a:t>PiggyBank</a:t>
             </a:r>
             <a:r>
-              <a:rPr lang="de" sz="1300"/>
+              <a:rPr b="0" i="0" lang="de" sz="1300" u="none" cap="none" strike="noStrike">
+                <a:solidFill>
+                  <a:schemeClr val="dk1"/>
+                </a:solidFill>
+                <a:latin typeface="Arial"/>
+                <a:ea typeface="Arial"/>
+                <a:cs typeface="Arial"/>
+                <a:sym typeface="Arial"/>
+              </a:rPr>
               <a:t>. Das Sparschwein soll Lootable implementieren . Als Attribut hat es den Geldbetrag (zu Beginn 0.0). Es soll außer der Methode des Interfaces eine weitere Methode zum hereinwerfen von Geld besitzen.</a:t>
             </a:r>
             <a:br>
-              <a:rPr lang="de" sz="1300"/>
+              <a:rPr b="0" i="0" lang="de" sz="1300" u="none" cap="none" strike="noStrike">
+                <a:solidFill>
+                  <a:schemeClr val="dk1"/>
+                </a:solidFill>
+                <a:latin typeface="Arial"/>
+                <a:ea typeface="Arial"/>
+                <a:cs typeface="Arial"/>
+                <a:sym typeface="Arial"/>
+              </a:rPr>
             </a:br>
-            <a:endParaRPr sz="1300"/>
+            <a:endParaRPr b="0" i="0" sz="1300" u="none" cap="none" strike="noStrike">
+              <a:solidFill>
+                <a:schemeClr val="dk1"/>
+              </a:solidFill>
+              <a:latin typeface="Arial"/>
+              <a:ea typeface="Arial"/>
+              <a:cs typeface="Arial"/>
+              <a:sym typeface="Arial"/>
+            </a:endParaRPr>
           </a:p>
           <a:p>
-            <a:pPr indent="-311150" lvl="0" marL="457200" rtl="0" algn="l">
-              <a:spcBef>
-                <a:spcPts val="0"/>
-              </a:spcBef>
-              <a:spcAft>
-                <a:spcPts val="0"/>
-              </a:spcAft>
+            <a:pPr indent="-311150" lvl="0" marL="457200" marR="0" rtl="0" algn="l">
+              <a:lnSpc>
+                <a:spcPct val="100000"/>
+              </a:lnSpc>
+              <a:spcBef>
+                <a:spcPts val="0"/>
+              </a:spcBef>
+              <a:spcAft>
+                <a:spcPts val="0"/>
+              </a:spcAft>
+              <a:buClr>
+                <a:srgbClr val="000000"/>
+              </a:buClr>
               <a:buSzPts val="1300"/>
+              <a:buFont typeface="Arial"/>
               <a:buChar char="●"/>
             </a:pPr>
             <a:r>
-              <a:rPr lang="de" sz="1300"/>
+              <a:rPr b="0" i="0" lang="de" sz="1300" u="none" cap="none" strike="noStrike">
+                <a:solidFill>
+                  <a:schemeClr val="dk1"/>
+                </a:solidFill>
+                <a:latin typeface="Arial"/>
+                <a:ea typeface="Arial"/>
+                <a:cs typeface="Arial"/>
+                <a:sym typeface="Arial"/>
+              </a:rPr>
               <a:t>Macht euch bitte eigenständig logische Gedanken. Man kann bspw. keinen negative Geldbetrag im Sparschwein oder Konto deponieren.</a:t>
             </a:r>
-            <a:endParaRPr sz="1300"/>
+            <a:endParaRPr b="0" i="0" sz="1300" u="none" cap="none" strike="noStrike">
+              <a:solidFill>
+                <a:schemeClr val="dk1"/>
+              </a:solidFill>
+              <a:latin typeface="Arial"/>
+              <a:ea typeface="Arial"/>
+              <a:cs typeface="Arial"/>
+              <a:sym typeface="Arial"/>
+            </a:endParaRPr>
           </a:p>
         </p:txBody>
       </p:sp>
@@ -11631,6 +13438,285 @@
 </file>
 
 <file path=ppt/theme/theme1.xml><?xml version="1.0" encoding="utf-8"?>
+<a:theme xmlns:a="http://schemas.openxmlformats.org/drawingml/2006/main" xmlns:r="http://schemas.openxmlformats.org/officeDocument/2006/relationships">
+  <a:themeElements>
+    <a:clrScheme name="Default">
+      <a:dk1>
+        <a:srgbClr val="000000"/>
+      </a:dk1>
+      <a:lt1>
+        <a:srgbClr val="FFFFFF"/>
+      </a:lt1>
+      <a:dk2>
+        <a:srgbClr val="158158"/>
+      </a:dk2>
+      <a:lt2>
+        <a:srgbClr val="F3F3F3"/>
+      </a:lt2>
+      <a:accent1>
+        <a:srgbClr val="058DC7"/>
+      </a:accent1>
+      <a:accent2>
+        <a:srgbClr val="50B432"/>
+      </a:accent2>
+      <a:accent3>
+        <a:srgbClr val="ED561B"/>
+      </a:accent3>
+      <a:accent4>
+        <a:srgbClr val="EDEF00"/>
+      </a:accent4>
+      <a:accent5>
+        <a:srgbClr val="24CBE5"/>
+      </a:accent5>
+      <a:accent6>
+        <a:srgbClr val="64E572"/>
+      </a:accent6>
+      <a:hlink>
+        <a:srgbClr val="2200CC"/>
+      </a:hlink>
+      <a:folHlink>
+        <a:srgbClr val="551A8B"/>
+      </a:folHlink>
+    </a:clrScheme>
+    <a:fontScheme name="Office">
+      <a:majorFont>
+        <a:latin typeface="Arial"/>
+        <a:ea typeface=""/>
+        <a:cs typeface=""/>
+        <a:font script="Jpan" typeface="ＭＳ Ｐゴシック"/>
+        <a:font script="Hang" typeface="맑은 고딕"/>
+        <a:font script="Hans" typeface="宋体"/>
+        <a:font script="Hant" typeface="新細明體"/>
+        <a:font script="Arab" typeface="Times New Roman"/>
+        <a:font script="Hebr" typeface="Times New Roman"/>
+        <a:font script="Thai" typeface="Angsana New"/>
+        <a:font script="Ethi" typeface="Nyala"/>
+        <a:font script="Beng" typeface="Vrinda"/>
+        <a:font script="Gujr" typeface="Shruti"/>
+        <a:font script="Khmr" typeface="MoolBoran"/>
+        <a:font script="Knda" typeface="Tunga"/>
+        <a:font script="Guru" typeface="Raavi"/>
+        <a:font script="Cans" typeface="Euphemia"/>
+        <a:font script="Cher" typeface="Plantagenet Cherokee"/>
+        <a:font script="Yiii" typeface="Microsoft Yi Baiti"/>
+        <a:font script="Tibt" typeface="Microsoft Himalaya"/>
+        <a:font script="Thaa" typeface="MV Boli"/>
+        <a:font script="Deva" typeface="Mangal"/>
+        <a:font script="Telu" typeface="Gautami"/>
+        <a:font script="Taml" typeface="Latha"/>
+        <a:font script="Syrc" typeface="Estrangelo Edessa"/>
+        <a:font script="Orya" typeface="Kalinga"/>
+        <a:font script="Mlym" typeface="Kartika"/>
+        <a:font script="Laoo" typeface="DokChampa"/>
+        <a:font script="Sinh" typeface="Iskoola Pota"/>
+        <a:font script="Mong" typeface="Mongolian Baiti"/>
+        <a:font script="Viet" typeface="Times New Roman"/>
+        <a:font script="Uigh" typeface="Microsoft Uighur"/>
+        <a:font script="Geor" typeface="Sylfaen"/>
+      </a:majorFont>
+      <a:minorFont>
+        <a:latin typeface="Arial"/>
+        <a:ea typeface=""/>
+        <a:cs typeface=""/>
+        <a:font script="Jpan" typeface="ＭＳ Ｐゴシック"/>
+        <a:font script="Hang" typeface="맑은 고딕"/>
+        <a:font script="Hans" typeface="宋体"/>
+        <a:font script="Hant" typeface="新細明體"/>
+        <a:font script="Arab" typeface="Arial"/>
+        <a:font script="Hebr" typeface="Arial"/>
+        <a:font script="Thai" typeface="Cordia New"/>
+        <a:font script="Ethi" typeface="Nyala"/>
+        <a:font script="Beng" typeface="Vrinda"/>
+        <a:font script="Gujr" typeface="Shruti"/>
+        <a:font script="Khmr" typeface="DaunPenh"/>
+        <a:font script="Knda" typeface="Tunga"/>
+        <a:font script="Guru" typeface="Raavi"/>
+        <a:font script="Cans" typeface="Euphemia"/>
+        <a:font script="Cher" typeface="Plantagenet Cherokee"/>
+        <a:font script="Yiii" typeface="Microsoft Yi Baiti"/>
+        <a:font script="Tibt" typeface="Microsoft Himalaya"/>
+        <a:font script="Thaa" typeface="MV Boli"/>
+        <a:font script="Deva" typeface="Mangal"/>
+        <a:font script="Telu" typeface="Gautami"/>
+        <a:font script="Taml" typeface="Latha"/>
+        <a:font script="Syrc" typeface="Estrangelo Edessa"/>
+        <a:font script="Orya" typeface="Kalinga"/>
+        <a:font script="Mlym" typeface="Kartika"/>
+        <a:font script="Laoo" typeface="DokChampa"/>
+        <a:font script="Sinh" typeface="Iskoola Pota"/>
+        <a:font script="Mong" typeface="Mongolian Baiti"/>
+        <a:font script="Viet" typeface="Arial"/>
+        <a:font script="Uigh" typeface="Microsoft Uighur"/>
+        <a:font script="Geor" typeface="Sylfaen"/>
+      </a:minorFont>
+    </a:fontScheme>
+    <a:fmtScheme name="Office">
+      <a:fillStyleLst>
+        <a:solidFill>
+          <a:schemeClr val="phClr"/>
+        </a:solidFill>
+        <a:gradFill rotWithShape="1">
+          <a:gsLst>
+            <a:gs pos="0">
+              <a:schemeClr val="phClr">
+                <a:tint val="50000"/>
+                <a:satMod val="300000"/>
+              </a:schemeClr>
+            </a:gs>
+            <a:gs pos="35000">
+              <a:schemeClr val="phClr">
+                <a:tint val="37000"/>
+                <a:satMod val="300000"/>
+              </a:schemeClr>
+            </a:gs>
+            <a:gs pos="100000">
+              <a:schemeClr val="phClr">
+                <a:tint val="15000"/>
+                <a:satMod val="350000"/>
+              </a:schemeClr>
+            </a:gs>
+          </a:gsLst>
+          <a:lin ang="16200000" scaled="1"/>
+        </a:gradFill>
+        <a:gradFill rotWithShape="1">
+          <a:gsLst>
+            <a:gs pos="0">
+              <a:schemeClr val="phClr">
+                <a:tint val="100000"/>
+                <a:shade val="100000"/>
+                <a:satMod val="130000"/>
+              </a:schemeClr>
+            </a:gs>
+            <a:gs pos="100000">
+              <a:schemeClr val="phClr">
+                <a:tint val="50000"/>
+                <a:shade val="100000"/>
+                <a:satMod val="350000"/>
+              </a:schemeClr>
+            </a:gs>
+          </a:gsLst>
+          <a:lin ang="16200000" scaled="0"/>
+        </a:gradFill>
+      </a:fillStyleLst>
+      <a:lnStyleLst>
+        <a:ln w="9525" cap="flat" cmpd="sng" algn="ctr">
+          <a:solidFill>
+            <a:schemeClr val="phClr">
+              <a:shade val="95000"/>
+              <a:satMod val="105000"/>
+            </a:schemeClr>
+          </a:solidFill>
+          <a:prstDash val="solid"/>
+        </a:ln>
+        <a:ln w="25400" cap="flat" cmpd="sng" algn="ctr">
+          <a:solidFill>
+            <a:schemeClr val="phClr"/>
+          </a:solidFill>
+          <a:prstDash val="solid"/>
+        </a:ln>
+        <a:ln w="38100" cap="flat" cmpd="sng" algn="ctr">
+          <a:solidFill>
+            <a:schemeClr val="phClr"/>
+          </a:solidFill>
+          <a:prstDash val="solid"/>
+        </a:ln>
+      </a:lnStyleLst>
+      <a:effectStyleLst>
+        <a:effectStyle>
+          <a:effectLst>
+            <a:outerShdw blurRad="40000" dist="20000" dir="5400000" rotWithShape="0">
+              <a:srgbClr val="000000">
+                <a:alpha val="38000"/>
+              </a:srgbClr>
+            </a:outerShdw>
+          </a:effectLst>
+        </a:effectStyle>
+        <a:effectStyle>
+          <a:effectLst>
+            <a:outerShdw blurRad="40000" dist="23000" dir="5400000" rotWithShape="0">
+              <a:srgbClr val="000000">
+                <a:alpha val="35000"/>
+              </a:srgbClr>
+            </a:outerShdw>
+          </a:effectLst>
+        </a:effectStyle>
+        <a:effectStyle>
+          <a:effectLst>
+            <a:outerShdw blurRad="40000" dist="23000" dir="5400000" rotWithShape="0">
+              <a:srgbClr val="000000">
+                <a:alpha val="35000"/>
+              </a:srgbClr>
+            </a:outerShdw>
+          </a:effectLst>
+          <a:scene3d>
+            <a:camera prst="orthographicFront">
+              <a:rot lat="0" lon="0" rev="0"/>
+            </a:camera>
+            <a:lightRig rig="threePt" dir="t">
+              <a:rot lat="0" lon="0" rev="1200000"/>
+            </a:lightRig>
+          </a:scene3d>
+          <a:sp3d>
+            <a:bevelT w="63500" h="25400"/>
+          </a:sp3d>
+        </a:effectStyle>
+      </a:effectStyleLst>
+      <a:bgFillStyleLst>
+        <a:solidFill>
+          <a:schemeClr val="phClr"/>
+        </a:solidFill>
+        <a:gradFill rotWithShape="1">
+          <a:gsLst>
+            <a:gs pos="0">
+              <a:schemeClr val="phClr">
+                <a:tint val="40000"/>
+                <a:satMod val="350000"/>
+              </a:schemeClr>
+            </a:gs>
+            <a:gs pos="40000">
+              <a:schemeClr val="phClr">
+                <a:tint val="45000"/>
+                <a:shade val="99000"/>
+                <a:satMod val="350000"/>
+              </a:schemeClr>
+            </a:gs>
+            <a:gs pos="100000">
+              <a:schemeClr val="phClr">
+                <a:shade val="20000"/>
+                <a:satMod val="255000"/>
+              </a:schemeClr>
+            </a:gs>
+          </a:gsLst>
+          <a:path path="circle">
+            <a:fillToRect l="50000" t="-80000" r="50000" b="180000"/>
+          </a:path>
+        </a:gradFill>
+        <a:gradFill rotWithShape="1">
+          <a:gsLst>
+            <a:gs pos="0">
+              <a:schemeClr val="phClr">
+                <a:tint val="80000"/>
+                <a:satMod val="300000"/>
+              </a:schemeClr>
+            </a:gs>
+            <a:gs pos="100000">
+              <a:schemeClr val="phClr">
+                <a:shade val="30000"/>
+                <a:satMod val="200000"/>
+              </a:schemeClr>
+            </a:gs>
+          </a:gsLst>
+          <a:path path="circle">
+            <a:fillToRect l="50000" t="50000" r="50000" b="50000"/>
+          </a:path>
+        </a:gradFill>
+      </a:bgFillStyleLst>
+    </a:fmtScheme>
+  </a:themeElements>
+</a:theme>
+</file>
+
+<file path=ppt/theme/theme2.xml><?xml version="1.0" encoding="utf-8"?>
 <a:theme xmlns:a="http://schemas.openxmlformats.org/drawingml/2006/main" xmlns:r="http://schemas.openxmlformats.org/officeDocument/2006/relationships" name="TUBraunschweig_PPT2007_Folienpool_pptx">
   <a:themeElements>
     <a:clrScheme name="TU Braunschweig">
@@ -11907,283 +13993,4 @@
     </a:fmtScheme>
   </a:themeElements>
 </a:theme>
-</file>
-
-<file path=ppt/theme/theme2.xml><?xml version="1.0" encoding="utf-8"?>
-<a:theme xmlns:a="http://schemas.openxmlformats.org/drawingml/2006/main" xmlns:r="http://schemas.openxmlformats.org/officeDocument/2006/relationships">
-  <a:themeElements>
-    <a:clrScheme name="Default">
-      <a:dk1>
-        <a:srgbClr val="000000"/>
-      </a:dk1>
-      <a:lt1>
-        <a:srgbClr val="FFFFFF"/>
-      </a:lt1>
-      <a:dk2>
-        <a:srgbClr val="158158"/>
-      </a:dk2>
-      <a:lt2>
-        <a:srgbClr val="F3F3F3"/>
-      </a:lt2>
-      <a:accent1>
-        <a:srgbClr val="058DC7"/>
-      </a:accent1>
-      <a:accent2>
-        <a:srgbClr val="50B432"/>
-      </a:accent2>
-      <a:accent3>
-        <a:srgbClr val="ED561B"/>
-      </a:accent3>
-      <a:accent4>
-        <a:srgbClr val="EDEF00"/>
-      </a:accent4>
-      <a:accent5>
-        <a:srgbClr val="24CBE5"/>
-      </a:accent5>
-      <a:accent6>
-        <a:srgbClr val="64E572"/>
-      </a:accent6>
-      <a:hlink>
-        <a:srgbClr val="2200CC"/>
-      </a:hlink>
-      <a:folHlink>
-        <a:srgbClr val="551A8B"/>
-      </a:folHlink>
-    </a:clrScheme>
-    <a:fontScheme name="Office">
-      <a:majorFont>
-        <a:latin typeface="Arial"/>
-        <a:ea typeface=""/>
-        <a:cs typeface=""/>
-        <a:font script="Jpan" typeface="ＭＳ Ｐゴシック"/>
-        <a:font script="Hang" typeface="맑은 고딕"/>
-        <a:font script="Hans" typeface="宋体"/>
-        <a:font script="Hant" typeface="新細明體"/>
-        <a:font script="Arab" typeface="Times New Roman"/>
-        <a:font script="Hebr" typeface="Times New Roman"/>
-        <a:font script="Thai" typeface="Angsana New"/>
-        <a:font script="Ethi" typeface="Nyala"/>
-        <a:font script="Beng" typeface="Vrinda"/>
-        <a:font script="Gujr" typeface="Shruti"/>
-        <a:font script="Khmr" typeface="MoolBoran"/>
-        <a:font script="Knda" typeface="Tunga"/>
-        <a:font script="Guru" typeface="Raavi"/>
-        <a:font script="Cans" typeface="Euphemia"/>
-        <a:font script="Cher" typeface="Plantagenet Cherokee"/>
-        <a:font script="Yiii" typeface="Microsoft Yi Baiti"/>
-        <a:font script="Tibt" typeface="Microsoft Himalaya"/>
-        <a:font script="Thaa" typeface="MV Boli"/>
-        <a:font script="Deva" typeface="Mangal"/>
-        <a:font script="Telu" typeface="Gautami"/>
-        <a:font script="Taml" typeface="Latha"/>
-        <a:font script="Syrc" typeface="Estrangelo Edessa"/>
-        <a:font script="Orya" typeface="Kalinga"/>
-        <a:font script="Mlym" typeface="Kartika"/>
-        <a:font script="Laoo" typeface="DokChampa"/>
-        <a:font script="Sinh" typeface="Iskoola Pota"/>
-        <a:font script="Mong" typeface="Mongolian Baiti"/>
-        <a:font script="Viet" typeface="Times New Roman"/>
-        <a:font script="Uigh" typeface="Microsoft Uighur"/>
-        <a:font script="Geor" typeface="Sylfaen"/>
-      </a:majorFont>
-      <a:minorFont>
-        <a:latin typeface="Arial"/>
-        <a:ea typeface=""/>
-        <a:cs typeface=""/>
-        <a:font script="Jpan" typeface="ＭＳ Ｐゴシック"/>
-        <a:font script="Hang" typeface="맑은 고딕"/>
-        <a:font script="Hans" typeface="宋体"/>
-        <a:font script="Hant" typeface="新細明體"/>
-        <a:font script="Arab" typeface="Arial"/>
-        <a:font script="Hebr" typeface="Arial"/>
-        <a:font script="Thai" typeface="Cordia New"/>
-        <a:font script="Ethi" typeface="Nyala"/>
-        <a:font script="Beng" typeface="Vrinda"/>
-        <a:font script="Gujr" typeface="Shruti"/>
-        <a:font script="Khmr" typeface="DaunPenh"/>
-        <a:font script="Knda" typeface="Tunga"/>
-        <a:font script="Guru" typeface="Raavi"/>
-        <a:font script="Cans" typeface="Euphemia"/>
-        <a:font script="Cher" typeface="Plantagenet Cherokee"/>
-        <a:font script="Yiii" typeface="Microsoft Yi Baiti"/>
-        <a:font script="Tibt" typeface="Microsoft Himalaya"/>
-        <a:font script="Thaa" typeface="MV Boli"/>
-        <a:font script="Deva" typeface="Mangal"/>
-        <a:font script="Telu" typeface="Gautami"/>
-        <a:font script="Taml" typeface="Latha"/>
-        <a:font script="Syrc" typeface="Estrangelo Edessa"/>
-        <a:font script="Orya" typeface="Kalinga"/>
-        <a:font script="Mlym" typeface="Kartika"/>
-        <a:font script="Laoo" typeface="DokChampa"/>
-        <a:font script="Sinh" typeface="Iskoola Pota"/>
-        <a:font script="Mong" typeface="Mongolian Baiti"/>
-        <a:font script="Viet" typeface="Arial"/>
-        <a:font script="Uigh" typeface="Microsoft Uighur"/>
-        <a:font script="Geor" typeface="Sylfaen"/>
-      </a:minorFont>
-    </a:fontScheme>
-    <a:fmtScheme name="Office">
-      <a:fillStyleLst>
-        <a:solidFill>
-          <a:schemeClr val="phClr"/>
-        </a:solidFill>
-        <a:gradFill rotWithShape="1">
-          <a:gsLst>
-            <a:gs pos="0">
-              <a:schemeClr val="phClr">
-                <a:tint val="50000"/>
-                <a:satMod val="300000"/>
-              </a:schemeClr>
-            </a:gs>
-            <a:gs pos="35000">
-              <a:schemeClr val="phClr">
-                <a:tint val="37000"/>
-                <a:satMod val="300000"/>
-              </a:schemeClr>
-            </a:gs>
-            <a:gs pos="100000">
-              <a:schemeClr val="phClr">
-                <a:tint val="15000"/>
-                <a:satMod val="350000"/>
-              </a:schemeClr>
-            </a:gs>
-          </a:gsLst>
-          <a:lin ang="16200000" scaled="1"/>
-        </a:gradFill>
-        <a:gradFill rotWithShape="1">
-          <a:gsLst>
-            <a:gs pos="0">
-              <a:schemeClr val="phClr">
-                <a:tint val="100000"/>
-                <a:shade val="100000"/>
-                <a:satMod val="130000"/>
-              </a:schemeClr>
-            </a:gs>
-            <a:gs pos="100000">
-              <a:schemeClr val="phClr">
-                <a:tint val="50000"/>
-                <a:shade val="100000"/>
-                <a:satMod val="350000"/>
-              </a:schemeClr>
-            </a:gs>
-          </a:gsLst>
-          <a:lin ang="16200000" scaled="0"/>
-        </a:gradFill>
-      </a:fillStyleLst>
-      <a:lnStyleLst>
-        <a:ln w="9525" cap="flat" cmpd="sng" algn="ctr">
-          <a:solidFill>
-            <a:schemeClr val="phClr">
-              <a:shade val="95000"/>
-              <a:satMod val="105000"/>
-            </a:schemeClr>
-          </a:solidFill>
-          <a:prstDash val="solid"/>
-        </a:ln>
-        <a:ln w="25400" cap="flat" cmpd="sng" algn="ctr">
-          <a:solidFill>
-            <a:schemeClr val="phClr"/>
-          </a:solidFill>
-          <a:prstDash val="solid"/>
-        </a:ln>
-        <a:ln w="38100" cap="flat" cmpd="sng" algn="ctr">
-          <a:solidFill>
-            <a:schemeClr val="phClr"/>
-          </a:solidFill>
-          <a:prstDash val="solid"/>
-        </a:ln>
-      </a:lnStyleLst>
-      <a:effectStyleLst>
-        <a:effectStyle>
-          <a:effectLst>
-            <a:outerShdw blurRad="40000" dist="20000" dir="5400000" rotWithShape="0">
-              <a:srgbClr val="000000">
-                <a:alpha val="38000"/>
-              </a:srgbClr>
-            </a:outerShdw>
-          </a:effectLst>
-        </a:effectStyle>
-        <a:effectStyle>
-          <a:effectLst>
-            <a:outerShdw blurRad="40000" dist="23000" dir="5400000" rotWithShape="0">
-              <a:srgbClr val="000000">
-                <a:alpha val="35000"/>
-              </a:srgbClr>
-            </a:outerShdw>
-          </a:effectLst>
-        </a:effectStyle>
-        <a:effectStyle>
-          <a:effectLst>
-            <a:outerShdw blurRad="40000" dist="23000" dir="5400000" rotWithShape="0">
-              <a:srgbClr val="000000">
-                <a:alpha val="35000"/>
-              </a:srgbClr>
-            </a:outerShdw>
-          </a:effectLst>
-          <a:scene3d>
-            <a:camera prst="orthographicFront">
-              <a:rot lat="0" lon="0" rev="0"/>
-            </a:camera>
-            <a:lightRig rig="threePt" dir="t">
-              <a:rot lat="0" lon="0" rev="1200000"/>
-            </a:lightRig>
-          </a:scene3d>
-          <a:sp3d>
-            <a:bevelT w="63500" h="25400"/>
-          </a:sp3d>
-        </a:effectStyle>
-      </a:effectStyleLst>
-      <a:bgFillStyleLst>
-        <a:solidFill>
-          <a:schemeClr val="phClr"/>
-        </a:solidFill>
-        <a:gradFill rotWithShape="1">
-          <a:gsLst>
-            <a:gs pos="0">
-              <a:schemeClr val="phClr">
-                <a:tint val="40000"/>
-                <a:satMod val="350000"/>
-              </a:schemeClr>
-            </a:gs>
-            <a:gs pos="40000">
-              <a:schemeClr val="phClr">
-                <a:tint val="45000"/>
-                <a:shade val="99000"/>
-                <a:satMod val="350000"/>
-              </a:schemeClr>
-            </a:gs>
-            <a:gs pos="100000">
-              <a:schemeClr val="phClr">
-                <a:shade val="20000"/>
-                <a:satMod val="255000"/>
-              </a:schemeClr>
-            </a:gs>
-          </a:gsLst>
-          <a:path path="circle">
-            <a:fillToRect l="50000" t="-80000" r="50000" b="180000"/>
-          </a:path>
-        </a:gradFill>
-        <a:gradFill rotWithShape="1">
-          <a:gsLst>
-            <a:gs pos="0">
-              <a:schemeClr val="phClr">
-                <a:tint val="80000"/>
-                <a:satMod val="300000"/>
-              </a:schemeClr>
-            </a:gs>
-            <a:gs pos="100000">
-              <a:schemeClr val="phClr">
-                <a:shade val="30000"/>
-                <a:satMod val="200000"/>
-              </a:schemeClr>
-            </a:gs>
-          </a:gsLst>
-          <a:path path="circle">
-            <a:fillToRect l="50000" t="50000" r="50000" b="50000"/>
-          </a:path>
-        </a:gradFill>
-      </a:bgFillStyleLst>
-    </a:fmtScheme>
-  </a:themeElements>
-</a:theme>
 </file>
--- a/slides/07_abstract_classes_interfaces.pptx
+++ b/slides/07_abstract_classes_interfaces.pptx
@@ -9779,7 +9779,7 @@
             </a:pPr>
             <a:r>
               <a:rPr lang="de"/>
-              <a:t>06 - Abstrakte Klassen und Interfaces</a:t>
+              <a:t>07 - Abstrakte Klassen und Interfaces</a:t>
             </a:r>
             <a:endParaRPr/>
           </a:p>
@@ -13438,6 +13438,285 @@
 </file>
 
 <file path=ppt/theme/theme1.xml><?xml version="1.0" encoding="utf-8"?>
+<a:theme xmlns:a="http://schemas.openxmlformats.org/drawingml/2006/main" xmlns:r="http://schemas.openxmlformats.org/officeDocument/2006/relationships" name="TUBraunschweig_PPT2007_Folienpool_pptx">
+  <a:themeElements>
+    <a:clrScheme name="TU Braunschweig">
+      <a:dk1>
+        <a:srgbClr val="000000"/>
+      </a:dk1>
+      <a:lt1>
+        <a:srgbClr val="FFFFFF"/>
+      </a:lt1>
+      <a:dk2>
+        <a:srgbClr val="000000"/>
+      </a:dk2>
+      <a:lt2>
+        <a:srgbClr val="DDDDDD"/>
+      </a:lt2>
+      <a:accent1>
+        <a:srgbClr val="BE1E3C"/>
+      </a:accent1>
+      <a:accent2>
+        <a:srgbClr val="4DA6CB"/>
+      </a:accent2>
+      <a:accent3>
+        <a:srgbClr val="ADBF4D"/>
+      </a:accent3>
+      <a:accent4>
+        <a:srgbClr val="FA6E00"/>
+      </a:accent4>
+      <a:accent5>
+        <a:srgbClr val="407E97"/>
+      </a:accent5>
+      <a:accent6>
+        <a:srgbClr val="984098"/>
+      </a:accent6>
+      <a:hlink>
+        <a:srgbClr val="BE1E3C"/>
+      </a:hlink>
+      <a:folHlink>
+        <a:srgbClr val="760054"/>
+      </a:folHlink>
+    </a:clrScheme>
+    <a:fontScheme name="Office">
+      <a:majorFont>
+        <a:latin typeface="Arial"/>
+        <a:ea typeface=""/>
+        <a:cs typeface=""/>
+        <a:font script="Jpan" typeface="ＭＳ Ｐゴシック"/>
+        <a:font script="Hang" typeface="맑은 고딕"/>
+        <a:font script="Hans" typeface="宋体"/>
+        <a:font script="Hant" typeface="新細明體"/>
+        <a:font script="Arab" typeface="Times New Roman"/>
+        <a:font script="Hebr" typeface="Times New Roman"/>
+        <a:font script="Thai" typeface="Angsana New"/>
+        <a:font script="Ethi" typeface="Nyala"/>
+        <a:font script="Beng" typeface="Vrinda"/>
+        <a:font script="Gujr" typeface="Shruti"/>
+        <a:font script="Khmr" typeface="MoolBoran"/>
+        <a:font script="Knda" typeface="Tunga"/>
+        <a:font script="Guru" typeface="Raavi"/>
+        <a:font script="Cans" typeface="Euphemia"/>
+        <a:font script="Cher" typeface="Plantagenet Cherokee"/>
+        <a:font script="Yiii" typeface="Microsoft Yi Baiti"/>
+        <a:font script="Tibt" typeface="Microsoft Himalaya"/>
+        <a:font script="Thaa" typeface="MV Boli"/>
+        <a:font script="Deva" typeface="Mangal"/>
+        <a:font script="Telu" typeface="Gautami"/>
+        <a:font script="Taml" typeface="Latha"/>
+        <a:font script="Syrc" typeface="Estrangelo Edessa"/>
+        <a:font script="Orya" typeface="Kalinga"/>
+        <a:font script="Mlym" typeface="Kartika"/>
+        <a:font script="Laoo" typeface="DokChampa"/>
+        <a:font script="Sinh" typeface="Iskoola Pota"/>
+        <a:font script="Mong" typeface="Mongolian Baiti"/>
+        <a:font script="Viet" typeface="Times New Roman"/>
+        <a:font script="Uigh" typeface="Microsoft Uighur"/>
+        <a:font script="Geor" typeface="Sylfaen"/>
+      </a:majorFont>
+      <a:minorFont>
+        <a:latin typeface="Arial"/>
+        <a:ea typeface=""/>
+        <a:cs typeface=""/>
+        <a:font script="Jpan" typeface="ＭＳ Ｐゴシック"/>
+        <a:font script="Hang" typeface="맑은 고딕"/>
+        <a:font script="Hans" typeface="宋体"/>
+        <a:font script="Hant" typeface="新細明體"/>
+        <a:font script="Arab" typeface="Arial"/>
+        <a:font script="Hebr" typeface="Arial"/>
+        <a:font script="Thai" typeface="Cordia New"/>
+        <a:font script="Ethi" typeface="Nyala"/>
+        <a:font script="Beng" typeface="Vrinda"/>
+        <a:font script="Gujr" typeface="Shruti"/>
+        <a:font script="Khmr" typeface="DaunPenh"/>
+        <a:font script="Knda" typeface="Tunga"/>
+        <a:font script="Guru" typeface="Raavi"/>
+        <a:font script="Cans" typeface="Euphemia"/>
+        <a:font script="Cher" typeface="Plantagenet Cherokee"/>
+        <a:font script="Yiii" typeface="Microsoft Yi Baiti"/>
+        <a:font script="Tibt" typeface="Microsoft Himalaya"/>
+        <a:font script="Thaa" typeface="MV Boli"/>
+        <a:font script="Deva" typeface="Mangal"/>
+        <a:font script="Telu" typeface="Gautami"/>
+        <a:font script="Taml" typeface="Latha"/>
+        <a:font script="Syrc" typeface="Estrangelo Edessa"/>
+        <a:font script="Orya" typeface="Kalinga"/>
+        <a:font script="Mlym" typeface="Kartika"/>
+        <a:font script="Laoo" typeface="DokChampa"/>
+        <a:font script="Sinh" typeface="Iskoola Pota"/>
+        <a:font script="Mong" typeface="Mongolian Baiti"/>
+        <a:font script="Viet" typeface="Arial"/>
+        <a:font script="Uigh" typeface="Microsoft Uighur"/>
+        <a:font script="Geor" typeface="Sylfaen"/>
+      </a:minorFont>
+    </a:fontScheme>
+    <a:fmtScheme name="Office">
+      <a:fillStyleLst>
+        <a:solidFill>
+          <a:schemeClr val="phClr"/>
+        </a:solidFill>
+        <a:gradFill rotWithShape="1">
+          <a:gsLst>
+            <a:gs pos="0">
+              <a:schemeClr val="phClr">
+                <a:tint val="50000"/>
+                <a:satMod val="300000"/>
+              </a:schemeClr>
+            </a:gs>
+            <a:gs pos="35000">
+              <a:schemeClr val="phClr">
+                <a:tint val="37000"/>
+                <a:satMod val="300000"/>
+              </a:schemeClr>
+            </a:gs>
+            <a:gs pos="100000">
+              <a:schemeClr val="phClr">
+                <a:tint val="15000"/>
+                <a:satMod val="350000"/>
+              </a:schemeClr>
+            </a:gs>
+          </a:gsLst>
+          <a:lin ang="16200000" scaled="1"/>
+        </a:gradFill>
+        <a:gradFill rotWithShape="1">
+          <a:gsLst>
+            <a:gs pos="0">
+              <a:schemeClr val="phClr">
+                <a:tint val="100000"/>
+                <a:shade val="100000"/>
+                <a:satMod val="130000"/>
+              </a:schemeClr>
+            </a:gs>
+            <a:gs pos="100000">
+              <a:schemeClr val="phClr">
+                <a:tint val="50000"/>
+                <a:shade val="100000"/>
+                <a:satMod val="350000"/>
+              </a:schemeClr>
+            </a:gs>
+          </a:gsLst>
+          <a:lin ang="16200000" scaled="0"/>
+        </a:gradFill>
+      </a:fillStyleLst>
+      <a:lnStyleLst>
+        <a:ln w="9525" cap="flat" cmpd="sng" algn="ctr">
+          <a:solidFill>
+            <a:schemeClr val="phClr">
+              <a:shade val="95000"/>
+              <a:satMod val="105000"/>
+            </a:schemeClr>
+          </a:solidFill>
+          <a:prstDash val="solid"/>
+        </a:ln>
+        <a:ln w="25400" cap="flat" cmpd="sng" algn="ctr">
+          <a:solidFill>
+            <a:schemeClr val="phClr"/>
+          </a:solidFill>
+          <a:prstDash val="solid"/>
+        </a:ln>
+        <a:ln w="38100" cap="flat" cmpd="sng" algn="ctr">
+          <a:solidFill>
+            <a:schemeClr val="phClr"/>
+          </a:solidFill>
+          <a:prstDash val="solid"/>
+        </a:ln>
+      </a:lnStyleLst>
+      <a:effectStyleLst>
+        <a:effectStyle>
+          <a:effectLst>
+            <a:outerShdw blurRad="40000" dist="20000" dir="5400000" rotWithShape="0">
+              <a:srgbClr val="000000">
+                <a:alpha val="38000"/>
+              </a:srgbClr>
+            </a:outerShdw>
+          </a:effectLst>
+        </a:effectStyle>
+        <a:effectStyle>
+          <a:effectLst>
+            <a:outerShdw blurRad="40000" dist="23000" dir="5400000" rotWithShape="0">
+              <a:srgbClr val="000000">
+                <a:alpha val="35000"/>
+              </a:srgbClr>
+            </a:outerShdw>
+          </a:effectLst>
+        </a:effectStyle>
+        <a:effectStyle>
+          <a:effectLst>
+            <a:outerShdw blurRad="40000" dist="23000" dir="5400000" rotWithShape="0">
+              <a:srgbClr val="000000">
+                <a:alpha val="35000"/>
+              </a:srgbClr>
+            </a:outerShdw>
+          </a:effectLst>
+          <a:scene3d>
+            <a:camera prst="orthographicFront">
+              <a:rot lat="0" lon="0" rev="0"/>
+            </a:camera>
+            <a:lightRig rig="threePt" dir="t">
+              <a:rot lat="0" lon="0" rev="1200000"/>
+            </a:lightRig>
+          </a:scene3d>
+          <a:sp3d>
+            <a:bevelT w="63500" h="25400"/>
+          </a:sp3d>
+        </a:effectStyle>
+      </a:effectStyleLst>
+      <a:bgFillStyleLst>
+        <a:solidFill>
+          <a:schemeClr val="phClr"/>
+        </a:solidFill>
+        <a:gradFill rotWithShape="1">
+          <a:gsLst>
+            <a:gs pos="0">
+              <a:schemeClr val="phClr">
+                <a:tint val="40000"/>
+                <a:satMod val="350000"/>
+              </a:schemeClr>
+            </a:gs>
+            <a:gs pos="40000">
+              <a:schemeClr val="phClr">
+                <a:tint val="45000"/>
+                <a:shade val="99000"/>
+                <a:satMod val="350000"/>
+              </a:schemeClr>
+            </a:gs>
+            <a:gs pos="100000">
+              <a:schemeClr val="phClr">
+                <a:shade val="20000"/>
+                <a:satMod val="255000"/>
+              </a:schemeClr>
+            </a:gs>
+          </a:gsLst>
+          <a:path path="circle">
+            <a:fillToRect l="50000" t="-80000" r="50000" b="180000"/>
+          </a:path>
+        </a:gradFill>
+        <a:gradFill rotWithShape="1">
+          <a:gsLst>
+            <a:gs pos="0">
+              <a:schemeClr val="phClr">
+                <a:tint val="80000"/>
+                <a:satMod val="300000"/>
+              </a:schemeClr>
+            </a:gs>
+            <a:gs pos="100000">
+              <a:schemeClr val="phClr">
+                <a:shade val="30000"/>
+                <a:satMod val="200000"/>
+              </a:schemeClr>
+            </a:gs>
+          </a:gsLst>
+          <a:path path="circle">
+            <a:fillToRect l="50000" t="50000" r="50000" b="50000"/>
+          </a:path>
+        </a:gradFill>
+      </a:bgFillStyleLst>
+    </a:fmtScheme>
+  </a:themeElements>
+</a:theme>
+</file>
+
+<file path=ppt/theme/theme2.xml><?xml version="1.0" encoding="utf-8"?>
 <a:theme xmlns:a="http://schemas.openxmlformats.org/drawingml/2006/main" xmlns:r="http://schemas.openxmlformats.org/officeDocument/2006/relationships">
   <a:themeElements>
     <a:clrScheme name="Default">
@@ -13714,283 +13993,4 @@
     </a:fmtScheme>
   </a:themeElements>
 </a:theme>
-</file>
-
-<file path=ppt/theme/theme2.xml><?xml version="1.0" encoding="utf-8"?>
-<a:theme xmlns:a="http://schemas.openxmlformats.org/drawingml/2006/main" xmlns:r="http://schemas.openxmlformats.org/officeDocument/2006/relationships" name="TUBraunschweig_PPT2007_Folienpool_pptx">
-  <a:themeElements>
-    <a:clrScheme name="TU Braunschweig">
-      <a:dk1>
-        <a:srgbClr val="000000"/>
-      </a:dk1>
-      <a:lt1>
-        <a:srgbClr val="FFFFFF"/>
-      </a:lt1>
-      <a:dk2>
-        <a:srgbClr val="000000"/>
-      </a:dk2>
-      <a:lt2>
-        <a:srgbClr val="DDDDDD"/>
-      </a:lt2>
-      <a:accent1>
-        <a:srgbClr val="BE1E3C"/>
-      </a:accent1>
-      <a:accent2>
-        <a:srgbClr val="4DA6CB"/>
-      </a:accent2>
-      <a:accent3>
-        <a:srgbClr val="ADBF4D"/>
-      </a:accent3>
-      <a:accent4>
-        <a:srgbClr val="FA6E00"/>
-      </a:accent4>
-      <a:accent5>
-        <a:srgbClr val="407E97"/>
-      </a:accent5>
-      <a:accent6>
-        <a:srgbClr val="984098"/>
-      </a:accent6>
-      <a:hlink>
-        <a:srgbClr val="BE1E3C"/>
-      </a:hlink>
-      <a:folHlink>
-        <a:srgbClr val="760054"/>
-      </a:folHlink>
-    </a:clrScheme>
-    <a:fontScheme name="Office">
-      <a:majorFont>
-        <a:latin typeface="Arial"/>
-        <a:ea typeface=""/>
-        <a:cs typeface=""/>
-        <a:font script="Jpan" typeface="ＭＳ Ｐゴシック"/>
-        <a:font script="Hang" typeface="맑은 고딕"/>
-        <a:font script="Hans" typeface="宋体"/>
-        <a:font script="Hant" typeface="新細明體"/>
-        <a:font script="Arab" typeface="Times New Roman"/>
-        <a:font script="Hebr" typeface="Times New Roman"/>
-        <a:font script="Thai" typeface="Angsana New"/>
-        <a:font script="Ethi" typeface="Nyala"/>
-        <a:font script="Beng" typeface="Vrinda"/>
-        <a:font script="Gujr" typeface="Shruti"/>
-        <a:font script="Khmr" typeface="MoolBoran"/>
-        <a:font script="Knda" typeface="Tunga"/>
-        <a:font script="Guru" typeface="Raavi"/>
-        <a:font script="Cans" typeface="Euphemia"/>
-        <a:font script="Cher" typeface="Plantagenet Cherokee"/>
-        <a:font script="Yiii" typeface="Microsoft Yi Baiti"/>
-        <a:font script="Tibt" typeface="Microsoft Himalaya"/>
-        <a:font script="Thaa" typeface="MV Boli"/>
-        <a:font script="Deva" typeface="Mangal"/>
-        <a:font script="Telu" typeface="Gautami"/>
-        <a:font script="Taml" typeface="Latha"/>
-        <a:font script="Syrc" typeface="Estrangelo Edessa"/>
-        <a:font script="Orya" typeface="Kalinga"/>
-        <a:font script="Mlym" typeface="Kartika"/>
-        <a:font script="Laoo" typeface="DokChampa"/>
-        <a:font script="Sinh" typeface="Iskoola Pota"/>
-        <a:font script="Mong" typeface="Mongolian Baiti"/>
-        <a:font script="Viet" typeface="Times New Roman"/>
-        <a:font script="Uigh" typeface="Microsoft Uighur"/>
-        <a:font script="Geor" typeface="Sylfaen"/>
-      </a:majorFont>
-      <a:minorFont>
-        <a:latin typeface="Arial"/>
-        <a:ea typeface=""/>
-        <a:cs typeface=""/>
-        <a:font script="Jpan" typeface="ＭＳ Ｐゴシック"/>
-        <a:font script="Hang" typeface="맑은 고딕"/>
-        <a:font script="Hans" typeface="宋体"/>
-        <a:font script="Hant" typeface="新細明體"/>
-        <a:font script="Arab" typeface="Arial"/>
-        <a:font script="Hebr" typeface="Arial"/>
-        <a:font script="Thai" typeface="Cordia New"/>
-        <a:font script="Ethi" typeface="Nyala"/>
-        <a:font script="Beng" typeface="Vrinda"/>
-        <a:font script="Gujr" typeface="Shruti"/>
-        <a:font script="Khmr" typeface="DaunPenh"/>
-        <a:font script="Knda" typeface="Tunga"/>
-        <a:font script="Guru" typeface="Raavi"/>
-        <a:font script="Cans" typeface="Euphemia"/>
-        <a:font script="Cher" typeface="Plantagenet Cherokee"/>
-        <a:font script="Yiii" typeface="Microsoft Yi Baiti"/>
-        <a:font script="Tibt" typeface="Microsoft Himalaya"/>
-        <a:font script="Thaa" typeface="MV Boli"/>
-        <a:font script="Deva" typeface="Mangal"/>
-        <a:font script="Telu" typeface="Gautami"/>
-        <a:font script="Taml" typeface="Latha"/>
-        <a:font script="Syrc" typeface="Estrangelo Edessa"/>
-        <a:font script="Orya" typeface="Kalinga"/>
-        <a:font script="Mlym" typeface="Kartika"/>
-        <a:font script="Laoo" typeface="DokChampa"/>
-        <a:font script="Sinh" typeface="Iskoola Pota"/>
-        <a:font script="Mong" typeface="Mongolian Baiti"/>
-        <a:font script="Viet" typeface="Arial"/>
-        <a:font script="Uigh" typeface="Microsoft Uighur"/>
-        <a:font script="Geor" typeface="Sylfaen"/>
-      </a:minorFont>
-    </a:fontScheme>
-    <a:fmtScheme name="Office">
-      <a:fillStyleLst>
-        <a:solidFill>
-          <a:schemeClr val="phClr"/>
-        </a:solidFill>
-        <a:gradFill rotWithShape="1">
-          <a:gsLst>
-            <a:gs pos="0">
-              <a:schemeClr val="phClr">
-                <a:tint val="50000"/>
-                <a:satMod val="300000"/>
-              </a:schemeClr>
-            </a:gs>
-            <a:gs pos="35000">
-              <a:schemeClr val="phClr">
-                <a:tint val="37000"/>
-                <a:satMod val="300000"/>
-              </a:schemeClr>
-            </a:gs>
-            <a:gs pos="100000">
-              <a:schemeClr val="phClr">
-                <a:tint val="15000"/>
-                <a:satMod val="350000"/>
-              </a:schemeClr>
-            </a:gs>
-          </a:gsLst>
-          <a:lin ang="16200000" scaled="1"/>
-        </a:gradFill>
-        <a:gradFill rotWithShape="1">
-          <a:gsLst>
-            <a:gs pos="0">
-              <a:schemeClr val="phClr">
-                <a:tint val="100000"/>
-                <a:shade val="100000"/>
-                <a:satMod val="130000"/>
-              </a:schemeClr>
-            </a:gs>
-            <a:gs pos="100000">
-              <a:schemeClr val="phClr">
-                <a:tint val="50000"/>
-                <a:shade val="100000"/>
-                <a:satMod val="350000"/>
-              </a:schemeClr>
-            </a:gs>
-          </a:gsLst>
-          <a:lin ang="16200000" scaled="0"/>
-        </a:gradFill>
-      </a:fillStyleLst>
-      <a:lnStyleLst>
-        <a:ln w="9525" cap="flat" cmpd="sng" algn="ctr">
-          <a:solidFill>
-            <a:schemeClr val="phClr">
-              <a:shade val="95000"/>
-              <a:satMod val="105000"/>
-            </a:schemeClr>
-          </a:solidFill>
-          <a:prstDash val="solid"/>
-        </a:ln>
-        <a:ln w="25400" cap="flat" cmpd="sng" algn="ctr">
-          <a:solidFill>
-            <a:schemeClr val="phClr"/>
-          </a:solidFill>
-          <a:prstDash val="solid"/>
-        </a:ln>
-        <a:ln w="38100" cap="flat" cmpd="sng" algn="ctr">
-          <a:solidFill>
-            <a:schemeClr val="phClr"/>
-          </a:solidFill>
-          <a:prstDash val="solid"/>
-        </a:ln>
-      </a:lnStyleLst>
-      <a:effectStyleLst>
-        <a:effectStyle>
-          <a:effectLst>
-            <a:outerShdw blurRad="40000" dist="20000" dir="5400000" rotWithShape="0">
-              <a:srgbClr val="000000">
-                <a:alpha val="38000"/>
-              </a:srgbClr>
-            </a:outerShdw>
-          </a:effectLst>
-        </a:effectStyle>
-        <a:effectStyle>
-          <a:effectLst>
-            <a:outerShdw blurRad="40000" dist="23000" dir="5400000" rotWithShape="0">
-              <a:srgbClr val="000000">
-                <a:alpha val="35000"/>
-              </a:srgbClr>
-            </a:outerShdw>
-          </a:effectLst>
-        </a:effectStyle>
-        <a:effectStyle>
-          <a:effectLst>
-            <a:outerShdw blurRad="40000" dist="23000" dir="5400000" rotWithShape="0">
-              <a:srgbClr val="000000">
-                <a:alpha val="35000"/>
-              </a:srgbClr>
-            </a:outerShdw>
-          </a:effectLst>
-          <a:scene3d>
-            <a:camera prst="orthographicFront">
-              <a:rot lat="0" lon="0" rev="0"/>
-            </a:camera>
-            <a:lightRig rig="threePt" dir="t">
-              <a:rot lat="0" lon="0" rev="1200000"/>
-            </a:lightRig>
-          </a:scene3d>
-          <a:sp3d>
-            <a:bevelT w="63500" h="25400"/>
-          </a:sp3d>
-        </a:effectStyle>
-      </a:effectStyleLst>
-      <a:bgFillStyleLst>
-        <a:solidFill>
-          <a:schemeClr val="phClr"/>
-        </a:solidFill>
-        <a:gradFill rotWithShape="1">
-          <a:gsLst>
-            <a:gs pos="0">
-              <a:schemeClr val="phClr">
-                <a:tint val="40000"/>
-                <a:satMod val="350000"/>
-              </a:schemeClr>
-            </a:gs>
-            <a:gs pos="40000">
-              <a:schemeClr val="phClr">
-                <a:tint val="45000"/>
-                <a:shade val="99000"/>
-                <a:satMod val="350000"/>
-              </a:schemeClr>
-            </a:gs>
-            <a:gs pos="100000">
-              <a:schemeClr val="phClr">
-                <a:shade val="20000"/>
-                <a:satMod val="255000"/>
-              </a:schemeClr>
-            </a:gs>
-          </a:gsLst>
-          <a:path path="circle">
-            <a:fillToRect l="50000" t="-80000" r="50000" b="180000"/>
-          </a:path>
-        </a:gradFill>
-        <a:gradFill rotWithShape="1">
-          <a:gsLst>
-            <a:gs pos="0">
-              <a:schemeClr val="phClr">
-                <a:tint val="80000"/>
-                <a:satMod val="300000"/>
-              </a:schemeClr>
-            </a:gs>
-            <a:gs pos="100000">
-              <a:schemeClr val="phClr">
-                <a:shade val="30000"/>
-                <a:satMod val="200000"/>
-              </a:schemeClr>
-            </a:gs>
-          </a:gsLst>
-          <a:path path="circle">
-            <a:fillToRect l="50000" t="50000" r="50000" b="50000"/>
-          </a:path>
-        </a:gradFill>
-      </a:bgFillStyleLst>
-    </a:fmtScheme>
-  </a:themeElements>
-</a:theme>
 </file>
--- a/slides/07_abstract_classes_interfaces.pptx
+++ b/slides/07_abstract_classes_interfaces.pptx
@@ -13260,7 +13260,7 @@
                 <a:cs typeface="Arial"/>
                 <a:sym typeface="Arial"/>
               </a:rPr>
-              <a:t>. Soll von BankAccount erben und Lootable implementieren. Außerdem soll hier ein Dispolimit eingebaut werden, bis zu dem das Konto überzogen werden darf. Das Dispolimit wird an den Kontruktor übergeben</a:t>
+              <a:t>. Soll von BankAccount erben und Lootable implementieren. Außerdem soll hier ein Dispolimit eingebaut werden, bis zu dem das Konto überzogen werden darf. Das Dispolimit wird an den Konstruktor übergeben</a:t>
             </a:r>
             <a:endParaRPr b="0" i="0" sz="1300" u="none" cap="none" strike="noStrike">
               <a:solidFill>
@@ -13438,6 +13438,285 @@
 </file>
 
 <file path=ppt/theme/theme1.xml><?xml version="1.0" encoding="utf-8"?>
+<a:theme xmlns:a="http://schemas.openxmlformats.org/drawingml/2006/main" xmlns:r="http://schemas.openxmlformats.org/officeDocument/2006/relationships">
+  <a:themeElements>
+    <a:clrScheme name="Default">
+      <a:dk1>
+        <a:srgbClr val="000000"/>
+      </a:dk1>
+      <a:lt1>
+        <a:srgbClr val="FFFFFF"/>
+      </a:lt1>
+      <a:dk2>
+        <a:srgbClr val="158158"/>
+      </a:dk2>
+      <a:lt2>
+        <a:srgbClr val="F3F3F3"/>
+      </a:lt2>
+      <a:accent1>
+        <a:srgbClr val="058DC7"/>
+      </a:accent1>
+      <a:accent2>
+        <a:srgbClr val="50B432"/>
+      </a:accent2>
+      <a:accent3>
+        <a:srgbClr val="ED561B"/>
+      </a:accent3>
+      <a:accent4>
+        <a:srgbClr val="EDEF00"/>
+      </a:accent4>
+      <a:accent5>
+        <a:srgbClr val="24CBE5"/>
+      </a:accent5>
+      <a:accent6>
+        <a:srgbClr val="64E572"/>
+      </a:accent6>
+      <a:hlink>
+        <a:srgbClr val="2200CC"/>
+      </a:hlink>
+      <a:folHlink>
+        <a:srgbClr val="551A8B"/>
+      </a:folHlink>
+    </a:clrScheme>
+    <a:fontScheme name="Office">
+      <a:majorFont>
+        <a:latin typeface="Arial"/>
+        <a:ea typeface=""/>
+        <a:cs typeface=""/>
+        <a:font script="Jpan" typeface="ＭＳ Ｐゴシック"/>
+        <a:font script="Hang" typeface="맑은 고딕"/>
+        <a:font script="Hans" typeface="宋体"/>
+        <a:font script="Hant" typeface="新細明體"/>
+        <a:font script="Arab" typeface="Times New Roman"/>
+        <a:font script="Hebr" typeface="Times New Roman"/>
+        <a:font script="Thai" typeface="Angsana New"/>
+        <a:font script="Ethi" typeface="Nyala"/>
+        <a:font script="Beng" typeface="Vrinda"/>
+        <a:font script="Gujr" typeface="Shruti"/>
+        <a:font script="Khmr" typeface="MoolBoran"/>
+        <a:font script="Knda" typeface="Tunga"/>
+        <a:font script="Guru" typeface="Raavi"/>
+        <a:font script="Cans" typeface="Euphemia"/>
+        <a:font script="Cher" typeface="Plantagenet Cherokee"/>
+        <a:font script="Yiii" typeface="Microsoft Yi Baiti"/>
+        <a:font script="Tibt" typeface="Microsoft Himalaya"/>
+        <a:font script="Thaa" typeface="MV Boli"/>
+        <a:font script="Deva" typeface="Mangal"/>
+        <a:font script="Telu" typeface="Gautami"/>
+        <a:font script="Taml" typeface="Latha"/>
+        <a:font script="Syrc" typeface="Estrangelo Edessa"/>
+        <a:font script="Orya" typeface="Kalinga"/>
+        <a:font script="Mlym" typeface="Kartika"/>
+        <a:font script="Laoo" typeface="DokChampa"/>
+        <a:font script="Sinh" typeface="Iskoola Pota"/>
+        <a:font script="Mong" typeface="Mongolian Baiti"/>
+        <a:font script="Viet" typeface="Times New Roman"/>
+        <a:font script="Uigh" typeface="Microsoft Uighur"/>
+        <a:font script="Geor" typeface="Sylfaen"/>
+      </a:majorFont>
+      <a:minorFont>
+        <a:latin typeface="Arial"/>
+        <a:ea typeface=""/>
+        <a:cs typeface=""/>
+        <a:font script="Jpan" typeface="ＭＳ Ｐゴシック"/>
+        <a:font script="Hang" typeface="맑은 고딕"/>
+        <a:font script="Hans" typeface="宋体"/>
+        <a:font script="Hant" typeface="新細明體"/>
+        <a:font script="Arab" typeface="Arial"/>
+        <a:font script="Hebr" typeface="Arial"/>
+        <a:font script="Thai" typeface="Cordia New"/>
+        <a:font script="Ethi" typeface="Nyala"/>
+        <a:font script="Beng" typeface="Vrinda"/>
+        <a:font script="Gujr" typeface="Shruti"/>
+        <a:font script="Khmr" typeface="DaunPenh"/>
+        <a:font script="Knda" typeface="Tunga"/>
+        <a:font script="Guru" typeface="Raavi"/>
+        <a:font script="Cans" typeface="Euphemia"/>
+        <a:font script="Cher" typeface="Plantagenet Cherokee"/>
+        <a:font script="Yiii" typeface="Microsoft Yi Baiti"/>
+        <a:font script="Tibt" typeface="Microsoft Himalaya"/>
+        <a:font script="Thaa" typeface="MV Boli"/>
+        <a:font script="Deva" typeface="Mangal"/>
+        <a:font script="Telu" typeface="Gautami"/>
+        <a:font script="Taml" typeface="Latha"/>
+        <a:font script="Syrc" typeface="Estrangelo Edessa"/>
+        <a:font script="Orya" typeface="Kalinga"/>
+        <a:font script="Mlym" typeface="Kartika"/>
+        <a:font script="Laoo" typeface="DokChampa"/>
+        <a:font script="Sinh" typeface="Iskoola Pota"/>
+        <a:font script="Mong" typeface="Mongolian Baiti"/>
+        <a:font script="Viet" typeface="Arial"/>
+        <a:font script="Uigh" typeface="Microsoft Uighur"/>
+        <a:font script="Geor" typeface="Sylfaen"/>
+      </a:minorFont>
+    </a:fontScheme>
+    <a:fmtScheme name="Office">
+      <a:fillStyleLst>
+        <a:solidFill>
+          <a:schemeClr val="phClr"/>
+        </a:solidFill>
+        <a:gradFill rotWithShape="1">
+          <a:gsLst>
+            <a:gs pos="0">
+              <a:schemeClr val="phClr">
+                <a:tint val="50000"/>
+                <a:satMod val="300000"/>
+              </a:schemeClr>
+            </a:gs>
+            <a:gs pos="35000">
+              <a:schemeClr val="phClr">
+                <a:tint val="37000"/>
+                <a:satMod val="300000"/>
+              </a:schemeClr>
+            </a:gs>
+            <a:gs pos="100000">
+              <a:schemeClr val="phClr">
+                <a:tint val="15000"/>
+                <a:satMod val="350000"/>
+              </a:schemeClr>
+            </a:gs>
+          </a:gsLst>
+          <a:lin ang="16200000" scaled="1"/>
+        </a:gradFill>
+        <a:gradFill rotWithShape="1">
+          <a:gsLst>
+            <a:gs pos="0">
+              <a:schemeClr val="phClr">
+                <a:tint val="100000"/>
+                <a:shade val="100000"/>
+                <a:satMod val="130000"/>
+              </a:schemeClr>
+            </a:gs>
+            <a:gs pos="100000">
+              <a:schemeClr val="phClr">
+                <a:tint val="50000"/>
+                <a:shade val="100000"/>
+                <a:satMod val="350000"/>
+              </a:schemeClr>
+            </a:gs>
+          </a:gsLst>
+          <a:lin ang="16200000" scaled="0"/>
+        </a:gradFill>
+      </a:fillStyleLst>
+      <a:lnStyleLst>
+        <a:ln w="9525" cap="flat" cmpd="sng" algn="ctr">
+          <a:solidFill>
+            <a:schemeClr val="phClr">
+              <a:shade val="95000"/>
+              <a:satMod val="105000"/>
+            </a:schemeClr>
+          </a:solidFill>
+          <a:prstDash val="solid"/>
+        </a:ln>
+        <a:ln w="25400" cap="flat" cmpd="sng" algn="ctr">
+          <a:solidFill>
+            <a:schemeClr val="phClr"/>
+          </a:solidFill>
+          <a:prstDash val="solid"/>
+        </a:ln>
+        <a:ln w="38100" cap="flat" cmpd="sng" algn="ctr">
+          <a:solidFill>
+            <a:schemeClr val="phClr"/>
+          </a:solidFill>
+          <a:prstDash val="solid"/>
+        </a:ln>
+      </a:lnStyleLst>
+      <a:effectStyleLst>
+        <a:effectStyle>
+          <a:effectLst>
+            <a:outerShdw blurRad="40000" dist="20000" dir="5400000" rotWithShape="0">
+              <a:srgbClr val="000000">
+                <a:alpha val="38000"/>
+              </a:srgbClr>
+            </a:outerShdw>
+          </a:effectLst>
+        </a:effectStyle>
+        <a:effectStyle>
+          <a:effectLst>
+            <a:outerShdw blurRad="40000" dist="23000" dir="5400000" rotWithShape="0">
+              <a:srgbClr val="000000">
+                <a:alpha val="35000"/>
+              </a:srgbClr>
+            </a:outerShdw>
+          </a:effectLst>
+        </a:effectStyle>
+        <a:effectStyle>
+          <a:effectLst>
+            <a:outerShdw blurRad="40000" dist="23000" dir="5400000" rotWithShape="0">
+              <a:srgbClr val="000000">
+                <a:alpha val="35000"/>
+              </a:srgbClr>
+            </a:outerShdw>
+          </a:effectLst>
+          <a:scene3d>
+            <a:camera prst="orthographicFront">
+              <a:rot lat="0" lon="0" rev="0"/>
+            </a:camera>
+            <a:lightRig rig="threePt" dir="t">
+              <a:rot lat="0" lon="0" rev="1200000"/>
+            </a:lightRig>
+          </a:scene3d>
+          <a:sp3d>
+            <a:bevelT w="63500" h="25400"/>
+          </a:sp3d>
+        </a:effectStyle>
+      </a:effectStyleLst>
+      <a:bgFillStyleLst>
+        <a:solidFill>
+          <a:schemeClr val="phClr"/>
+        </a:solidFill>
+        <a:gradFill rotWithShape="1">
+          <a:gsLst>
+            <a:gs pos="0">
+              <a:schemeClr val="phClr">
+                <a:tint val="40000"/>
+                <a:satMod val="350000"/>
+              </a:schemeClr>
+            </a:gs>
+            <a:gs pos="40000">
+              <a:schemeClr val="phClr">
+                <a:tint val="45000"/>
+                <a:shade val="99000"/>
+                <a:satMod val="350000"/>
+              </a:schemeClr>
+            </a:gs>
+            <a:gs pos="100000">
+              <a:schemeClr val="phClr">
+                <a:shade val="20000"/>
+                <a:satMod val="255000"/>
+              </a:schemeClr>
+            </a:gs>
+          </a:gsLst>
+          <a:path path="circle">
+            <a:fillToRect l="50000" t="-80000" r="50000" b="180000"/>
+          </a:path>
+        </a:gradFill>
+        <a:gradFill rotWithShape="1">
+          <a:gsLst>
+            <a:gs pos="0">
+              <a:schemeClr val="phClr">
+                <a:tint val="80000"/>
+                <a:satMod val="300000"/>
+              </a:schemeClr>
+            </a:gs>
+            <a:gs pos="100000">
+              <a:schemeClr val="phClr">
+                <a:shade val="30000"/>
+                <a:satMod val="200000"/>
+              </a:schemeClr>
+            </a:gs>
+          </a:gsLst>
+          <a:path path="circle">
+            <a:fillToRect l="50000" t="50000" r="50000" b="50000"/>
+          </a:path>
+        </a:gradFill>
+      </a:bgFillStyleLst>
+    </a:fmtScheme>
+  </a:themeElements>
+</a:theme>
+</file>
+
+<file path=ppt/theme/theme2.xml><?xml version="1.0" encoding="utf-8"?>
 <a:theme xmlns:a="http://schemas.openxmlformats.org/drawingml/2006/main" xmlns:r="http://schemas.openxmlformats.org/officeDocument/2006/relationships" name="TUBraunschweig_PPT2007_Folienpool_pptx">
   <a:themeElements>
     <a:clrScheme name="TU Braunschweig">
@@ -13714,283 +13993,4 @@
     </a:fmtScheme>
   </a:themeElements>
 </a:theme>
-</file>
-
-<file path=ppt/theme/theme2.xml><?xml version="1.0" encoding="utf-8"?>
-<a:theme xmlns:a="http://schemas.openxmlformats.org/drawingml/2006/main" xmlns:r="http://schemas.openxmlformats.org/officeDocument/2006/relationships">
-  <a:themeElements>
-    <a:clrScheme name="Default">
-      <a:dk1>
-        <a:srgbClr val="000000"/>
-      </a:dk1>
-      <a:lt1>
-        <a:srgbClr val="FFFFFF"/>
-      </a:lt1>
-      <a:dk2>
-        <a:srgbClr val="158158"/>
-      </a:dk2>
-      <a:lt2>
-        <a:srgbClr val="F3F3F3"/>
-      </a:lt2>
-      <a:accent1>
-        <a:srgbClr val="058DC7"/>
-      </a:accent1>
-      <a:accent2>
-        <a:srgbClr val="50B432"/>
-      </a:accent2>
-      <a:accent3>
-        <a:srgbClr val="ED561B"/>
-      </a:accent3>
-      <a:accent4>
-        <a:srgbClr val="EDEF00"/>
-      </a:accent4>
-      <a:accent5>
-        <a:srgbClr val="24CBE5"/>
-      </a:accent5>
-      <a:accent6>
-        <a:srgbClr val="64E572"/>
-      </a:accent6>
-      <a:hlink>
-        <a:srgbClr val="2200CC"/>
-      </a:hlink>
-      <a:folHlink>
-        <a:srgbClr val="551A8B"/>
-      </a:folHlink>
-    </a:clrScheme>
-    <a:fontScheme name="Office">
-      <a:majorFont>
-        <a:latin typeface="Arial"/>
-        <a:ea typeface=""/>
-        <a:cs typeface=""/>
-        <a:font script="Jpan" typeface="ＭＳ Ｐゴシック"/>
-        <a:font script="Hang" typeface="맑은 고딕"/>
-        <a:font script="Hans" typeface="宋体"/>
-        <a:font script="Hant" typeface="新細明體"/>
-        <a:font script="Arab" typeface="Times New Roman"/>
-        <a:font script="Hebr" typeface="Times New Roman"/>
-        <a:font script="Thai" typeface="Angsana New"/>
-        <a:font script="Ethi" typeface="Nyala"/>
-        <a:font script="Beng" typeface="Vrinda"/>
-        <a:font script="Gujr" typeface="Shruti"/>
-        <a:font script="Khmr" typeface="MoolBoran"/>
-        <a:font script="Knda" typeface="Tunga"/>
-        <a:font script="Guru" typeface="Raavi"/>
-        <a:font script="Cans" typeface="Euphemia"/>
-        <a:font script="Cher" typeface="Plantagenet Cherokee"/>
-        <a:font script="Yiii" typeface="Microsoft Yi Baiti"/>
-        <a:font script="Tibt" typeface="Microsoft Himalaya"/>
-        <a:font script="Thaa" typeface="MV Boli"/>
-        <a:font script="Deva" typeface="Mangal"/>
-        <a:font script="Telu" typeface="Gautami"/>
-        <a:font script="Taml" typeface="Latha"/>
-        <a:font script="Syrc" typeface="Estrangelo Edessa"/>
-        <a:font script="Orya" typeface="Kalinga"/>
-        <a:font script="Mlym" typeface="Kartika"/>
-        <a:font script="Laoo" typeface="DokChampa"/>
-        <a:font script="Sinh" typeface="Iskoola Pota"/>
-        <a:font script="Mong" typeface="Mongolian Baiti"/>
-        <a:font script="Viet" typeface="Times New Roman"/>
-        <a:font script="Uigh" typeface="Microsoft Uighur"/>
-        <a:font script="Geor" typeface="Sylfaen"/>
-      </a:majorFont>
-      <a:minorFont>
-        <a:latin typeface="Arial"/>
-        <a:ea typeface=""/>
-        <a:cs typeface=""/>
-        <a:font script="Jpan" typeface="ＭＳ Ｐゴシック"/>
-        <a:font script="Hang" typeface="맑은 고딕"/>
-        <a:font script="Hans" typeface="宋体"/>
-        <a:font script="Hant" typeface="新細明體"/>
-        <a:font script="Arab" typeface="Arial"/>
-        <a:font script="Hebr" typeface="Arial"/>
-        <a:font script="Thai" typeface="Cordia New"/>
-        <a:font script="Ethi" typeface="Nyala"/>
-        <a:font script="Beng" typeface="Vrinda"/>
-        <a:font script="Gujr" typeface="Shruti"/>
-        <a:font script="Khmr" typeface="DaunPenh"/>
-        <a:font script="Knda" typeface="Tunga"/>
-        <a:font script="Guru" typeface="Raavi"/>
-        <a:font script="Cans" typeface="Euphemia"/>
-        <a:font script="Cher" typeface="Plantagenet Cherokee"/>
-        <a:font script="Yiii" typeface="Microsoft Yi Baiti"/>
-        <a:font script="Tibt" typeface="Microsoft Himalaya"/>
-        <a:font script="Thaa" typeface="MV Boli"/>
-        <a:font script="Deva" typeface="Mangal"/>
-        <a:font script="Telu" typeface="Gautami"/>
-        <a:font script="Taml" typeface="Latha"/>
-        <a:font script="Syrc" typeface="Estrangelo Edessa"/>
-        <a:font script="Orya" typeface="Kalinga"/>
-        <a:font script="Mlym" typeface="Kartika"/>
-        <a:font script="Laoo" typeface="DokChampa"/>
-        <a:font script="Sinh" typeface="Iskoola Pota"/>
-        <a:font script="Mong" typeface="Mongolian Baiti"/>
-        <a:font script="Viet" typeface="Arial"/>
-        <a:font script="Uigh" typeface="Microsoft Uighur"/>
-        <a:font script="Geor" typeface="Sylfaen"/>
-      </a:minorFont>
-    </a:fontScheme>
-    <a:fmtScheme name="Office">
-      <a:fillStyleLst>
-        <a:solidFill>
-          <a:schemeClr val="phClr"/>
-        </a:solidFill>
-        <a:gradFill rotWithShape="1">
-          <a:gsLst>
-            <a:gs pos="0">
-              <a:schemeClr val="phClr">
-                <a:tint val="50000"/>
-                <a:satMod val="300000"/>
-              </a:schemeClr>
-            </a:gs>
-            <a:gs pos="35000">
-              <a:schemeClr val="phClr">
-                <a:tint val="37000"/>
-                <a:satMod val="300000"/>
-              </a:schemeClr>
-            </a:gs>
-            <a:gs pos="100000">
-              <a:schemeClr val="phClr">
-                <a:tint val="15000"/>
-                <a:satMod val="350000"/>
-              </a:schemeClr>
-            </a:gs>
-          </a:gsLst>
-          <a:lin ang="16200000" scaled="1"/>
-        </a:gradFill>
-        <a:gradFill rotWithShape="1">
-          <a:gsLst>
-            <a:gs pos="0">
-              <a:schemeClr val="phClr">
-                <a:tint val="100000"/>
-                <a:shade val="100000"/>
-                <a:satMod val="130000"/>
-              </a:schemeClr>
-            </a:gs>
-            <a:gs pos="100000">
-              <a:schemeClr val="phClr">
-                <a:tint val="50000"/>
-                <a:shade val="100000"/>
-                <a:satMod val="350000"/>
-              </a:schemeClr>
-            </a:gs>
-          </a:gsLst>
-          <a:lin ang="16200000" scaled="0"/>
-        </a:gradFill>
-      </a:fillStyleLst>
-      <a:lnStyleLst>
-        <a:ln w="9525" cap="flat" cmpd="sng" algn="ctr">
-          <a:solidFill>
-            <a:schemeClr val="phClr">
-              <a:shade val="95000"/>
-              <a:satMod val="105000"/>
-            </a:schemeClr>
-          </a:solidFill>
-          <a:prstDash val="solid"/>
-        </a:ln>
-        <a:ln w="25400" cap="flat" cmpd="sng" algn="ctr">
-          <a:solidFill>
-            <a:schemeClr val="phClr"/>
-          </a:solidFill>
-          <a:prstDash val="solid"/>
-        </a:ln>
-        <a:ln w="38100" cap="flat" cmpd="sng" algn="ctr">
-          <a:solidFill>
-            <a:schemeClr val="phClr"/>
-          </a:solidFill>
-          <a:prstDash val="solid"/>
-        </a:ln>
-      </a:lnStyleLst>
-      <a:effectStyleLst>
-        <a:effectStyle>
-          <a:effectLst>
-            <a:outerShdw blurRad="40000" dist="20000" dir="5400000" rotWithShape="0">
-              <a:srgbClr val="000000">
-                <a:alpha val="38000"/>
-              </a:srgbClr>
-            </a:outerShdw>
-          </a:effectLst>
-        </a:effectStyle>
-        <a:effectStyle>
-          <a:effectLst>
-            <a:outerShdw blurRad="40000" dist="23000" dir="5400000" rotWithShape="0">
-              <a:srgbClr val="000000">
-                <a:alpha val="35000"/>
-              </a:srgbClr>
-            </a:outerShdw>
-          </a:effectLst>
-        </a:effectStyle>
-        <a:effectStyle>
-          <a:effectLst>
-            <a:outerShdw blurRad="40000" dist="23000" dir="5400000" rotWithShape="0">
-              <a:srgbClr val="000000">
-                <a:alpha val="35000"/>
-              </a:srgbClr>
-            </a:outerShdw>
-          </a:effectLst>
-          <a:scene3d>
-            <a:camera prst="orthographicFront">
-              <a:rot lat="0" lon="0" rev="0"/>
-            </a:camera>
-            <a:lightRig rig="threePt" dir="t">
-              <a:rot lat="0" lon="0" rev="1200000"/>
-            </a:lightRig>
-          </a:scene3d>
-          <a:sp3d>
-            <a:bevelT w="63500" h="25400"/>
-          </a:sp3d>
-        </a:effectStyle>
-      </a:effectStyleLst>
-      <a:bgFillStyleLst>
-        <a:solidFill>
-          <a:schemeClr val="phClr"/>
-        </a:solidFill>
-        <a:gradFill rotWithShape="1">
-          <a:gsLst>
-            <a:gs pos="0">
-              <a:schemeClr val="phClr">
-                <a:tint val="40000"/>
-                <a:satMod val="350000"/>
-              </a:schemeClr>
-            </a:gs>
-            <a:gs pos="40000">
-              <a:schemeClr val="phClr">
-                <a:tint val="45000"/>
-                <a:shade val="99000"/>
-                <a:satMod val="350000"/>
-              </a:schemeClr>
-            </a:gs>
-            <a:gs pos="100000">
-              <a:schemeClr val="phClr">
-                <a:shade val="20000"/>
-                <a:satMod val="255000"/>
-              </a:schemeClr>
-            </a:gs>
-          </a:gsLst>
-          <a:path path="circle">
-            <a:fillToRect l="50000" t="-80000" r="50000" b="180000"/>
-          </a:path>
-        </a:gradFill>
-        <a:gradFill rotWithShape="1">
-          <a:gsLst>
-            <a:gs pos="0">
-              <a:schemeClr val="phClr">
-                <a:tint val="80000"/>
-                <a:satMod val="300000"/>
-              </a:schemeClr>
-            </a:gs>
-            <a:gs pos="100000">
-              <a:schemeClr val="phClr">
-                <a:shade val="30000"/>
-                <a:satMod val="200000"/>
-              </a:schemeClr>
-            </a:gs>
-          </a:gsLst>
-          <a:path path="circle">
-            <a:fillToRect l="50000" t="50000" r="50000" b="50000"/>
-          </a:path>
-        </a:gradFill>
-      </a:bgFillStyleLst>
-    </a:fmtScheme>
-  </a:themeElements>
-</a:theme>
 </file>
--- a/slides/07_abstract_classes_interfaces.pptx
+++ b/slides/07_abstract_classes_interfaces.pptx
@@ -8823,7 +8823,7 @@
                 <a:cs typeface="Arial"/>
                 <a:sym typeface="Arial"/>
               </a:rPr>
-              <a:t>David Gemen und Andriyan Lapychak | Seite </a:t>
+              <a:t>David Gemen | Seite </a:t>
             </a:r>
             <a:fld id="{00000000-1234-1234-1234-123412341234}" type="slidenum">
               <a:rPr b="0" i="0" lang="de" sz="800" u="none" cap="none" strike="noStrike">
